--- a/Lesson_2/Semana 0.pptx
+++ b/Lesson_2/Semana 0.pptx
@@ -5,15 +5,20 @@
     <p:sldMasterId id="2147483778" r:id="rId4"/>
   </p:sldMasterIdLst>
   <p:notesMasterIdLst>
-    <p:notesMasterId r:id="rId8"/>
+    <p:notesMasterId r:id="rId13"/>
   </p:notesMasterIdLst>
   <p:handoutMasterIdLst>
-    <p:handoutMasterId r:id="rId9"/>
+    <p:handoutMasterId r:id="rId14"/>
   </p:handoutMasterIdLst>
   <p:sldIdLst>
     <p:sldId id="256" r:id="rId5"/>
     <p:sldId id="281" r:id="rId6"/>
-    <p:sldId id="268" r:id="rId7"/>
+    <p:sldId id="282" r:id="rId7"/>
+    <p:sldId id="283" r:id="rId8"/>
+    <p:sldId id="284" r:id="rId9"/>
+    <p:sldId id="285" r:id="rId10"/>
+    <p:sldId id="286" r:id="rId11"/>
+    <p:sldId id="287" r:id="rId12"/>
   </p:sldIdLst>
   <p:sldSz cx="9144000" cy="6858000" type="letter"/>
   <p:notesSz cx="6858000" cy="9144000"/>
@@ -119,7 +124,12 @@
           <p14:sldIdLst>
             <p14:sldId id="256"/>
             <p14:sldId id="281"/>
-            <p14:sldId id="268"/>
+            <p14:sldId id="282"/>
+            <p14:sldId id="283"/>
+            <p14:sldId id="284"/>
+            <p14:sldId id="285"/>
+            <p14:sldId id="286"/>
+            <p14:sldId id="287"/>
           </p14:sldIdLst>
         </p14:section>
       </p14:sectionLst>
@@ -159,7 +169,7 @@
 <file path=ppt/revisionInfo.xml><?xml version="1.0" encoding="utf-8"?>
 <p1510:revInfo xmlns:a="http://schemas.openxmlformats.org/drawingml/2006/main" xmlns:r="http://schemas.openxmlformats.org/officeDocument/2006/relationships" xmlns:p1510="http://schemas.microsoft.com/office/powerpoint/2015/10/main">
   <p1510:revLst>
-    <p1510:client id="{01347BAF-43BE-4A2E-9E6D-2A57DE594E32}" v="2" dt="2025-08-14T18:22:17.174"/>
+    <p1510:client id="{01347BAF-43BE-4A2E-9E6D-2A57DE594E32}" v="29" dt="2025-08-22T16:05:46.168"/>
   </p1510:revLst>
 </p1510:revInfo>
 </file>
@@ -235,8 +245,8 @@
   </pc:docChgLst>
   <pc:docChgLst>
     <pc:chgData name="JHEYSON FABIAN VILLAVISAN BUITRAGO" userId="e5ced5c2-d787-455d-b115-4f08a699b8c8" providerId="ADAL" clId="{01347BAF-43BE-4A2E-9E6D-2A57DE594E32}"/>
-    <pc:docChg chg="delSld modSld modSection">
-      <pc:chgData name="JHEYSON FABIAN VILLAVISAN BUITRAGO" userId="e5ced5c2-d787-455d-b115-4f08a699b8c8" providerId="ADAL" clId="{01347BAF-43BE-4A2E-9E6D-2A57DE594E32}" dt="2025-08-14T18:22:54.742" v="75" actId="20577"/>
+    <pc:docChg chg="addSld delSld modSld modSection">
+      <pc:chgData name="JHEYSON FABIAN VILLAVISAN BUITRAGO" userId="e5ced5c2-d787-455d-b115-4f08a699b8c8" providerId="ADAL" clId="{01347BAF-43BE-4A2E-9E6D-2A57DE594E32}" dt="2025-08-22T16:05:46.167" v="247" actId="20577"/>
       <pc:docMkLst>
         <pc:docMk/>
       </pc:docMkLst>
@@ -255,28 +265,12 @@
           </ac:spMkLst>
         </pc:spChg>
       </pc:sldChg>
-      <pc:sldChg chg="modSp mod">
-        <pc:chgData name="JHEYSON FABIAN VILLAVISAN BUITRAGO" userId="e5ced5c2-d787-455d-b115-4f08a699b8c8" providerId="ADAL" clId="{01347BAF-43BE-4A2E-9E6D-2A57DE594E32}" dt="2025-08-14T18:22:54.742" v="75" actId="20577"/>
+      <pc:sldChg chg="modSp del mod">
+        <pc:chgData name="JHEYSON FABIAN VILLAVISAN BUITRAGO" userId="e5ced5c2-d787-455d-b115-4f08a699b8c8" providerId="ADAL" clId="{01347BAF-43BE-4A2E-9E6D-2A57DE594E32}" dt="2025-08-22T15:56:20.365" v="97" actId="47"/>
         <pc:sldMkLst>
           <pc:docMk/>
           <pc:sldMk cId="0" sldId="268"/>
         </pc:sldMkLst>
-        <pc:spChg chg="mod">
-          <ac:chgData name="JHEYSON FABIAN VILLAVISAN BUITRAGO" userId="e5ced5c2-d787-455d-b115-4f08a699b8c8" providerId="ADAL" clId="{01347BAF-43BE-4A2E-9E6D-2A57DE594E32}" dt="2025-08-14T18:22:49.756" v="73" actId="404"/>
-          <ac:spMkLst>
-            <pc:docMk/>
-            <pc:sldMk cId="0" sldId="268"/>
-            <ac:spMk id="3" creationId="{989468C4-5745-FDFE-6E28-10FFE4C6E858}"/>
-          </ac:spMkLst>
-        </pc:spChg>
-        <pc:spChg chg="mod">
-          <ac:chgData name="JHEYSON FABIAN VILLAVISAN BUITRAGO" userId="e5ced5c2-d787-455d-b115-4f08a699b8c8" providerId="ADAL" clId="{01347BAF-43BE-4A2E-9E6D-2A57DE594E32}" dt="2025-08-14T18:22:54.742" v="75" actId="20577"/>
-          <ac:spMkLst>
-            <pc:docMk/>
-            <pc:sldMk cId="0" sldId="268"/>
-            <ac:spMk id="23554" creationId="{EA98F516-CD1D-4B94-8AAC-2D9EAEE9939C}"/>
-          </ac:spMkLst>
-        </pc:spChg>
       </pc:sldChg>
       <pc:sldChg chg="del">
         <pc:chgData name="JHEYSON FABIAN VILLAVISAN BUITRAGO" userId="e5ced5c2-d787-455d-b115-4f08a699b8c8" providerId="ADAL" clId="{01347BAF-43BE-4A2E-9E6D-2A57DE594E32}" dt="2025-08-14T18:22:11.299" v="1" actId="47"/>
@@ -285,8 +279,8 @@
           <pc:sldMk cId="2965408220" sldId="280"/>
         </pc:sldMkLst>
       </pc:sldChg>
-      <pc:sldChg chg="modSp mod">
-        <pc:chgData name="JHEYSON FABIAN VILLAVISAN BUITRAGO" userId="e5ced5c2-d787-455d-b115-4f08a699b8c8" providerId="ADAL" clId="{01347BAF-43BE-4A2E-9E6D-2A57DE594E32}" dt="2025-08-14T18:22:17.174" v="3"/>
+      <pc:sldChg chg="addSp modSp mod">
+        <pc:chgData name="JHEYSON FABIAN VILLAVISAN BUITRAGO" userId="e5ced5c2-d787-455d-b115-4f08a699b8c8" providerId="ADAL" clId="{01347BAF-43BE-4A2E-9E6D-2A57DE594E32}" dt="2025-08-22T15:54:44.672" v="92" actId="20577"/>
         <pc:sldMkLst>
           <pc:docMk/>
           <pc:sldMk cId="3192913639" sldId="281"/>
@@ -300,11 +294,165 @@
           </ac:spMkLst>
         </pc:spChg>
         <pc:spChg chg="mod">
+          <ac:chgData name="JHEYSON FABIAN VILLAVISAN BUITRAGO" userId="e5ced5c2-d787-455d-b115-4f08a699b8c8" providerId="ADAL" clId="{01347BAF-43BE-4A2E-9E6D-2A57DE594E32}" dt="2025-08-22T15:50:36.600" v="76" actId="20577"/>
+          <ac:spMkLst>
+            <pc:docMk/>
+            <pc:sldMk cId="3192913639" sldId="281"/>
+            <ac:spMk id="3" creationId="{989468C4-5745-FDFE-6E28-10FFE4C6E858}"/>
+          </ac:spMkLst>
+        </pc:spChg>
+        <pc:spChg chg="add mod">
+          <ac:chgData name="JHEYSON FABIAN VILLAVISAN BUITRAGO" userId="e5ced5c2-d787-455d-b115-4f08a699b8c8" providerId="ADAL" clId="{01347BAF-43BE-4A2E-9E6D-2A57DE594E32}" dt="2025-08-22T15:54:44.672" v="92" actId="20577"/>
+          <ac:spMkLst>
+            <pc:docMk/>
+            <pc:sldMk cId="3192913639" sldId="281"/>
+            <ac:spMk id="5" creationId="{FFF1DA25-2D11-7EC4-DDEC-0D66B2759D9F}"/>
+          </ac:spMkLst>
+        </pc:spChg>
+        <pc:spChg chg="mod">
           <ac:chgData name="JHEYSON FABIAN VILLAVISAN BUITRAGO" userId="e5ced5c2-d787-455d-b115-4f08a699b8c8" providerId="ADAL" clId="{01347BAF-43BE-4A2E-9E6D-2A57DE594E32}" dt="2025-08-14T18:22:15.122" v="2" actId="20577"/>
           <ac:spMkLst>
             <pc:docMk/>
             <pc:sldMk cId="3192913639" sldId="281"/>
             <ac:spMk id="23554" creationId="{EA98F516-CD1D-4B94-8AAC-2D9EAEE9939C}"/>
+          </ac:spMkLst>
+        </pc:spChg>
+      </pc:sldChg>
+      <pc:sldChg chg="modSp add mod">
+        <pc:chgData name="JHEYSON FABIAN VILLAVISAN BUITRAGO" userId="e5ced5c2-d787-455d-b115-4f08a699b8c8" providerId="ADAL" clId="{01347BAF-43BE-4A2E-9E6D-2A57DE594E32}" dt="2025-08-22T15:56:11.899" v="96" actId="113"/>
+        <pc:sldMkLst>
+          <pc:docMk/>
+          <pc:sldMk cId="2053720659" sldId="282"/>
+        </pc:sldMkLst>
+        <pc:spChg chg="mod">
+          <ac:chgData name="JHEYSON FABIAN VILLAVISAN BUITRAGO" userId="e5ced5c2-d787-455d-b115-4f08a699b8c8" providerId="ADAL" clId="{01347BAF-43BE-4A2E-9E6D-2A57DE594E32}" dt="2025-08-22T15:56:11.899" v="96" actId="113"/>
+          <ac:spMkLst>
+            <pc:docMk/>
+            <pc:sldMk cId="2053720659" sldId="282"/>
+            <ac:spMk id="5" creationId="{2373AE8B-1229-0F09-0859-310375658373}"/>
+          </ac:spMkLst>
+        </pc:spChg>
+        <pc:spChg chg="mod">
+          <ac:chgData name="JHEYSON FABIAN VILLAVISAN BUITRAGO" userId="e5ced5c2-d787-455d-b115-4f08a699b8c8" providerId="ADAL" clId="{01347BAF-43BE-4A2E-9E6D-2A57DE594E32}" dt="2025-08-22T15:56:00.545" v="95" actId="20577"/>
+          <ac:spMkLst>
+            <pc:docMk/>
+            <pc:sldMk cId="2053720659" sldId="282"/>
+            <ac:spMk id="23554" creationId="{85264479-F3A2-2359-4773-2E388812DEDB}"/>
+          </ac:spMkLst>
+        </pc:spChg>
+      </pc:sldChg>
+      <pc:sldChg chg="modSp add mod">
+        <pc:chgData name="JHEYSON FABIAN VILLAVISAN BUITRAGO" userId="e5ced5c2-d787-455d-b115-4f08a699b8c8" providerId="ADAL" clId="{01347BAF-43BE-4A2E-9E6D-2A57DE594E32}" dt="2025-08-22T15:58:48.025" v="191" actId="20577"/>
+        <pc:sldMkLst>
+          <pc:docMk/>
+          <pc:sldMk cId="1087646370" sldId="283"/>
+        </pc:sldMkLst>
+        <pc:spChg chg="mod">
+          <ac:chgData name="JHEYSON FABIAN VILLAVISAN BUITRAGO" userId="e5ced5c2-d787-455d-b115-4f08a699b8c8" providerId="ADAL" clId="{01347BAF-43BE-4A2E-9E6D-2A57DE594E32}" dt="2025-08-22T15:58:48.025" v="191" actId="20577"/>
+          <ac:spMkLst>
+            <pc:docMk/>
+            <pc:sldMk cId="1087646370" sldId="283"/>
+            <ac:spMk id="5" creationId="{86094878-3932-3763-4DF5-52DA72A3716D}"/>
+          </ac:spMkLst>
+        </pc:spChg>
+        <pc:spChg chg="mod">
+          <ac:chgData name="JHEYSON FABIAN VILLAVISAN BUITRAGO" userId="e5ced5c2-d787-455d-b115-4f08a699b8c8" providerId="ADAL" clId="{01347BAF-43BE-4A2E-9E6D-2A57DE594E32}" dt="2025-08-22T15:56:27.178" v="102" actId="20577"/>
+          <ac:spMkLst>
+            <pc:docMk/>
+            <pc:sldMk cId="1087646370" sldId="283"/>
+            <ac:spMk id="23554" creationId="{666F861F-1749-03DD-C128-4DB982E57036}"/>
+          </ac:spMkLst>
+        </pc:spChg>
+      </pc:sldChg>
+      <pc:sldChg chg="modSp add mod">
+        <pc:chgData name="JHEYSON FABIAN VILLAVISAN BUITRAGO" userId="e5ced5c2-d787-455d-b115-4f08a699b8c8" providerId="ADAL" clId="{01347BAF-43BE-4A2E-9E6D-2A57DE594E32}" dt="2025-08-22T16:01:43.852" v="204" actId="20577"/>
+        <pc:sldMkLst>
+          <pc:docMk/>
+          <pc:sldMk cId="2730890802" sldId="284"/>
+        </pc:sldMkLst>
+        <pc:spChg chg="mod">
+          <ac:chgData name="JHEYSON FABIAN VILLAVISAN BUITRAGO" userId="e5ced5c2-d787-455d-b115-4f08a699b8c8" providerId="ADAL" clId="{01347BAF-43BE-4A2E-9E6D-2A57DE594E32}" dt="2025-08-22T16:01:43.852" v="204" actId="20577"/>
+          <ac:spMkLst>
+            <pc:docMk/>
+            <pc:sldMk cId="2730890802" sldId="284"/>
+            <ac:spMk id="5" creationId="{CD925B0C-D3BF-1811-98E2-4882A5BBE42B}"/>
+          </ac:spMkLst>
+        </pc:spChg>
+        <pc:spChg chg="mod">
+          <ac:chgData name="JHEYSON FABIAN VILLAVISAN BUITRAGO" userId="e5ced5c2-d787-455d-b115-4f08a699b8c8" providerId="ADAL" clId="{01347BAF-43BE-4A2E-9E6D-2A57DE594E32}" dt="2025-08-22T15:59:27.697" v="193" actId="20577"/>
+          <ac:spMkLst>
+            <pc:docMk/>
+            <pc:sldMk cId="2730890802" sldId="284"/>
+            <ac:spMk id="23554" creationId="{DB8905E6-FFA3-D31C-D589-3C89CFA2EFA1}"/>
+          </ac:spMkLst>
+        </pc:spChg>
+      </pc:sldChg>
+      <pc:sldChg chg="modSp add mod">
+        <pc:chgData name="JHEYSON FABIAN VILLAVISAN BUITRAGO" userId="e5ced5c2-d787-455d-b115-4f08a699b8c8" providerId="ADAL" clId="{01347BAF-43BE-4A2E-9E6D-2A57DE594E32}" dt="2025-08-22T16:05:35.161" v="241" actId="20577"/>
+        <pc:sldMkLst>
+          <pc:docMk/>
+          <pc:sldMk cId="2487971500" sldId="285"/>
+        </pc:sldMkLst>
+        <pc:spChg chg="mod">
+          <ac:chgData name="JHEYSON FABIAN VILLAVISAN BUITRAGO" userId="e5ced5c2-d787-455d-b115-4f08a699b8c8" providerId="ADAL" clId="{01347BAF-43BE-4A2E-9E6D-2A57DE594E32}" dt="2025-08-22T16:04:16.697" v="228" actId="20577"/>
+          <ac:spMkLst>
+            <pc:docMk/>
+            <pc:sldMk cId="2487971500" sldId="285"/>
+            <ac:spMk id="5" creationId="{155A6540-4BE2-EF2A-20DB-4C2966D5956F}"/>
+          </ac:spMkLst>
+        </pc:spChg>
+        <pc:spChg chg="mod">
+          <ac:chgData name="JHEYSON FABIAN VILLAVISAN BUITRAGO" userId="e5ced5c2-d787-455d-b115-4f08a699b8c8" providerId="ADAL" clId="{01347BAF-43BE-4A2E-9E6D-2A57DE594E32}" dt="2025-08-22T16:05:35.161" v="241" actId="20577"/>
+          <ac:spMkLst>
+            <pc:docMk/>
+            <pc:sldMk cId="2487971500" sldId="285"/>
+            <ac:spMk id="23554" creationId="{7F33A682-F62C-A04C-42B2-0EC0A7B9D95D}"/>
+          </ac:spMkLst>
+        </pc:spChg>
+      </pc:sldChg>
+      <pc:sldChg chg="modSp add mod">
+        <pc:chgData name="JHEYSON FABIAN VILLAVISAN BUITRAGO" userId="e5ced5c2-d787-455d-b115-4f08a699b8c8" providerId="ADAL" clId="{01347BAF-43BE-4A2E-9E6D-2A57DE594E32}" dt="2025-08-22T16:05:38.389" v="243" actId="20577"/>
+        <pc:sldMkLst>
+          <pc:docMk/>
+          <pc:sldMk cId="1893589053" sldId="286"/>
+        </pc:sldMkLst>
+        <pc:spChg chg="mod">
+          <ac:chgData name="JHEYSON FABIAN VILLAVISAN BUITRAGO" userId="e5ced5c2-d787-455d-b115-4f08a699b8c8" providerId="ADAL" clId="{01347BAF-43BE-4A2E-9E6D-2A57DE594E32}" dt="2025-08-22T16:05:16.116" v="239" actId="20577"/>
+          <ac:spMkLst>
+            <pc:docMk/>
+            <pc:sldMk cId="1893589053" sldId="286"/>
+            <ac:spMk id="5" creationId="{1A53D2E8-36CA-CBFF-FCF4-DC71B9D30D55}"/>
+          </ac:spMkLst>
+        </pc:spChg>
+        <pc:spChg chg="mod">
+          <ac:chgData name="JHEYSON FABIAN VILLAVISAN BUITRAGO" userId="e5ced5c2-d787-455d-b115-4f08a699b8c8" providerId="ADAL" clId="{01347BAF-43BE-4A2E-9E6D-2A57DE594E32}" dt="2025-08-22T16:05:38.389" v="243" actId="20577"/>
+          <ac:spMkLst>
+            <pc:docMk/>
+            <pc:sldMk cId="1893589053" sldId="286"/>
+            <ac:spMk id="23554" creationId="{BF56F455-2C88-295E-50F1-4B764249AEFF}"/>
+          </ac:spMkLst>
+        </pc:spChg>
+      </pc:sldChg>
+      <pc:sldChg chg="modSp add mod">
+        <pc:chgData name="JHEYSON FABIAN VILLAVISAN BUITRAGO" userId="e5ced5c2-d787-455d-b115-4f08a699b8c8" providerId="ADAL" clId="{01347BAF-43BE-4A2E-9E6D-2A57DE594E32}" dt="2025-08-22T16:05:46.167" v="247" actId="20577"/>
+        <pc:sldMkLst>
+          <pc:docMk/>
+          <pc:sldMk cId="2195650862" sldId="287"/>
+        </pc:sldMkLst>
+        <pc:spChg chg="mod">
+          <ac:chgData name="JHEYSON FABIAN VILLAVISAN BUITRAGO" userId="e5ced5c2-d787-455d-b115-4f08a699b8c8" providerId="ADAL" clId="{01347BAF-43BE-4A2E-9E6D-2A57DE594E32}" dt="2025-08-22T16:05:46.167" v="247" actId="20577"/>
+          <ac:spMkLst>
+            <pc:docMk/>
+            <pc:sldMk cId="2195650862" sldId="287"/>
+            <ac:spMk id="5" creationId="{1D0C511C-9BC7-C4CE-4D1B-D4D88D44C72E}"/>
+          </ac:spMkLst>
+        </pc:spChg>
+        <pc:spChg chg="mod">
+          <ac:chgData name="JHEYSON FABIAN VILLAVISAN BUITRAGO" userId="e5ced5c2-d787-455d-b115-4f08a699b8c8" providerId="ADAL" clId="{01347BAF-43BE-4A2E-9E6D-2A57DE594E32}" dt="2025-08-22T16:05:41.392" v="244" actId="20577"/>
+          <ac:spMkLst>
+            <pc:docMk/>
+            <pc:sldMk cId="2195650862" sldId="287"/>
+            <ac:spMk id="23554" creationId="{9407108A-1AC1-D2E6-54CE-10D2EFA8909B}"/>
           </ac:spMkLst>
         </pc:spChg>
       </pc:sldChg>
@@ -829,7 +977,7 @@
               <a:pPr>
                 <a:defRPr/>
               </a:pPr>
-              <a:t>14/08/2025</a:t>
+              <a:t>22/08/2025</a:t>
             </a:fld>
             <a:endParaRPr lang="es-CO"/>
           </a:p>
@@ -1072,7 +1220,7 @@
               <a:pPr>
                 <a:defRPr/>
               </a:pPr>
-              <a:t>14/08/2025</a:t>
+              <a:t>22/08/2025</a:t>
             </a:fld>
             <a:endParaRPr lang="es-CO"/>
           </a:p>
@@ -2004,7 +2152,13 @@
   <p:cSld>
     <p:spTree>
       <p:nvGrpSpPr>
-        <p:cNvPr id="1" name=""/>
+        <p:cNvPr id="1" name="">
+          <a:extLst>
+            <a:ext uri="{FF2B5EF4-FFF2-40B4-BE49-F238E27FC236}">
+              <a16:creationId xmlns:a16="http://schemas.microsoft.com/office/drawing/2014/main" id="{6BEFCCB8-93AE-D730-BA9A-E943B39C7DBF}"/>
+            </a:ext>
+          </a:extLst>
+        </p:cNvPr>
         <p:cNvGrpSpPr/>
         <p:nvPr/>
       </p:nvGrpSpPr>
@@ -2021,7 +2175,7 @@
           <p:cNvPr id="24578" name="1 Marcador de imagen de diapositiva">
             <a:extLst>
               <a:ext uri="{FF2B5EF4-FFF2-40B4-BE49-F238E27FC236}">
-                <a16:creationId xmlns:a16="http://schemas.microsoft.com/office/drawing/2014/main" id="{A034F020-34E5-482F-99B1-A355D641BDE9}"/>
+                <a16:creationId xmlns:a16="http://schemas.microsoft.com/office/drawing/2014/main" id="{61684595-4FA2-A377-4586-F15BE64B3085}"/>
               </a:ext>
             </a:extLst>
           </p:cNvPr>
@@ -2058,7 +2212,7 @@
           <p:cNvPr id="24579" name="2 Marcador de notas">
             <a:extLst>
               <a:ext uri="{FF2B5EF4-FFF2-40B4-BE49-F238E27FC236}">
-                <a16:creationId xmlns:a16="http://schemas.microsoft.com/office/drawing/2014/main" id="{4ACC1D78-A4EE-4296-B827-943102B1D158}"/>
+                <a16:creationId xmlns:a16="http://schemas.microsoft.com/office/drawing/2014/main" id="{8E3DF158-CC92-D1CD-E2AE-C226D4C73EDB}"/>
               </a:ext>
             </a:extLst>
           </p:cNvPr>
@@ -2113,7 +2267,7 @@
           <p:cNvPr id="24580" name="3 Marcador de número de diapositiva">
             <a:extLst>
               <a:ext uri="{FF2B5EF4-FFF2-40B4-BE49-F238E27FC236}">
-                <a16:creationId xmlns:a16="http://schemas.microsoft.com/office/drawing/2014/main" id="{FD4DD11A-8247-45C7-960E-F8FB51C751B6}"/>
+                <a16:creationId xmlns:a16="http://schemas.microsoft.com/office/drawing/2014/main" id="{BBF05B85-C680-008D-F351-20AF9B6F5819}"/>
               </a:ext>
             </a:extLst>
           </p:cNvPr>
@@ -2281,6 +2435,1511 @@
         </p:txBody>
       </p:sp>
     </p:spTree>
+    <p:extLst>
+      <p:ext uri="{BB962C8B-B14F-4D97-AF65-F5344CB8AC3E}">
+        <p14:creationId xmlns:p14="http://schemas.microsoft.com/office/powerpoint/2010/main" val="4030650955"/>
+      </p:ext>
+    </p:extLst>
+  </p:cSld>
+  <p:clrMapOvr>
+    <a:masterClrMapping/>
+  </p:clrMapOvr>
+</p:notes>
+</file>
+
+<file path=ppt/notesSlides/notesSlide4.xml><?xml version="1.0" encoding="utf-8"?>
+<p:notes xmlns:a="http://schemas.openxmlformats.org/drawingml/2006/main" xmlns:r="http://schemas.openxmlformats.org/officeDocument/2006/relationships" xmlns:p="http://schemas.openxmlformats.org/presentationml/2006/main">
+  <p:cSld>
+    <p:spTree>
+      <p:nvGrpSpPr>
+        <p:cNvPr id="1" name="">
+          <a:extLst>
+            <a:ext uri="{FF2B5EF4-FFF2-40B4-BE49-F238E27FC236}">
+              <a16:creationId xmlns:a16="http://schemas.microsoft.com/office/drawing/2014/main" id="{0D954AD9-BC20-060B-C827-3A185358F4DC}"/>
+            </a:ext>
+          </a:extLst>
+        </p:cNvPr>
+        <p:cNvGrpSpPr/>
+        <p:nvPr/>
+      </p:nvGrpSpPr>
+      <p:grpSpPr>
+        <a:xfrm>
+          <a:off x="0" y="0"/>
+          <a:ext cx="0" cy="0"/>
+          <a:chOff x="0" y="0"/>
+          <a:chExt cx="0" cy="0"/>
+        </a:xfrm>
+      </p:grpSpPr>
+      <p:sp>
+        <p:nvSpPr>
+          <p:cNvPr id="24578" name="1 Marcador de imagen de diapositiva">
+            <a:extLst>
+              <a:ext uri="{FF2B5EF4-FFF2-40B4-BE49-F238E27FC236}">
+                <a16:creationId xmlns:a16="http://schemas.microsoft.com/office/drawing/2014/main" id="{B3E34249-DC36-BD61-07D7-396B92ADEC8A}"/>
+              </a:ext>
+            </a:extLst>
+          </p:cNvPr>
+          <p:cNvSpPr>
+            <a:spLocks noGrp="1" noRot="1" noChangeAspect="1" noTextEdit="1"/>
+          </p:cNvSpPr>
+          <p:nvPr>
+            <p:ph type="sldImg"/>
+          </p:nvPr>
+        </p:nvSpPr>
+        <p:spPr bwMode="auto">
+          <a:noFill/>
+          <a:ln>
+            <a:solidFill>
+              <a:srgbClr val="000000"/>
+            </a:solidFill>
+            <a:miter lim="800000"/>
+            <a:headEnd/>
+            <a:tailEnd/>
+          </a:ln>
+          <a:extLst>
+            <a:ext uri="{909E8E84-426E-40DD-AFC4-6F175D3DCCD1}">
+              <a14:hiddenFill xmlns:a14="http://schemas.microsoft.com/office/drawing/2010/main">
+                <a:solidFill>
+                  <a:srgbClr val="FFFFFF"/>
+                </a:solidFill>
+              </a14:hiddenFill>
+            </a:ext>
+          </a:extLst>
+        </p:spPr>
+      </p:sp>
+      <p:sp>
+        <p:nvSpPr>
+          <p:cNvPr id="24579" name="2 Marcador de notas">
+            <a:extLst>
+              <a:ext uri="{FF2B5EF4-FFF2-40B4-BE49-F238E27FC236}">
+                <a16:creationId xmlns:a16="http://schemas.microsoft.com/office/drawing/2014/main" id="{D166C12F-7B83-2A7C-5E38-3403DC6F1CB0}"/>
+              </a:ext>
+            </a:extLst>
+          </p:cNvPr>
+          <p:cNvSpPr>
+            <a:spLocks noGrp="1"/>
+          </p:cNvSpPr>
+          <p:nvPr>
+            <p:ph type="body" idx="1"/>
+          </p:nvPr>
+        </p:nvSpPr>
+        <p:spPr bwMode="auto">
+          <a:noFill/>
+          <a:extLst>
+            <a:ext uri="{909E8E84-426E-40DD-AFC4-6F175D3DCCD1}">
+              <a14:hiddenFill xmlns:a14="http://schemas.microsoft.com/office/drawing/2010/main">
+                <a:solidFill>
+                  <a:srgbClr val="FFFFFF"/>
+                </a:solidFill>
+              </a14:hiddenFill>
+            </a:ext>
+            <a:ext uri="{91240B29-F687-4F45-9708-019B960494DF}">
+              <a14:hiddenLine xmlns:a14="http://schemas.microsoft.com/office/drawing/2010/main" w="9525">
+                <a:solidFill>
+                  <a:srgbClr val="000000"/>
+                </a:solidFill>
+                <a:miter lim="800000"/>
+                <a:headEnd/>
+                <a:tailEnd/>
+              </a14:hiddenLine>
+            </a:ext>
+          </a:extLst>
+        </p:spPr>
+        <p:txBody>
+          <a:bodyPr wrap="square" numCol="1" anchor="t" anchorCtr="0" compatLnSpc="1">
+            <a:prstTxWarp prst="textNoShape">
+              <a:avLst/>
+            </a:prstTxWarp>
+          </a:bodyPr>
+          <a:lstStyle/>
+          <a:p>
+            <a:pPr eaLnBrk="1" hangingPunct="1">
+              <a:spcBef>
+                <a:spcPct val="0"/>
+              </a:spcBef>
+            </a:pPr>
+            <a:endParaRPr lang="es-CO" altLang="es-CO"/>
+          </a:p>
+        </p:txBody>
+      </p:sp>
+      <p:sp>
+        <p:nvSpPr>
+          <p:cNvPr id="24580" name="3 Marcador de número de diapositiva">
+            <a:extLst>
+              <a:ext uri="{FF2B5EF4-FFF2-40B4-BE49-F238E27FC236}">
+                <a16:creationId xmlns:a16="http://schemas.microsoft.com/office/drawing/2014/main" id="{09ADBB3D-41F2-C99A-8CC6-F6192173ED38}"/>
+              </a:ext>
+            </a:extLst>
+          </p:cNvPr>
+          <p:cNvSpPr>
+            <a:spLocks noGrp="1" noChangeArrowheads="1"/>
+          </p:cNvSpPr>
+          <p:nvPr>
+            <p:ph type="sldNum" sz="quarter" idx="5"/>
+          </p:nvPr>
+        </p:nvSpPr>
+        <p:spPr bwMode="auto">
+          <a:noFill/>
+          <a:extLst>
+            <a:ext uri="{909E8E84-426E-40DD-AFC4-6F175D3DCCD1}">
+              <a14:hiddenFill xmlns:a14="http://schemas.microsoft.com/office/drawing/2010/main">
+                <a:solidFill>
+                  <a:srgbClr val="FFFFFF"/>
+                </a:solidFill>
+              </a14:hiddenFill>
+            </a:ext>
+            <a:ext uri="{91240B29-F687-4F45-9708-019B960494DF}">
+              <a14:hiddenLine xmlns:a14="http://schemas.microsoft.com/office/drawing/2010/main" w="9525">
+                <a:solidFill>
+                  <a:srgbClr val="000000"/>
+                </a:solidFill>
+                <a:miter lim="800000"/>
+                <a:headEnd/>
+                <a:tailEnd/>
+              </a14:hiddenLine>
+            </a:ext>
+          </a:extLst>
+        </p:spPr>
+        <p:txBody>
+          <a:bodyPr/>
+          <a:lstStyle>
+            <a:lvl1pPr>
+              <a:spcBef>
+                <a:spcPct val="30000"/>
+              </a:spcBef>
+              <a:defRPr sz="1200">
+                <a:solidFill>
+                  <a:schemeClr val="tx1"/>
+                </a:solidFill>
+                <a:latin typeface="Calibri" panose="020F0502020204030204" pitchFamily="34" charset="0"/>
+              </a:defRPr>
+            </a:lvl1pPr>
+            <a:lvl2pPr marL="742950" indent="-285750">
+              <a:spcBef>
+                <a:spcPct val="30000"/>
+              </a:spcBef>
+              <a:defRPr sz="1200">
+                <a:solidFill>
+                  <a:schemeClr val="tx1"/>
+                </a:solidFill>
+                <a:latin typeface="Calibri" panose="020F0502020204030204" pitchFamily="34" charset="0"/>
+              </a:defRPr>
+            </a:lvl2pPr>
+            <a:lvl3pPr marL="1143000" indent="-228600">
+              <a:spcBef>
+                <a:spcPct val="30000"/>
+              </a:spcBef>
+              <a:defRPr sz="1200">
+                <a:solidFill>
+                  <a:schemeClr val="tx1"/>
+                </a:solidFill>
+                <a:latin typeface="Calibri" panose="020F0502020204030204" pitchFamily="34" charset="0"/>
+              </a:defRPr>
+            </a:lvl3pPr>
+            <a:lvl4pPr marL="1600200" indent="-228600">
+              <a:spcBef>
+                <a:spcPct val="30000"/>
+              </a:spcBef>
+              <a:defRPr sz="1200">
+                <a:solidFill>
+                  <a:schemeClr val="tx1"/>
+                </a:solidFill>
+                <a:latin typeface="Calibri" panose="020F0502020204030204" pitchFamily="34" charset="0"/>
+              </a:defRPr>
+            </a:lvl4pPr>
+            <a:lvl5pPr marL="2057400" indent="-228600">
+              <a:spcBef>
+                <a:spcPct val="30000"/>
+              </a:spcBef>
+              <a:defRPr sz="1200">
+                <a:solidFill>
+                  <a:schemeClr val="tx1"/>
+                </a:solidFill>
+                <a:latin typeface="Calibri" panose="020F0502020204030204" pitchFamily="34" charset="0"/>
+              </a:defRPr>
+            </a:lvl5pPr>
+            <a:lvl6pPr marL="2514600" indent="-228600" eaLnBrk="0" fontAlgn="base" hangingPunct="0">
+              <a:spcBef>
+                <a:spcPct val="30000"/>
+              </a:spcBef>
+              <a:spcAft>
+                <a:spcPct val="0"/>
+              </a:spcAft>
+              <a:defRPr sz="1200">
+                <a:solidFill>
+                  <a:schemeClr val="tx1"/>
+                </a:solidFill>
+                <a:latin typeface="Calibri" panose="020F0502020204030204" pitchFamily="34" charset="0"/>
+              </a:defRPr>
+            </a:lvl6pPr>
+            <a:lvl7pPr marL="2971800" indent="-228600" eaLnBrk="0" fontAlgn="base" hangingPunct="0">
+              <a:spcBef>
+                <a:spcPct val="30000"/>
+              </a:spcBef>
+              <a:spcAft>
+                <a:spcPct val="0"/>
+              </a:spcAft>
+              <a:defRPr sz="1200">
+                <a:solidFill>
+                  <a:schemeClr val="tx1"/>
+                </a:solidFill>
+                <a:latin typeface="Calibri" panose="020F0502020204030204" pitchFamily="34" charset="0"/>
+              </a:defRPr>
+            </a:lvl7pPr>
+            <a:lvl8pPr marL="3429000" indent="-228600" eaLnBrk="0" fontAlgn="base" hangingPunct="0">
+              <a:spcBef>
+                <a:spcPct val="30000"/>
+              </a:spcBef>
+              <a:spcAft>
+                <a:spcPct val="0"/>
+              </a:spcAft>
+              <a:defRPr sz="1200">
+                <a:solidFill>
+                  <a:schemeClr val="tx1"/>
+                </a:solidFill>
+                <a:latin typeface="Calibri" panose="020F0502020204030204" pitchFamily="34" charset="0"/>
+              </a:defRPr>
+            </a:lvl8pPr>
+            <a:lvl9pPr marL="3886200" indent="-228600" eaLnBrk="0" fontAlgn="base" hangingPunct="0">
+              <a:spcBef>
+                <a:spcPct val="30000"/>
+              </a:spcBef>
+              <a:spcAft>
+                <a:spcPct val="0"/>
+              </a:spcAft>
+              <a:defRPr sz="1200">
+                <a:solidFill>
+                  <a:schemeClr val="tx1"/>
+                </a:solidFill>
+                <a:latin typeface="Calibri" panose="020F0502020204030204" pitchFamily="34" charset="0"/>
+              </a:defRPr>
+            </a:lvl9pPr>
+          </a:lstStyle>
+          <a:p>
+            <a:pPr>
+              <a:spcBef>
+                <a:spcPct val="0"/>
+              </a:spcBef>
+            </a:pPr>
+            <a:fld id="{F044EFCE-52CC-4B49-9C54-448D812356D5}" type="slidenum">
+              <a:rPr lang="es-CO" altLang="es-CO" smtClean="0"/>
+              <a:pPr>
+                <a:spcBef>
+                  <a:spcPct val="0"/>
+                </a:spcBef>
+              </a:pPr>
+              <a:t>4</a:t>
+            </a:fld>
+            <a:endParaRPr lang="es-CO" altLang="es-CO"/>
+          </a:p>
+        </p:txBody>
+      </p:sp>
+    </p:spTree>
+    <p:extLst>
+      <p:ext uri="{BB962C8B-B14F-4D97-AF65-F5344CB8AC3E}">
+        <p14:creationId xmlns:p14="http://schemas.microsoft.com/office/powerpoint/2010/main" val="4031296827"/>
+      </p:ext>
+    </p:extLst>
+  </p:cSld>
+  <p:clrMapOvr>
+    <a:masterClrMapping/>
+  </p:clrMapOvr>
+</p:notes>
+</file>
+
+<file path=ppt/notesSlides/notesSlide5.xml><?xml version="1.0" encoding="utf-8"?>
+<p:notes xmlns:a="http://schemas.openxmlformats.org/drawingml/2006/main" xmlns:r="http://schemas.openxmlformats.org/officeDocument/2006/relationships" xmlns:p="http://schemas.openxmlformats.org/presentationml/2006/main">
+  <p:cSld>
+    <p:spTree>
+      <p:nvGrpSpPr>
+        <p:cNvPr id="1" name="">
+          <a:extLst>
+            <a:ext uri="{FF2B5EF4-FFF2-40B4-BE49-F238E27FC236}">
+              <a16:creationId xmlns:a16="http://schemas.microsoft.com/office/drawing/2014/main" id="{4B13A744-5F16-60EE-022F-2142448FCC61}"/>
+            </a:ext>
+          </a:extLst>
+        </p:cNvPr>
+        <p:cNvGrpSpPr/>
+        <p:nvPr/>
+      </p:nvGrpSpPr>
+      <p:grpSpPr>
+        <a:xfrm>
+          <a:off x="0" y="0"/>
+          <a:ext cx="0" cy="0"/>
+          <a:chOff x="0" y="0"/>
+          <a:chExt cx="0" cy="0"/>
+        </a:xfrm>
+      </p:grpSpPr>
+      <p:sp>
+        <p:nvSpPr>
+          <p:cNvPr id="24578" name="1 Marcador de imagen de diapositiva">
+            <a:extLst>
+              <a:ext uri="{FF2B5EF4-FFF2-40B4-BE49-F238E27FC236}">
+                <a16:creationId xmlns:a16="http://schemas.microsoft.com/office/drawing/2014/main" id="{1CA3C2FA-D32F-8679-348A-148F14EE87AE}"/>
+              </a:ext>
+            </a:extLst>
+          </p:cNvPr>
+          <p:cNvSpPr>
+            <a:spLocks noGrp="1" noRot="1" noChangeAspect="1" noTextEdit="1"/>
+          </p:cNvSpPr>
+          <p:nvPr>
+            <p:ph type="sldImg"/>
+          </p:nvPr>
+        </p:nvSpPr>
+        <p:spPr bwMode="auto">
+          <a:noFill/>
+          <a:ln>
+            <a:solidFill>
+              <a:srgbClr val="000000"/>
+            </a:solidFill>
+            <a:miter lim="800000"/>
+            <a:headEnd/>
+            <a:tailEnd/>
+          </a:ln>
+          <a:extLst>
+            <a:ext uri="{909E8E84-426E-40DD-AFC4-6F175D3DCCD1}">
+              <a14:hiddenFill xmlns:a14="http://schemas.microsoft.com/office/drawing/2010/main">
+                <a:solidFill>
+                  <a:srgbClr val="FFFFFF"/>
+                </a:solidFill>
+              </a14:hiddenFill>
+            </a:ext>
+          </a:extLst>
+        </p:spPr>
+      </p:sp>
+      <p:sp>
+        <p:nvSpPr>
+          <p:cNvPr id="24579" name="2 Marcador de notas">
+            <a:extLst>
+              <a:ext uri="{FF2B5EF4-FFF2-40B4-BE49-F238E27FC236}">
+                <a16:creationId xmlns:a16="http://schemas.microsoft.com/office/drawing/2014/main" id="{3DA2EBA2-7C9B-D597-B167-A4CCC5D64D3C}"/>
+              </a:ext>
+            </a:extLst>
+          </p:cNvPr>
+          <p:cNvSpPr>
+            <a:spLocks noGrp="1"/>
+          </p:cNvSpPr>
+          <p:nvPr>
+            <p:ph type="body" idx="1"/>
+          </p:nvPr>
+        </p:nvSpPr>
+        <p:spPr bwMode="auto">
+          <a:noFill/>
+          <a:extLst>
+            <a:ext uri="{909E8E84-426E-40DD-AFC4-6F175D3DCCD1}">
+              <a14:hiddenFill xmlns:a14="http://schemas.microsoft.com/office/drawing/2010/main">
+                <a:solidFill>
+                  <a:srgbClr val="FFFFFF"/>
+                </a:solidFill>
+              </a14:hiddenFill>
+            </a:ext>
+            <a:ext uri="{91240B29-F687-4F45-9708-019B960494DF}">
+              <a14:hiddenLine xmlns:a14="http://schemas.microsoft.com/office/drawing/2010/main" w="9525">
+                <a:solidFill>
+                  <a:srgbClr val="000000"/>
+                </a:solidFill>
+                <a:miter lim="800000"/>
+                <a:headEnd/>
+                <a:tailEnd/>
+              </a14:hiddenLine>
+            </a:ext>
+          </a:extLst>
+        </p:spPr>
+        <p:txBody>
+          <a:bodyPr wrap="square" numCol="1" anchor="t" anchorCtr="0" compatLnSpc="1">
+            <a:prstTxWarp prst="textNoShape">
+              <a:avLst/>
+            </a:prstTxWarp>
+          </a:bodyPr>
+          <a:lstStyle/>
+          <a:p>
+            <a:pPr eaLnBrk="1" hangingPunct="1">
+              <a:spcBef>
+                <a:spcPct val="0"/>
+              </a:spcBef>
+            </a:pPr>
+            <a:endParaRPr lang="es-CO" altLang="es-CO"/>
+          </a:p>
+        </p:txBody>
+      </p:sp>
+      <p:sp>
+        <p:nvSpPr>
+          <p:cNvPr id="24580" name="3 Marcador de número de diapositiva">
+            <a:extLst>
+              <a:ext uri="{FF2B5EF4-FFF2-40B4-BE49-F238E27FC236}">
+                <a16:creationId xmlns:a16="http://schemas.microsoft.com/office/drawing/2014/main" id="{BFC5F3ED-AE7D-5E99-41AD-AA012D368077}"/>
+              </a:ext>
+            </a:extLst>
+          </p:cNvPr>
+          <p:cNvSpPr>
+            <a:spLocks noGrp="1" noChangeArrowheads="1"/>
+          </p:cNvSpPr>
+          <p:nvPr>
+            <p:ph type="sldNum" sz="quarter" idx="5"/>
+          </p:nvPr>
+        </p:nvSpPr>
+        <p:spPr bwMode="auto">
+          <a:noFill/>
+          <a:extLst>
+            <a:ext uri="{909E8E84-426E-40DD-AFC4-6F175D3DCCD1}">
+              <a14:hiddenFill xmlns:a14="http://schemas.microsoft.com/office/drawing/2010/main">
+                <a:solidFill>
+                  <a:srgbClr val="FFFFFF"/>
+                </a:solidFill>
+              </a14:hiddenFill>
+            </a:ext>
+            <a:ext uri="{91240B29-F687-4F45-9708-019B960494DF}">
+              <a14:hiddenLine xmlns:a14="http://schemas.microsoft.com/office/drawing/2010/main" w="9525">
+                <a:solidFill>
+                  <a:srgbClr val="000000"/>
+                </a:solidFill>
+                <a:miter lim="800000"/>
+                <a:headEnd/>
+                <a:tailEnd/>
+              </a14:hiddenLine>
+            </a:ext>
+          </a:extLst>
+        </p:spPr>
+        <p:txBody>
+          <a:bodyPr/>
+          <a:lstStyle>
+            <a:lvl1pPr>
+              <a:spcBef>
+                <a:spcPct val="30000"/>
+              </a:spcBef>
+              <a:defRPr sz="1200">
+                <a:solidFill>
+                  <a:schemeClr val="tx1"/>
+                </a:solidFill>
+                <a:latin typeface="Calibri" panose="020F0502020204030204" pitchFamily="34" charset="0"/>
+              </a:defRPr>
+            </a:lvl1pPr>
+            <a:lvl2pPr marL="742950" indent="-285750">
+              <a:spcBef>
+                <a:spcPct val="30000"/>
+              </a:spcBef>
+              <a:defRPr sz="1200">
+                <a:solidFill>
+                  <a:schemeClr val="tx1"/>
+                </a:solidFill>
+                <a:latin typeface="Calibri" panose="020F0502020204030204" pitchFamily="34" charset="0"/>
+              </a:defRPr>
+            </a:lvl2pPr>
+            <a:lvl3pPr marL="1143000" indent="-228600">
+              <a:spcBef>
+                <a:spcPct val="30000"/>
+              </a:spcBef>
+              <a:defRPr sz="1200">
+                <a:solidFill>
+                  <a:schemeClr val="tx1"/>
+                </a:solidFill>
+                <a:latin typeface="Calibri" panose="020F0502020204030204" pitchFamily="34" charset="0"/>
+              </a:defRPr>
+            </a:lvl3pPr>
+            <a:lvl4pPr marL="1600200" indent="-228600">
+              <a:spcBef>
+                <a:spcPct val="30000"/>
+              </a:spcBef>
+              <a:defRPr sz="1200">
+                <a:solidFill>
+                  <a:schemeClr val="tx1"/>
+                </a:solidFill>
+                <a:latin typeface="Calibri" panose="020F0502020204030204" pitchFamily="34" charset="0"/>
+              </a:defRPr>
+            </a:lvl4pPr>
+            <a:lvl5pPr marL="2057400" indent="-228600">
+              <a:spcBef>
+                <a:spcPct val="30000"/>
+              </a:spcBef>
+              <a:defRPr sz="1200">
+                <a:solidFill>
+                  <a:schemeClr val="tx1"/>
+                </a:solidFill>
+                <a:latin typeface="Calibri" panose="020F0502020204030204" pitchFamily="34" charset="0"/>
+              </a:defRPr>
+            </a:lvl5pPr>
+            <a:lvl6pPr marL="2514600" indent="-228600" eaLnBrk="0" fontAlgn="base" hangingPunct="0">
+              <a:spcBef>
+                <a:spcPct val="30000"/>
+              </a:spcBef>
+              <a:spcAft>
+                <a:spcPct val="0"/>
+              </a:spcAft>
+              <a:defRPr sz="1200">
+                <a:solidFill>
+                  <a:schemeClr val="tx1"/>
+                </a:solidFill>
+                <a:latin typeface="Calibri" panose="020F0502020204030204" pitchFamily="34" charset="0"/>
+              </a:defRPr>
+            </a:lvl6pPr>
+            <a:lvl7pPr marL="2971800" indent="-228600" eaLnBrk="0" fontAlgn="base" hangingPunct="0">
+              <a:spcBef>
+                <a:spcPct val="30000"/>
+              </a:spcBef>
+              <a:spcAft>
+                <a:spcPct val="0"/>
+              </a:spcAft>
+              <a:defRPr sz="1200">
+                <a:solidFill>
+                  <a:schemeClr val="tx1"/>
+                </a:solidFill>
+                <a:latin typeface="Calibri" panose="020F0502020204030204" pitchFamily="34" charset="0"/>
+              </a:defRPr>
+            </a:lvl7pPr>
+            <a:lvl8pPr marL="3429000" indent="-228600" eaLnBrk="0" fontAlgn="base" hangingPunct="0">
+              <a:spcBef>
+                <a:spcPct val="30000"/>
+              </a:spcBef>
+              <a:spcAft>
+                <a:spcPct val="0"/>
+              </a:spcAft>
+              <a:defRPr sz="1200">
+                <a:solidFill>
+                  <a:schemeClr val="tx1"/>
+                </a:solidFill>
+                <a:latin typeface="Calibri" panose="020F0502020204030204" pitchFamily="34" charset="0"/>
+              </a:defRPr>
+            </a:lvl8pPr>
+            <a:lvl9pPr marL="3886200" indent="-228600" eaLnBrk="0" fontAlgn="base" hangingPunct="0">
+              <a:spcBef>
+                <a:spcPct val="30000"/>
+              </a:spcBef>
+              <a:spcAft>
+                <a:spcPct val="0"/>
+              </a:spcAft>
+              <a:defRPr sz="1200">
+                <a:solidFill>
+                  <a:schemeClr val="tx1"/>
+                </a:solidFill>
+                <a:latin typeface="Calibri" panose="020F0502020204030204" pitchFamily="34" charset="0"/>
+              </a:defRPr>
+            </a:lvl9pPr>
+          </a:lstStyle>
+          <a:p>
+            <a:pPr>
+              <a:spcBef>
+                <a:spcPct val="0"/>
+              </a:spcBef>
+            </a:pPr>
+            <a:fld id="{F044EFCE-52CC-4B49-9C54-448D812356D5}" type="slidenum">
+              <a:rPr lang="es-CO" altLang="es-CO" smtClean="0"/>
+              <a:pPr>
+                <a:spcBef>
+                  <a:spcPct val="0"/>
+                </a:spcBef>
+              </a:pPr>
+              <a:t>5</a:t>
+            </a:fld>
+            <a:endParaRPr lang="es-CO" altLang="es-CO"/>
+          </a:p>
+        </p:txBody>
+      </p:sp>
+    </p:spTree>
+    <p:extLst>
+      <p:ext uri="{BB962C8B-B14F-4D97-AF65-F5344CB8AC3E}">
+        <p14:creationId xmlns:p14="http://schemas.microsoft.com/office/powerpoint/2010/main" val="1155444382"/>
+      </p:ext>
+    </p:extLst>
+  </p:cSld>
+  <p:clrMapOvr>
+    <a:masterClrMapping/>
+  </p:clrMapOvr>
+</p:notes>
+</file>
+
+<file path=ppt/notesSlides/notesSlide6.xml><?xml version="1.0" encoding="utf-8"?>
+<p:notes xmlns:a="http://schemas.openxmlformats.org/drawingml/2006/main" xmlns:r="http://schemas.openxmlformats.org/officeDocument/2006/relationships" xmlns:p="http://schemas.openxmlformats.org/presentationml/2006/main">
+  <p:cSld>
+    <p:spTree>
+      <p:nvGrpSpPr>
+        <p:cNvPr id="1" name="">
+          <a:extLst>
+            <a:ext uri="{FF2B5EF4-FFF2-40B4-BE49-F238E27FC236}">
+              <a16:creationId xmlns:a16="http://schemas.microsoft.com/office/drawing/2014/main" id="{9E531D58-DFEE-3E36-5949-BB8836D29263}"/>
+            </a:ext>
+          </a:extLst>
+        </p:cNvPr>
+        <p:cNvGrpSpPr/>
+        <p:nvPr/>
+      </p:nvGrpSpPr>
+      <p:grpSpPr>
+        <a:xfrm>
+          <a:off x="0" y="0"/>
+          <a:ext cx="0" cy="0"/>
+          <a:chOff x="0" y="0"/>
+          <a:chExt cx="0" cy="0"/>
+        </a:xfrm>
+      </p:grpSpPr>
+      <p:sp>
+        <p:nvSpPr>
+          <p:cNvPr id="24578" name="1 Marcador de imagen de diapositiva">
+            <a:extLst>
+              <a:ext uri="{FF2B5EF4-FFF2-40B4-BE49-F238E27FC236}">
+                <a16:creationId xmlns:a16="http://schemas.microsoft.com/office/drawing/2014/main" id="{193B100B-203E-5EFD-5D7C-1B9FB4D1BF8C}"/>
+              </a:ext>
+            </a:extLst>
+          </p:cNvPr>
+          <p:cNvSpPr>
+            <a:spLocks noGrp="1" noRot="1" noChangeAspect="1" noTextEdit="1"/>
+          </p:cNvSpPr>
+          <p:nvPr>
+            <p:ph type="sldImg"/>
+          </p:nvPr>
+        </p:nvSpPr>
+        <p:spPr bwMode="auto">
+          <a:noFill/>
+          <a:ln>
+            <a:solidFill>
+              <a:srgbClr val="000000"/>
+            </a:solidFill>
+            <a:miter lim="800000"/>
+            <a:headEnd/>
+            <a:tailEnd/>
+          </a:ln>
+          <a:extLst>
+            <a:ext uri="{909E8E84-426E-40DD-AFC4-6F175D3DCCD1}">
+              <a14:hiddenFill xmlns:a14="http://schemas.microsoft.com/office/drawing/2010/main">
+                <a:solidFill>
+                  <a:srgbClr val="FFFFFF"/>
+                </a:solidFill>
+              </a14:hiddenFill>
+            </a:ext>
+          </a:extLst>
+        </p:spPr>
+      </p:sp>
+      <p:sp>
+        <p:nvSpPr>
+          <p:cNvPr id="24579" name="2 Marcador de notas">
+            <a:extLst>
+              <a:ext uri="{FF2B5EF4-FFF2-40B4-BE49-F238E27FC236}">
+                <a16:creationId xmlns:a16="http://schemas.microsoft.com/office/drawing/2014/main" id="{9888A722-B490-859F-D389-C8D1BBB29074}"/>
+              </a:ext>
+            </a:extLst>
+          </p:cNvPr>
+          <p:cNvSpPr>
+            <a:spLocks noGrp="1"/>
+          </p:cNvSpPr>
+          <p:nvPr>
+            <p:ph type="body" idx="1"/>
+          </p:nvPr>
+        </p:nvSpPr>
+        <p:spPr bwMode="auto">
+          <a:noFill/>
+          <a:extLst>
+            <a:ext uri="{909E8E84-426E-40DD-AFC4-6F175D3DCCD1}">
+              <a14:hiddenFill xmlns:a14="http://schemas.microsoft.com/office/drawing/2010/main">
+                <a:solidFill>
+                  <a:srgbClr val="FFFFFF"/>
+                </a:solidFill>
+              </a14:hiddenFill>
+            </a:ext>
+            <a:ext uri="{91240B29-F687-4F45-9708-019B960494DF}">
+              <a14:hiddenLine xmlns:a14="http://schemas.microsoft.com/office/drawing/2010/main" w="9525">
+                <a:solidFill>
+                  <a:srgbClr val="000000"/>
+                </a:solidFill>
+                <a:miter lim="800000"/>
+                <a:headEnd/>
+                <a:tailEnd/>
+              </a14:hiddenLine>
+            </a:ext>
+          </a:extLst>
+        </p:spPr>
+        <p:txBody>
+          <a:bodyPr wrap="square" numCol="1" anchor="t" anchorCtr="0" compatLnSpc="1">
+            <a:prstTxWarp prst="textNoShape">
+              <a:avLst/>
+            </a:prstTxWarp>
+          </a:bodyPr>
+          <a:lstStyle/>
+          <a:p>
+            <a:pPr eaLnBrk="1" hangingPunct="1">
+              <a:spcBef>
+                <a:spcPct val="0"/>
+              </a:spcBef>
+            </a:pPr>
+            <a:endParaRPr lang="es-CO" altLang="es-CO"/>
+          </a:p>
+        </p:txBody>
+      </p:sp>
+      <p:sp>
+        <p:nvSpPr>
+          <p:cNvPr id="24580" name="3 Marcador de número de diapositiva">
+            <a:extLst>
+              <a:ext uri="{FF2B5EF4-FFF2-40B4-BE49-F238E27FC236}">
+                <a16:creationId xmlns:a16="http://schemas.microsoft.com/office/drawing/2014/main" id="{3738AD4C-150E-4A9D-E30F-36A0672C09F9}"/>
+              </a:ext>
+            </a:extLst>
+          </p:cNvPr>
+          <p:cNvSpPr>
+            <a:spLocks noGrp="1" noChangeArrowheads="1"/>
+          </p:cNvSpPr>
+          <p:nvPr>
+            <p:ph type="sldNum" sz="quarter" idx="5"/>
+          </p:nvPr>
+        </p:nvSpPr>
+        <p:spPr bwMode="auto">
+          <a:noFill/>
+          <a:extLst>
+            <a:ext uri="{909E8E84-426E-40DD-AFC4-6F175D3DCCD1}">
+              <a14:hiddenFill xmlns:a14="http://schemas.microsoft.com/office/drawing/2010/main">
+                <a:solidFill>
+                  <a:srgbClr val="FFFFFF"/>
+                </a:solidFill>
+              </a14:hiddenFill>
+            </a:ext>
+            <a:ext uri="{91240B29-F687-4F45-9708-019B960494DF}">
+              <a14:hiddenLine xmlns:a14="http://schemas.microsoft.com/office/drawing/2010/main" w="9525">
+                <a:solidFill>
+                  <a:srgbClr val="000000"/>
+                </a:solidFill>
+                <a:miter lim="800000"/>
+                <a:headEnd/>
+                <a:tailEnd/>
+              </a14:hiddenLine>
+            </a:ext>
+          </a:extLst>
+        </p:spPr>
+        <p:txBody>
+          <a:bodyPr/>
+          <a:lstStyle>
+            <a:lvl1pPr>
+              <a:spcBef>
+                <a:spcPct val="30000"/>
+              </a:spcBef>
+              <a:defRPr sz="1200">
+                <a:solidFill>
+                  <a:schemeClr val="tx1"/>
+                </a:solidFill>
+                <a:latin typeface="Calibri" panose="020F0502020204030204" pitchFamily="34" charset="0"/>
+              </a:defRPr>
+            </a:lvl1pPr>
+            <a:lvl2pPr marL="742950" indent="-285750">
+              <a:spcBef>
+                <a:spcPct val="30000"/>
+              </a:spcBef>
+              <a:defRPr sz="1200">
+                <a:solidFill>
+                  <a:schemeClr val="tx1"/>
+                </a:solidFill>
+                <a:latin typeface="Calibri" panose="020F0502020204030204" pitchFamily="34" charset="0"/>
+              </a:defRPr>
+            </a:lvl2pPr>
+            <a:lvl3pPr marL="1143000" indent="-228600">
+              <a:spcBef>
+                <a:spcPct val="30000"/>
+              </a:spcBef>
+              <a:defRPr sz="1200">
+                <a:solidFill>
+                  <a:schemeClr val="tx1"/>
+                </a:solidFill>
+                <a:latin typeface="Calibri" panose="020F0502020204030204" pitchFamily="34" charset="0"/>
+              </a:defRPr>
+            </a:lvl3pPr>
+            <a:lvl4pPr marL="1600200" indent="-228600">
+              <a:spcBef>
+                <a:spcPct val="30000"/>
+              </a:spcBef>
+              <a:defRPr sz="1200">
+                <a:solidFill>
+                  <a:schemeClr val="tx1"/>
+                </a:solidFill>
+                <a:latin typeface="Calibri" panose="020F0502020204030204" pitchFamily="34" charset="0"/>
+              </a:defRPr>
+            </a:lvl4pPr>
+            <a:lvl5pPr marL="2057400" indent="-228600">
+              <a:spcBef>
+                <a:spcPct val="30000"/>
+              </a:spcBef>
+              <a:defRPr sz="1200">
+                <a:solidFill>
+                  <a:schemeClr val="tx1"/>
+                </a:solidFill>
+                <a:latin typeface="Calibri" panose="020F0502020204030204" pitchFamily="34" charset="0"/>
+              </a:defRPr>
+            </a:lvl5pPr>
+            <a:lvl6pPr marL="2514600" indent="-228600" eaLnBrk="0" fontAlgn="base" hangingPunct="0">
+              <a:spcBef>
+                <a:spcPct val="30000"/>
+              </a:spcBef>
+              <a:spcAft>
+                <a:spcPct val="0"/>
+              </a:spcAft>
+              <a:defRPr sz="1200">
+                <a:solidFill>
+                  <a:schemeClr val="tx1"/>
+                </a:solidFill>
+                <a:latin typeface="Calibri" panose="020F0502020204030204" pitchFamily="34" charset="0"/>
+              </a:defRPr>
+            </a:lvl6pPr>
+            <a:lvl7pPr marL="2971800" indent="-228600" eaLnBrk="0" fontAlgn="base" hangingPunct="0">
+              <a:spcBef>
+                <a:spcPct val="30000"/>
+              </a:spcBef>
+              <a:spcAft>
+                <a:spcPct val="0"/>
+              </a:spcAft>
+              <a:defRPr sz="1200">
+                <a:solidFill>
+                  <a:schemeClr val="tx1"/>
+                </a:solidFill>
+                <a:latin typeface="Calibri" panose="020F0502020204030204" pitchFamily="34" charset="0"/>
+              </a:defRPr>
+            </a:lvl7pPr>
+            <a:lvl8pPr marL="3429000" indent="-228600" eaLnBrk="0" fontAlgn="base" hangingPunct="0">
+              <a:spcBef>
+                <a:spcPct val="30000"/>
+              </a:spcBef>
+              <a:spcAft>
+                <a:spcPct val="0"/>
+              </a:spcAft>
+              <a:defRPr sz="1200">
+                <a:solidFill>
+                  <a:schemeClr val="tx1"/>
+                </a:solidFill>
+                <a:latin typeface="Calibri" panose="020F0502020204030204" pitchFamily="34" charset="0"/>
+              </a:defRPr>
+            </a:lvl8pPr>
+            <a:lvl9pPr marL="3886200" indent="-228600" eaLnBrk="0" fontAlgn="base" hangingPunct="0">
+              <a:spcBef>
+                <a:spcPct val="30000"/>
+              </a:spcBef>
+              <a:spcAft>
+                <a:spcPct val="0"/>
+              </a:spcAft>
+              <a:defRPr sz="1200">
+                <a:solidFill>
+                  <a:schemeClr val="tx1"/>
+                </a:solidFill>
+                <a:latin typeface="Calibri" panose="020F0502020204030204" pitchFamily="34" charset="0"/>
+              </a:defRPr>
+            </a:lvl9pPr>
+          </a:lstStyle>
+          <a:p>
+            <a:pPr>
+              <a:spcBef>
+                <a:spcPct val="0"/>
+              </a:spcBef>
+            </a:pPr>
+            <a:fld id="{F044EFCE-52CC-4B49-9C54-448D812356D5}" type="slidenum">
+              <a:rPr lang="es-CO" altLang="es-CO" smtClean="0"/>
+              <a:pPr>
+                <a:spcBef>
+                  <a:spcPct val="0"/>
+                </a:spcBef>
+              </a:pPr>
+              <a:t>6</a:t>
+            </a:fld>
+            <a:endParaRPr lang="es-CO" altLang="es-CO"/>
+          </a:p>
+        </p:txBody>
+      </p:sp>
+    </p:spTree>
+    <p:extLst>
+      <p:ext uri="{BB962C8B-B14F-4D97-AF65-F5344CB8AC3E}">
+        <p14:creationId xmlns:p14="http://schemas.microsoft.com/office/powerpoint/2010/main" val="592795045"/>
+      </p:ext>
+    </p:extLst>
+  </p:cSld>
+  <p:clrMapOvr>
+    <a:masterClrMapping/>
+  </p:clrMapOvr>
+</p:notes>
+</file>
+
+<file path=ppt/notesSlides/notesSlide7.xml><?xml version="1.0" encoding="utf-8"?>
+<p:notes xmlns:a="http://schemas.openxmlformats.org/drawingml/2006/main" xmlns:r="http://schemas.openxmlformats.org/officeDocument/2006/relationships" xmlns:p="http://schemas.openxmlformats.org/presentationml/2006/main">
+  <p:cSld>
+    <p:spTree>
+      <p:nvGrpSpPr>
+        <p:cNvPr id="1" name="">
+          <a:extLst>
+            <a:ext uri="{FF2B5EF4-FFF2-40B4-BE49-F238E27FC236}">
+              <a16:creationId xmlns:a16="http://schemas.microsoft.com/office/drawing/2014/main" id="{49412270-274E-0F2F-1FE6-8D83B1ED5231}"/>
+            </a:ext>
+          </a:extLst>
+        </p:cNvPr>
+        <p:cNvGrpSpPr/>
+        <p:nvPr/>
+      </p:nvGrpSpPr>
+      <p:grpSpPr>
+        <a:xfrm>
+          <a:off x="0" y="0"/>
+          <a:ext cx="0" cy="0"/>
+          <a:chOff x="0" y="0"/>
+          <a:chExt cx="0" cy="0"/>
+        </a:xfrm>
+      </p:grpSpPr>
+      <p:sp>
+        <p:nvSpPr>
+          <p:cNvPr id="24578" name="1 Marcador de imagen de diapositiva">
+            <a:extLst>
+              <a:ext uri="{FF2B5EF4-FFF2-40B4-BE49-F238E27FC236}">
+                <a16:creationId xmlns:a16="http://schemas.microsoft.com/office/drawing/2014/main" id="{024312E1-9C94-8147-7A2F-B77F8C1929FD}"/>
+              </a:ext>
+            </a:extLst>
+          </p:cNvPr>
+          <p:cNvSpPr>
+            <a:spLocks noGrp="1" noRot="1" noChangeAspect="1" noTextEdit="1"/>
+          </p:cNvSpPr>
+          <p:nvPr>
+            <p:ph type="sldImg"/>
+          </p:nvPr>
+        </p:nvSpPr>
+        <p:spPr bwMode="auto">
+          <a:noFill/>
+          <a:ln>
+            <a:solidFill>
+              <a:srgbClr val="000000"/>
+            </a:solidFill>
+            <a:miter lim="800000"/>
+            <a:headEnd/>
+            <a:tailEnd/>
+          </a:ln>
+          <a:extLst>
+            <a:ext uri="{909E8E84-426E-40DD-AFC4-6F175D3DCCD1}">
+              <a14:hiddenFill xmlns:a14="http://schemas.microsoft.com/office/drawing/2010/main">
+                <a:solidFill>
+                  <a:srgbClr val="FFFFFF"/>
+                </a:solidFill>
+              </a14:hiddenFill>
+            </a:ext>
+          </a:extLst>
+        </p:spPr>
+      </p:sp>
+      <p:sp>
+        <p:nvSpPr>
+          <p:cNvPr id="24579" name="2 Marcador de notas">
+            <a:extLst>
+              <a:ext uri="{FF2B5EF4-FFF2-40B4-BE49-F238E27FC236}">
+                <a16:creationId xmlns:a16="http://schemas.microsoft.com/office/drawing/2014/main" id="{DF13C1A2-8147-8ABC-CC92-2522FCDCE2FE}"/>
+              </a:ext>
+            </a:extLst>
+          </p:cNvPr>
+          <p:cNvSpPr>
+            <a:spLocks noGrp="1"/>
+          </p:cNvSpPr>
+          <p:nvPr>
+            <p:ph type="body" idx="1"/>
+          </p:nvPr>
+        </p:nvSpPr>
+        <p:spPr bwMode="auto">
+          <a:noFill/>
+          <a:extLst>
+            <a:ext uri="{909E8E84-426E-40DD-AFC4-6F175D3DCCD1}">
+              <a14:hiddenFill xmlns:a14="http://schemas.microsoft.com/office/drawing/2010/main">
+                <a:solidFill>
+                  <a:srgbClr val="FFFFFF"/>
+                </a:solidFill>
+              </a14:hiddenFill>
+            </a:ext>
+            <a:ext uri="{91240B29-F687-4F45-9708-019B960494DF}">
+              <a14:hiddenLine xmlns:a14="http://schemas.microsoft.com/office/drawing/2010/main" w="9525">
+                <a:solidFill>
+                  <a:srgbClr val="000000"/>
+                </a:solidFill>
+                <a:miter lim="800000"/>
+                <a:headEnd/>
+                <a:tailEnd/>
+              </a14:hiddenLine>
+            </a:ext>
+          </a:extLst>
+        </p:spPr>
+        <p:txBody>
+          <a:bodyPr wrap="square" numCol="1" anchor="t" anchorCtr="0" compatLnSpc="1">
+            <a:prstTxWarp prst="textNoShape">
+              <a:avLst/>
+            </a:prstTxWarp>
+          </a:bodyPr>
+          <a:lstStyle/>
+          <a:p>
+            <a:pPr eaLnBrk="1" hangingPunct="1">
+              <a:spcBef>
+                <a:spcPct val="0"/>
+              </a:spcBef>
+            </a:pPr>
+            <a:endParaRPr lang="es-CO" altLang="es-CO"/>
+          </a:p>
+        </p:txBody>
+      </p:sp>
+      <p:sp>
+        <p:nvSpPr>
+          <p:cNvPr id="24580" name="3 Marcador de número de diapositiva">
+            <a:extLst>
+              <a:ext uri="{FF2B5EF4-FFF2-40B4-BE49-F238E27FC236}">
+                <a16:creationId xmlns:a16="http://schemas.microsoft.com/office/drawing/2014/main" id="{44332960-E1B4-9114-1628-CC1786146565}"/>
+              </a:ext>
+            </a:extLst>
+          </p:cNvPr>
+          <p:cNvSpPr>
+            <a:spLocks noGrp="1" noChangeArrowheads="1"/>
+          </p:cNvSpPr>
+          <p:nvPr>
+            <p:ph type="sldNum" sz="quarter" idx="5"/>
+          </p:nvPr>
+        </p:nvSpPr>
+        <p:spPr bwMode="auto">
+          <a:noFill/>
+          <a:extLst>
+            <a:ext uri="{909E8E84-426E-40DD-AFC4-6F175D3DCCD1}">
+              <a14:hiddenFill xmlns:a14="http://schemas.microsoft.com/office/drawing/2010/main">
+                <a:solidFill>
+                  <a:srgbClr val="FFFFFF"/>
+                </a:solidFill>
+              </a14:hiddenFill>
+            </a:ext>
+            <a:ext uri="{91240B29-F687-4F45-9708-019B960494DF}">
+              <a14:hiddenLine xmlns:a14="http://schemas.microsoft.com/office/drawing/2010/main" w="9525">
+                <a:solidFill>
+                  <a:srgbClr val="000000"/>
+                </a:solidFill>
+                <a:miter lim="800000"/>
+                <a:headEnd/>
+                <a:tailEnd/>
+              </a14:hiddenLine>
+            </a:ext>
+          </a:extLst>
+        </p:spPr>
+        <p:txBody>
+          <a:bodyPr/>
+          <a:lstStyle>
+            <a:lvl1pPr>
+              <a:spcBef>
+                <a:spcPct val="30000"/>
+              </a:spcBef>
+              <a:defRPr sz="1200">
+                <a:solidFill>
+                  <a:schemeClr val="tx1"/>
+                </a:solidFill>
+                <a:latin typeface="Calibri" panose="020F0502020204030204" pitchFamily="34" charset="0"/>
+              </a:defRPr>
+            </a:lvl1pPr>
+            <a:lvl2pPr marL="742950" indent="-285750">
+              <a:spcBef>
+                <a:spcPct val="30000"/>
+              </a:spcBef>
+              <a:defRPr sz="1200">
+                <a:solidFill>
+                  <a:schemeClr val="tx1"/>
+                </a:solidFill>
+                <a:latin typeface="Calibri" panose="020F0502020204030204" pitchFamily="34" charset="0"/>
+              </a:defRPr>
+            </a:lvl2pPr>
+            <a:lvl3pPr marL="1143000" indent="-228600">
+              <a:spcBef>
+                <a:spcPct val="30000"/>
+              </a:spcBef>
+              <a:defRPr sz="1200">
+                <a:solidFill>
+                  <a:schemeClr val="tx1"/>
+                </a:solidFill>
+                <a:latin typeface="Calibri" panose="020F0502020204030204" pitchFamily="34" charset="0"/>
+              </a:defRPr>
+            </a:lvl3pPr>
+            <a:lvl4pPr marL="1600200" indent="-228600">
+              <a:spcBef>
+                <a:spcPct val="30000"/>
+              </a:spcBef>
+              <a:defRPr sz="1200">
+                <a:solidFill>
+                  <a:schemeClr val="tx1"/>
+                </a:solidFill>
+                <a:latin typeface="Calibri" panose="020F0502020204030204" pitchFamily="34" charset="0"/>
+              </a:defRPr>
+            </a:lvl4pPr>
+            <a:lvl5pPr marL="2057400" indent="-228600">
+              <a:spcBef>
+                <a:spcPct val="30000"/>
+              </a:spcBef>
+              <a:defRPr sz="1200">
+                <a:solidFill>
+                  <a:schemeClr val="tx1"/>
+                </a:solidFill>
+                <a:latin typeface="Calibri" panose="020F0502020204030204" pitchFamily="34" charset="0"/>
+              </a:defRPr>
+            </a:lvl5pPr>
+            <a:lvl6pPr marL="2514600" indent="-228600" eaLnBrk="0" fontAlgn="base" hangingPunct="0">
+              <a:spcBef>
+                <a:spcPct val="30000"/>
+              </a:spcBef>
+              <a:spcAft>
+                <a:spcPct val="0"/>
+              </a:spcAft>
+              <a:defRPr sz="1200">
+                <a:solidFill>
+                  <a:schemeClr val="tx1"/>
+                </a:solidFill>
+                <a:latin typeface="Calibri" panose="020F0502020204030204" pitchFamily="34" charset="0"/>
+              </a:defRPr>
+            </a:lvl6pPr>
+            <a:lvl7pPr marL="2971800" indent="-228600" eaLnBrk="0" fontAlgn="base" hangingPunct="0">
+              <a:spcBef>
+                <a:spcPct val="30000"/>
+              </a:spcBef>
+              <a:spcAft>
+                <a:spcPct val="0"/>
+              </a:spcAft>
+              <a:defRPr sz="1200">
+                <a:solidFill>
+                  <a:schemeClr val="tx1"/>
+                </a:solidFill>
+                <a:latin typeface="Calibri" panose="020F0502020204030204" pitchFamily="34" charset="0"/>
+              </a:defRPr>
+            </a:lvl7pPr>
+            <a:lvl8pPr marL="3429000" indent="-228600" eaLnBrk="0" fontAlgn="base" hangingPunct="0">
+              <a:spcBef>
+                <a:spcPct val="30000"/>
+              </a:spcBef>
+              <a:spcAft>
+                <a:spcPct val="0"/>
+              </a:spcAft>
+              <a:defRPr sz="1200">
+                <a:solidFill>
+                  <a:schemeClr val="tx1"/>
+                </a:solidFill>
+                <a:latin typeface="Calibri" panose="020F0502020204030204" pitchFamily="34" charset="0"/>
+              </a:defRPr>
+            </a:lvl8pPr>
+            <a:lvl9pPr marL="3886200" indent="-228600" eaLnBrk="0" fontAlgn="base" hangingPunct="0">
+              <a:spcBef>
+                <a:spcPct val="30000"/>
+              </a:spcBef>
+              <a:spcAft>
+                <a:spcPct val="0"/>
+              </a:spcAft>
+              <a:defRPr sz="1200">
+                <a:solidFill>
+                  <a:schemeClr val="tx1"/>
+                </a:solidFill>
+                <a:latin typeface="Calibri" panose="020F0502020204030204" pitchFamily="34" charset="0"/>
+              </a:defRPr>
+            </a:lvl9pPr>
+          </a:lstStyle>
+          <a:p>
+            <a:pPr>
+              <a:spcBef>
+                <a:spcPct val="0"/>
+              </a:spcBef>
+            </a:pPr>
+            <a:fld id="{F044EFCE-52CC-4B49-9C54-448D812356D5}" type="slidenum">
+              <a:rPr lang="es-CO" altLang="es-CO" smtClean="0"/>
+              <a:pPr>
+                <a:spcBef>
+                  <a:spcPct val="0"/>
+                </a:spcBef>
+              </a:pPr>
+              <a:t>7</a:t>
+            </a:fld>
+            <a:endParaRPr lang="es-CO" altLang="es-CO"/>
+          </a:p>
+        </p:txBody>
+      </p:sp>
+    </p:spTree>
+    <p:extLst>
+      <p:ext uri="{BB962C8B-B14F-4D97-AF65-F5344CB8AC3E}">
+        <p14:creationId xmlns:p14="http://schemas.microsoft.com/office/powerpoint/2010/main" val="3217734337"/>
+      </p:ext>
+    </p:extLst>
+  </p:cSld>
+  <p:clrMapOvr>
+    <a:masterClrMapping/>
+  </p:clrMapOvr>
+</p:notes>
+</file>
+
+<file path=ppt/notesSlides/notesSlide8.xml><?xml version="1.0" encoding="utf-8"?>
+<p:notes xmlns:a="http://schemas.openxmlformats.org/drawingml/2006/main" xmlns:r="http://schemas.openxmlformats.org/officeDocument/2006/relationships" xmlns:p="http://schemas.openxmlformats.org/presentationml/2006/main">
+  <p:cSld>
+    <p:spTree>
+      <p:nvGrpSpPr>
+        <p:cNvPr id="1" name="">
+          <a:extLst>
+            <a:ext uri="{FF2B5EF4-FFF2-40B4-BE49-F238E27FC236}">
+              <a16:creationId xmlns:a16="http://schemas.microsoft.com/office/drawing/2014/main" id="{E5E19060-0814-295D-40E9-2FA65DCF2740}"/>
+            </a:ext>
+          </a:extLst>
+        </p:cNvPr>
+        <p:cNvGrpSpPr/>
+        <p:nvPr/>
+      </p:nvGrpSpPr>
+      <p:grpSpPr>
+        <a:xfrm>
+          <a:off x="0" y="0"/>
+          <a:ext cx="0" cy="0"/>
+          <a:chOff x="0" y="0"/>
+          <a:chExt cx="0" cy="0"/>
+        </a:xfrm>
+      </p:grpSpPr>
+      <p:sp>
+        <p:nvSpPr>
+          <p:cNvPr id="24578" name="1 Marcador de imagen de diapositiva">
+            <a:extLst>
+              <a:ext uri="{FF2B5EF4-FFF2-40B4-BE49-F238E27FC236}">
+                <a16:creationId xmlns:a16="http://schemas.microsoft.com/office/drawing/2014/main" id="{8E7FAF67-5A4E-F8A8-6286-DBC76ECCD6F1}"/>
+              </a:ext>
+            </a:extLst>
+          </p:cNvPr>
+          <p:cNvSpPr>
+            <a:spLocks noGrp="1" noRot="1" noChangeAspect="1" noTextEdit="1"/>
+          </p:cNvSpPr>
+          <p:nvPr>
+            <p:ph type="sldImg"/>
+          </p:nvPr>
+        </p:nvSpPr>
+        <p:spPr bwMode="auto">
+          <a:noFill/>
+          <a:ln>
+            <a:solidFill>
+              <a:srgbClr val="000000"/>
+            </a:solidFill>
+            <a:miter lim="800000"/>
+            <a:headEnd/>
+            <a:tailEnd/>
+          </a:ln>
+          <a:extLst>
+            <a:ext uri="{909E8E84-426E-40DD-AFC4-6F175D3DCCD1}">
+              <a14:hiddenFill xmlns:a14="http://schemas.microsoft.com/office/drawing/2010/main">
+                <a:solidFill>
+                  <a:srgbClr val="FFFFFF"/>
+                </a:solidFill>
+              </a14:hiddenFill>
+            </a:ext>
+          </a:extLst>
+        </p:spPr>
+      </p:sp>
+      <p:sp>
+        <p:nvSpPr>
+          <p:cNvPr id="24579" name="2 Marcador de notas">
+            <a:extLst>
+              <a:ext uri="{FF2B5EF4-FFF2-40B4-BE49-F238E27FC236}">
+                <a16:creationId xmlns:a16="http://schemas.microsoft.com/office/drawing/2014/main" id="{590D8E52-CEE6-0DA2-ACA9-31DBB6580DDC}"/>
+              </a:ext>
+            </a:extLst>
+          </p:cNvPr>
+          <p:cNvSpPr>
+            <a:spLocks noGrp="1"/>
+          </p:cNvSpPr>
+          <p:nvPr>
+            <p:ph type="body" idx="1"/>
+          </p:nvPr>
+        </p:nvSpPr>
+        <p:spPr bwMode="auto">
+          <a:noFill/>
+          <a:extLst>
+            <a:ext uri="{909E8E84-426E-40DD-AFC4-6F175D3DCCD1}">
+              <a14:hiddenFill xmlns:a14="http://schemas.microsoft.com/office/drawing/2010/main">
+                <a:solidFill>
+                  <a:srgbClr val="FFFFFF"/>
+                </a:solidFill>
+              </a14:hiddenFill>
+            </a:ext>
+            <a:ext uri="{91240B29-F687-4F45-9708-019B960494DF}">
+              <a14:hiddenLine xmlns:a14="http://schemas.microsoft.com/office/drawing/2010/main" w="9525">
+                <a:solidFill>
+                  <a:srgbClr val="000000"/>
+                </a:solidFill>
+                <a:miter lim="800000"/>
+                <a:headEnd/>
+                <a:tailEnd/>
+              </a14:hiddenLine>
+            </a:ext>
+          </a:extLst>
+        </p:spPr>
+        <p:txBody>
+          <a:bodyPr wrap="square" numCol="1" anchor="t" anchorCtr="0" compatLnSpc="1">
+            <a:prstTxWarp prst="textNoShape">
+              <a:avLst/>
+            </a:prstTxWarp>
+          </a:bodyPr>
+          <a:lstStyle/>
+          <a:p>
+            <a:pPr eaLnBrk="1" hangingPunct="1">
+              <a:spcBef>
+                <a:spcPct val="0"/>
+              </a:spcBef>
+            </a:pPr>
+            <a:endParaRPr lang="es-CO" altLang="es-CO"/>
+          </a:p>
+        </p:txBody>
+      </p:sp>
+      <p:sp>
+        <p:nvSpPr>
+          <p:cNvPr id="24580" name="3 Marcador de número de diapositiva">
+            <a:extLst>
+              <a:ext uri="{FF2B5EF4-FFF2-40B4-BE49-F238E27FC236}">
+                <a16:creationId xmlns:a16="http://schemas.microsoft.com/office/drawing/2014/main" id="{4BDEA87A-53E9-F801-8E0C-BC61E8D4A36B}"/>
+              </a:ext>
+            </a:extLst>
+          </p:cNvPr>
+          <p:cNvSpPr>
+            <a:spLocks noGrp="1" noChangeArrowheads="1"/>
+          </p:cNvSpPr>
+          <p:nvPr>
+            <p:ph type="sldNum" sz="quarter" idx="5"/>
+          </p:nvPr>
+        </p:nvSpPr>
+        <p:spPr bwMode="auto">
+          <a:noFill/>
+          <a:extLst>
+            <a:ext uri="{909E8E84-426E-40DD-AFC4-6F175D3DCCD1}">
+              <a14:hiddenFill xmlns:a14="http://schemas.microsoft.com/office/drawing/2010/main">
+                <a:solidFill>
+                  <a:srgbClr val="FFFFFF"/>
+                </a:solidFill>
+              </a14:hiddenFill>
+            </a:ext>
+            <a:ext uri="{91240B29-F687-4F45-9708-019B960494DF}">
+              <a14:hiddenLine xmlns:a14="http://schemas.microsoft.com/office/drawing/2010/main" w="9525">
+                <a:solidFill>
+                  <a:srgbClr val="000000"/>
+                </a:solidFill>
+                <a:miter lim="800000"/>
+                <a:headEnd/>
+                <a:tailEnd/>
+              </a14:hiddenLine>
+            </a:ext>
+          </a:extLst>
+        </p:spPr>
+        <p:txBody>
+          <a:bodyPr/>
+          <a:lstStyle>
+            <a:lvl1pPr>
+              <a:spcBef>
+                <a:spcPct val="30000"/>
+              </a:spcBef>
+              <a:defRPr sz="1200">
+                <a:solidFill>
+                  <a:schemeClr val="tx1"/>
+                </a:solidFill>
+                <a:latin typeface="Calibri" panose="020F0502020204030204" pitchFamily="34" charset="0"/>
+              </a:defRPr>
+            </a:lvl1pPr>
+            <a:lvl2pPr marL="742950" indent="-285750">
+              <a:spcBef>
+                <a:spcPct val="30000"/>
+              </a:spcBef>
+              <a:defRPr sz="1200">
+                <a:solidFill>
+                  <a:schemeClr val="tx1"/>
+                </a:solidFill>
+                <a:latin typeface="Calibri" panose="020F0502020204030204" pitchFamily="34" charset="0"/>
+              </a:defRPr>
+            </a:lvl2pPr>
+            <a:lvl3pPr marL="1143000" indent="-228600">
+              <a:spcBef>
+                <a:spcPct val="30000"/>
+              </a:spcBef>
+              <a:defRPr sz="1200">
+                <a:solidFill>
+                  <a:schemeClr val="tx1"/>
+                </a:solidFill>
+                <a:latin typeface="Calibri" panose="020F0502020204030204" pitchFamily="34" charset="0"/>
+              </a:defRPr>
+            </a:lvl3pPr>
+            <a:lvl4pPr marL="1600200" indent="-228600">
+              <a:spcBef>
+                <a:spcPct val="30000"/>
+              </a:spcBef>
+              <a:defRPr sz="1200">
+                <a:solidFill>
+                  <a:schemeClr val="tx1"/>
+                </a:solidFill>
+                <a:latin typeface="Calibri" panose="020F0502020204030204" pitchFamily="34" charset="0"/>
+              </a:defRPr>
+            </a:lvl4pPr>
+            <a:lvl5pPr marL="2057400" indent="-228600">
+              <a:spcBef>
+                <a:spcPct val="30000"/>
+              </a:spcBef>
+              <a:defRPr sz="1200">
+                <a:solidFill>
+                  <a:schemeClr val="tx1"/>
+                </a:solidFill>
+                <a:latin typeface="Calibri" panose="020F0502020204030204" pitchFamily="34" charset="0"/>
+              </a:defRPr>
+            </a:lvl5pPr>
+            <a:lvl6pPr marL="2514600" indent="-228600" eaLnBrk="0" fontAlgn="base" hangingPunct="0">
+              <a:spcBef>
+                <a:spcPct val="30000"/>
+              </a:spcBef>
+              <a:spcAft>
+                <a:spcPct val="0"/>
+              </a:spcAft>
+              <a:defRPr sz="1200">
+                <a:solidFill>
+                  <a:schemeClr val="tx1"/>
+                </a:solidFill>
+                <a:latin typeface="Calibri" panose="020F0502020204030204" pitchFamily="34" charset="0"/>
+              </a:defRPr>
+            </a:lvl6pPr>
+            <a:lvl7pPr marL="2971800" indent="-228600" eaLnBrk="0" fontAlgn="base" hangingPunct="0">
+              <a:spcBef>
+                <a:spcPct val="30000"/>
+              </a:spcBef>
+              <a:spcAft>
+                <a:spcPct val="0"/>
+              </a:spcAft>
+              <a:defRPr sz="1200">
+                <a:solidFill>
+                  <a:schemeClr val="tx1"/>
+                </a:solidFill>
+                <a:latin typeface="Calibri" panose="020F0502020204030204" pitchFamily="34" charset="0"/>
+              </a:defRPr>
+            </a:lvl7pPr>
+            <a:lvl8pPr marL="3429000" indent="-228600" eaLnBrk="0" fontAlgn="base" hangingPunct="0">
+              <a:spcBef>
+                <a:spcPct val="30000"/>
+              </a:spcBef>
+              <a:spcAft>
+                <a:spcPct val="0"/>
+              </a:spcAft>
+              <a:defRPr sz="1200">
+                <a:solidFill>
+                  <a:schemeClr val="tx1"/>
+                </a:solidFill>
+                <a:latin typeface="Calibri" panose="020F0502020204030204" pitchFamily="34" charset="0"/>
+              </a:defRPr>
+            </a:lvl8pPr>
+            <a:lvl9pPr marL="3886200" indent="-228600" eaLnBrk="0" fontAlgn="base" hangingPunct="0">
+              <a:spcBef>
+                <a:spcPct val="30000"/>
+              </a:spcBef>
+              <a:spcAft>
+                <a:spcPct val="0"/>
+              </a:spcAft>
+              <a:defRPr sz="1200">
+                <a:solidFill>
+                  <a:schemeClr val="tx1"/>
+                </a:solidFill>
+                <a:latin typeface="Calibri" panose="020F0502020204030204" pitchFamily="34" charset="0"/>
+              </a:defRPr>
+            </a:lvl9pPr>
+          </a:lstStyle>
+          <a:p>
+            <a:pPr>
+              <a:spcBef>
+                <a:spcPct val="0"/>
+              </a:spcBef>
+            </a:pPr>
+            <a:fld id="{F044EFCE-52CC-4B49-9C54-448D812356D5}" type="slidenum">
+              <a:rPr lang="es-CO" altLang="es-CO" smtClean="0"/>
+              <a:pPr>
+                <a:spcBef>
+                  <a:spcPct val="0"/>
+                </a:spcBef>
+              </a:pPr>
+              <a:t>8</a:t>
+            </a:fld>
+            <a:endParaRPr lang="es-CO" altLang="es-CO"/>
+          </a:p>
+        </p:txBody>
+      </p:sp>
+    </p:spTree>
+    <p:extLst>
+      <p:ext uri="{BB962C8B-B14F-4D97-AF65-F5344CB8AC3E}">
+        <p14:creationId xmlns:p14="http://schemas.microsoft.com/office/powerpoint/2010/main" val="643073450"/>
+      </p:ext>
+    </p:extLst>
   </p:cSld>
   <p:clrMapOvr>
     <a:masterClrMapping/>
@@ -2437,7 +4096,7 @@
           <a:p>
             <a:fld id="{9CF7635E-2D71-42E7-9E6C-FBB85A15A85F}" type="datetimeFigureOut">
               <a:rPr lang="es-CO" smtClean="0"/>
-              <a:t>14/08/2025</a:t>
+              <a:t>22/08/2025</a:t>
             </a:fld>
             <a:endParaRPr lang="es-CO"/>
           </a:p>
@@ -2703,7 +4362,7 @@
           <a:p>
             <a:fld id="{9CF7635E-2D71-42E7-9E6C-FBB85A15A85F}" type="datetimeFigureOut">
               <a:rPr lang="es-CO" smtClean="0"/>
-              <a:t>14/08/2025</a:t>
+              <a:t>22/08/2025</a:t>
             </a:fld>
             <a:endParaRPr lang="es-CO"/>
           </a:p>
@@ -2919,7 +4578,7 @@
           <a:p>
             <a:fld id="{9CF7635E-2D71-42E7-9E6C-FBB85A15A85F}" type="datetimeFigureOut">
               <a:rPr lang="es-CO" smtClean="0"/>
-              <a:t>14/08/2025</a:t>
+              <a:t>22/08/2025</a:t>
             </a:fld>
             <a:endParaRPr lang="es-CO"/>
           </a:p>
@@ -4548,7 +6207,7 @@
           <a:p>
             <a:fld id="{9CF7635E-2D71-42E7-9E6C-FBB85A15A85F}" type="datetimeFigureOut">
               <a:rPr lang="es-CO" smtClean="0"/>
-              <a:t>14/08/2025</a:t>
+              <a:t>22/08/2025</a:t>
             </a:fld>
             <a:endParaRPr lang="es-CO"/>
           </a:p>
@@ -4995,7 +6654,7 @@
           <a:p>
             <a:fld id="{9CF7635E-2D71-42E7-9E6C-FBB85A15A85F}" type="datetimeFigureOut">
               <a:rPr lang="es-CO" smtClean="0"/>
-              <a:t>14/08/2025</a:t>
+              <a:t>22/08/2025</a:t>
             </a:fld>
             <a:endParaRPr lang="es-CO"/>
           </a:p>
@@ -5269,7 +6928,7 @@
           <a:p>
             <a:fld id="{9CF7635E-2D71-42E7-9E6C-FBB85A15A85F}" type="datetimeFigureOut">
               <a:rPr lang="es-CO" smtClean="0"/>
-              <a:t>14/08/2025</a:t>
+              <a:t>22/08/2025</a:t>
             </a:fld>
             <a:endParaRPr lang="es-CO"/>
           </a:p>
@@ -5690,7 +7349,7 @@
           <a:p>
             <a:fld id="{9CF7635E-2D71-42E7-9E6C-FBB85A15A85F}" type="datetimeFigureOut">
               <a:rPr lang="es-CO" smtClean="0"/>
-              <a:t>14/08/2025</a:t>
+              <a:t>22/08/2025</a:t>
             </a:fld>
             <a:endParaRPr lang="es-CO"/>
           </a:p>
@@ -5838,7 +7497,7 @@
           <a:p>
             <a:fld id="{9CF7635E-2D71-42E7-9E6C-FBB85A15A85F}" type="datetimeFigureOut">
               <a:rPr lang="es-CO" smtClean="0"/>
-              <a:t>14/08/2025</a:t>
+              <a:t>22/08/2025</a:t>
             </a:fld>
             <a:endParaRPr lang="es-CO"/>
           </a:p>
@@ -5957,7 +7616,7 @@
           <a:p>
             <a:fld id="{9CF7635E-2D71-42E7-9E6C-FBB85A15A85F}" type="datetimeFigureOut">
               <a:rPr lang="es-CO" smtClean="0"/>
-              <a:t>14/08/2025</a:t>
+              <a:t>22/08/2025</a:t>
             </a:fld>
             <a:endParaRPr lang="es-CO"/>
           </a:p>
@@ -6276,7 +7935,7 @@
           <a:p>
             <a:fld id="{9CF7635E-2D71-42E7-9E6C-FBB85A15A85F}" type="datetimeFigureOut">
               <a:rPr lang="es-CO" smtClean="0"/>
-              <a:t>14/08/2025</a:t>
+              <a:t>22/08/2025</a:t>
             </a:fld>
             <a:endParaRPr lang="es-CO"/>
           </a:p>
@@ -6571,7 +8230,7 @@
           <a:p>
             <a:fld id="{9CF7635E-2D71-42E7-9E6C-FBB85A15A85F}" type="datetimeFigureOut">
               <a:rPr lang="es-CO" smtClean="0"/>
-              <a:t>14/08/2025</a:t>
+              <a:t>22/08/2025</a:t>
             </a:fld>
             <a:endParaRPr lang="es-CO"/>
           </a:p>
@@ -6820,7 +8479,7 @@
           <a:p>
             <a:fld id="{9CF7635E-2D71-42E7-9E6C-FBB85A15A85F}" type="datetimeFigureOut">
               <a:rPr lang="es-CO" smtClean="0"/>
-              <a:t>14/08/2025</a:t>
+              <a:t>22/08/2025</a:t>
             </a:fld>
             <a:endParaRPr lang="es-CO"/>
           </a:p>
@@ -8188,7 +9847,7 @@
         <p:spPr>
           <a:xfrm>
             <a:off x="2627784" y="3082786"/>
-            <a:ext cx="3888432" cy="369332"/>
+            <a:ext cx="3888432" cy="646331"/>
           </a:xfrm>
           <a:prstGeom prst="rect">
             <a:avLst/>
@@ -8206,6 +9865,73 @@
               <a:rPr lang="en-US" b="1" dirty="0"/>
               <a:t>INTRODUCCIÓN A MATLAB</a:t>
             </a:r>
+          </a:p>
+          <a:p>
+            <a:pPr algn="ctr"/>
+            <a:endParaRPr lang="en-US" b="1" dirty="0"/>
+          </a:p>
+        </p:txBody>
+      </p:sp>
+      <p:sp>
+        <p:nvSpPr>
+          <p:cNvPr id="5" name="CuadroTexto 4">
+            <a:extLst>
+              <a:ext uri="{FF2B5EF4-FFF2-40B4-BE49-F238E27FC236}">
+                <a16:creationId xmlns:a16="http://schemas.microsoft.com/office/drawing/2014/main" id="{FFF1DA25-2D11-7EC4-DDEC-0D66B2759D9F}"/>
+              </a:ext>
+            </a:extLst>
+          </p:cNvPr>
+          <p:cNvSpPr txBox="1"/>
+          <p:nvPr/>
+        </p:nvSpPr>
+        <p:spPr>
+          <a:xfrm>
+            <a:off x="779463" y="3861048"/>
+            <a:ext cx="7889081" cy="1754326"/>
+          </a:xfrm>
+          <a:prstGeom prst="rect">
+            <a:avLst/>
+          </a:prstGeom>
+          <a:noFill/>
+        </p:spPr>
+        <p:txBody>
+          <a:bodyPr wrap="square" rtlCol="0">
+            <a:spAutoFit/>
+          </a:bodyPr>
+          <a:lstStyle/>
+          <a:p>
+            <a:r>
+              <a:rPr lang="es-CO" dirty="0"/>
+              <a:t>Ejercicios </a:t>
+            </a:r>
+          </a:p>
+          <a:p>
+            <a:r>
+              <a:rPr lang="es-ES" dirty="0"/>
+              <a:t>Cree un </a:t>
+            </a:r>
+            <a:r>
+              <a:rPr lang="es-ES" b="1" dirty="0"/>
+              <a:t>vector</a:t>
+            </a:r>
+            <a:r>
+              <a:rPr lang="es-ES" dirty="0"/>
+              <a:t> de precios de productos. Luego, calcule el precio final de cada producto sumándole un </a:t>
+            </a:r>
+            <a:r>
+              <a:rPr lang="es-ES" b="1" dirty="0"/>
+              <a:t>impuesto del 16%</a:t>
+            </a:r>
+            <a:r>
+              <a:rPr lang="es-ES" dirty="0"/>
+              <a:t> de forma vectorizada. Finalmente, encuentre el precio promedio de todos los productos con impuestos.</a:t>
+            </a:r>
+          </a:p>
+          <a:p>
+            <a:endParaRPr lang="es-ES" dirty="0"/>
+          </a:p>
+          <a:p>
+            <a:endParaRPr lang="es-CO" dirty="0"/>
           </a:p>
         </p:txBody>
       </p:sp>
@@ -8227,7 +9953,13 @@
   <p:cSld>
     <p:spTree>
       <p:nvGrpSpPr>
-        <p:cNvPr id="1" name=""/>
+        <p:cNvPr id="1" name="">
+          <a:extLst>
+            <a:ext uri="{FF2B5EF4-FFF2-40B4-BE49-F238E27FC236}">
+              <a16:creationId xmlns:a16="http://schemas.microsoft.com/office/drawing/2014/main" id="{AAF40D0B-0673-2EFA-D6DA-C4955771C1BB}"/>
+            </a:ext>
+          </a:extLst>
+        </p:cNvPr>
         <p:cNvGrpSpPr/>
         <p:nvPr/>
       </p:nvGrpSpPr>
@@ -8244,7 +9976,7 @@
           <p:cNvPr id="23554" name="1 Título">
             <a:extLst>
               <a:ext uri="{FF2B5EF4-FFF2-40B4-BE49-F238E27FC236}">
-                <a16:creationId xmlns:a16="http://schemas.microsoft.com/office/drawing/2014/main" id="{EA98F516-CD1D-4B94-8AAC-2D9EAEE9939C}"/>
+                <a16:creationId xmlns:a16="http://schemas.microsoft.com/office/drawing/2014/main" id="{85264479-F3A2-2359-4773-2E388812DEDB}"/>
               </a:ext>
             </a:extLst>
           </p:cNvPr>
@@ -8278,7 +10010,7 @@
           <p:cNvPr id="4" name="Picture 4" descr="Programas - Intranet ETITC">
             <a:extLst>
               <a:ext uri="{FF2B5EF4-FFF2-40B4-BE49-F238E27FC236}">
-                <a16:creationId xmlns:a16="http://schemas.microsoft.com/office/drawing/2014/main" id="{B96A6DCC-1ECE-413D-8BEA-DB41E6C6FC1A}"/>
+                <a16:creationId xmlns:a16="http://schemas.microsoft.com/office/drawing/2014/main" id="{89183262-3D54-CC7C-5F56-794902819211}"/>
               </a:ext>
             </a:extLst>
           </p:cNvPr>
@@ -8325,7 +10057,7 @@
           <p:cNvPr id="2" name="2 Subtítulo">
             <a:extLst>
               <a:ext uri="{FF2B5EF4-FFF2-40B4-BE49-F238E27FC236}">
-                <a16:creationId xmlns:a16="http://schemas.microsoft.com/office/drawing/2014/main" id="{E3039CD5-5EDF-B67E-43E0-6A692B67FA09}"/>
+                <a16:creationId xmlns:a16="http://schemas.microsoft.com/office/drawing/2014/main" id="{8956058D-C6E9-E1C0-5C3A-57F8DE219C4E}"/>
               </a:ext>
             </a:extLst>
           </p:cNvPr>
@@ -8542,7 +10274,7 @@
                   </a:schemeClr>
                 </a:solidFill>
               </a:rPr>
-              <a:t> 6065 SISTEMAS DE CONTROL II</a:t>
+              <a:t> SISTEMAS DE CONTROL INDUSTRIAL</a:t>
             </a:r>
           </a:p>
         </p:txBody>
@@ -8552,7 +10284,7 @@
           <p:cNvPr id="3" name="CuadroTexto 2">
             <a:extLst>
               <a:ext uri="{FF2B5EF4-FFF2-40B4-BE49-F238E27FC236}">
-                <a16:creationId xmlns:a16="http://schemas.microsoft.com/office/drawing/2014/main" id="{989468C4-5745-FDFE-6E28-10FFE4C6E858}"/>
+                <a16:creationId xmlns:a16="http://schemas.microsoft.com/office/drawing/2014/main" id="{D52B4263-1AB9-78CF-37EC-368D6B0BC16B}"/>
               </a:ext>
             </a:extLst>
           </p:cNvPr>
@@ -8561,8 +10293,8 @@
         </p:nvSpPr>
         <p:spPr>
           <a:xfrm>
-            <a:off x="899592" y="1556792"/>
-            <a:ext cx="7704856" cy="1415772"/>
+            <a:off x="2627784" y="3082786"/>
+            <a:ext cx="3888432" cy="646331"/>
           </a:xfrm>
           <a:prstGeom prst="rect">
             <a:avLst/>
@@ -8575,71 +10307,2593 @@
           </a:bodyPr>
           <a:lstStyle/>
           <a:p>
+            <a:pPr algn="ctr"/>
             <a:r>
-              <a:rPr lang="en-US" sz="2000" dirty="0" err="1"/>
-              <a:t>Ejercicio</a:t>
+              <a:rPr lang="en-US" b="1" dirty="0"/>
+              <a:t>INTRODUCCIÓN A MATLAB</a:t>
+            </a:r>
+          </a:p>
+          <a:p>
+            <a:pPr algn="ctr"/>
+            <a:endParaRPr lang="en-US" b="1" dirty="0"/>
+          </a:p>
+        </p:txBody>
+      </p:sp>
+      <p:sp>
+        <p:nvSpPr>
+          <p:cNvPr id="5" name="CuadroTexto 4">
+            <a:extLst>
+              <a:ext uri="{FF2B5EF4-FFF2-40B4-BE49-F238E27FC236}">
+                <a16:creationId xmlns:a16="http://schemas.microsoft.com/office/drawing/2014/main" id="{2373AE8B-1229-0F09-0859-310375658373}"/>
+              </a:ext>
+            </a:extLst>
+          </p:cNvPr>
+          <p:cNvSpPr txBox="1"/>
+          <p:nvPr/>
+        </p:nvSpPr>
+        <p:spPr>
+          <a:xfrm>
+            <a:off x="779463" y="3861048"/>
+            <a:ext cx="7889081" cy="1200329"/>
+          </a:xfrm>
+          <a:prstGeom prst="rect">
+            <a:avLst/>
+          </a:prstGeom>
+          <a:noFill/>
+        </p:spPr>
+        <p:txBody>
+          <a:bodyPr wrap="square" rtlCol="0">
+            <a:spAutoFit/>
+          </a:bodyPr>
+          <a:lstStyle/>
+          <a:p>
+            <a:r>
+              <a:rPr lang="es-CO" dirty="0"/>
+              <a:t>Ejercicios </a:t>
+            </a:r>
+          </a:p>
+          <a:p>
+            <a:r>
+              <a:rPr lang="es-ES" dirty="0"/>
+              <a:t>Grafica una secuencia de datos </a:t>
             </a:r>
             <a:r>
-              <a:rPr lang="en-US" sz="2000" dirty="0"/>
-              <a:t> de </a:t>
+              <a:rPr lang="es-ES" b="1" dirty="0"/>
+              <a:t>discreta</a:t>
             </a:r>
             <a:r>
-              <a:rPr lang="en-US" sz="2000" dirty="0" err="1"/>
-              <a:t>Repaso</a:t>
+              <a:rPr lang="es-ES" dirty="0"/>
+              <a:t> simple para representar, por ejemplo, las ventas diarias de una tienda durante una semana.</a:t>
             </a:r>
-            <a:endParaRPr lang="en-US" sz="2000" dirty="0"/>
-          </a:p>
-          <a:p>
+          </a:p>
+          <a:p>
+            <a:endParaRPr lang="es-CO" dirty="0"/>
+          </a:p>
+        </p:txBody>
+      </p:sp>
+    </p:spTree>
+    <p:extLst>
+      <p:ext uri="{BB962C8B-B14F-4D97-AF65-F5344CB8AC3E}">
+        <p14:creationId xmlns:p14="http://schemas.microsoft.com/office/powerpoint/2010/main" val="2053720659"/>
+      </p:ext>
+    </p:extLst>
+  </p:cSld>
+  <p:clrMapOvr>
+    <a:masterClrMapping/>
+  </p:clrMapOvr>
+</p:sld>
+</file>
+
+<file path=ppt/slides/slide4.xml><?xml version="1.0" encoding="utf-8"?>
+<p:sld xmlns:a="http://schemas.openxmlformats.org/drawingml/2006/main" xmlns:r="http://schemas.openxmlformats.org/officeDocument/2006/relationships" xmlns:p="http://schemas.openxmlformats.org/presentationml/2006/main">
+  <p:cSld>
+    <p:spTree>
+      <p:nvGrpSpPr>
+        <p:cNvPr id="1" name="">
+          <a:extLst>
+            <a:ext uri="{FF2B5EF4-FFF2-40B4-BE49-F238E27FC236}">
+              <a16:creationId xmlns:a16="http://schemas.microsoft.com/office/drawing/2014/main" id="{6D072DFE-763C-EFD5-0A7E-3AB18C58A8B9}"/>
+            </a:ext>
+          </a:extLst>
+        </p:cNvPr>
+        <p:cNvGrpSpPr/>
+        <p:nvPr/>
+      </p:nvGrpSpPr>
+      <p:grpSpPr>
+        <a:xfrm>
+          <a:off x="0" y="0"/>
+          <a:ext cx="0" cy="0"/>
+          <a:chOff x="0" y="0"/>
+          <a:chExt cx="0" cy="0"/>
+        </a:xfrm>
+      </p:grpSpPr>
+      <p:sp>
+        <p:nvSpPr>
+          <p:cNvPr id="23554" name="1 Título">
+            <a:extLst>
+              <a:ext uri="{FF2B5EF4-FFF2-40B4-BE49-F238E27FC236}">
+                <a16:creationId xmlns:a16="http://schemas.microsoft.com/office/drawing/2014/main" id="{666F861F-1749-03DD-C128-4DB982E57036}"/>
+              </a:ext>
+            </a:extLst>
+          </p:cNvPr>
+          <p:cNvSpPr>
+            <a:spLocks noGrp="1"/>
+          </p:cNvSpPr>
+          <p:nvPr>
+            <p:ph type="ctrTitle"/>
+          </p:nvPr>
+        </p:nvSpPr>
+        <p:spPr>
+          <a:xfrm>
+            <a:off x="0" y="-28575"/>
+            <a:ext cx="779463" cy="720725"/>
+          </a:xfrm>
+        </p:spPr>
+        <p:txBody>
+          <a:bodyPr/>
+          <a:lstStyle/>
+          <a:p>
+            <a:pPr algn="ctr" eaLnBrk="1" hangingPunct="1"/>
             <a:r>
-              <a:rPr lang="es-ES" sz="1600" b="0" i="0" dirty="0">
-                <a:solidFill>
-                  <a:srgbClr val="212121"/>
-                </a:solidFill>
-                <a:effectLst/>
-                <a:latin typeface="Helvetica" panose="020B0604020202020204" pitchFamily="34" charset="0"/>
-              </a:rPr>
-              <a:t>Obtener la función de transferencia en el dominio de Laplace y posteriormente la función de transferencia en el dominio de Z, en términos de R, L y C del siguiente sistema eléctrico:</a:t>
-            </a:r>
-          </a:p>
-          <a:p>
-            <a:r>
-              <a:rPr lang="en-US" dirty="0"/>
-              <a:t>  </a:t>
+              <a:rPr lang="es-CO" altLang="es-CO" sz="3600" dirty="0"/>
+              <a:t>4</a:t>
             </a:r>
           </a:p>
         </p:txBody>
       </p:sp>
       <p:pic>
         <p:nvPicPr>
-          <p:cNvPr id="5" name="Imagen 4">
-            <a:extLst>
-              <a:ext uri="{FF2B5EF4-FFF2-40B4-BE49-F238E27FC236}">
-                <a16:creationId xmlns:a16="http://schemas.microsoft.com/office/drawing/2014/main" id="{533EA922-420A-02FE-89EC-0B69F01B53B4}"/>
+          <p:cNvPr id="4" name="Picture 4" descr="Programas - Intranet ETITC">
+            <a:extLst>
+              <a:ext uri="{FF2B5EF4-FFF2-40B4-BE49-F238E27FC236}">
+                <a16:creationId xmlns:a16="http://schemas.microsoft.com/office/drawing/2014/main" id="{B51651D6-E6EF-57B9-7F6B-A67F23AFBDEA}"/>
               </a:ext>
             </a:extLst>
           </p:cNvPr>
           <p:cNvPicPr>
-            <a:picLocks noChangeAspect="1"/>
+            <a:picLocks noChangeAspect="1" noChangeArrowheads="1"/>
           </p:cNvPicPr>
           <p:nvPr/>
         </p:nvPicPr>
         <p:blipFill>
-          <a:blip r:embed="rId4"/>
+          <a:blip r:embed="rId3">
+            <a:extLst>
+              <a:ext uri="{28A0092B-C50C-407E-A947-70E740481C1C}">
+                <a14:useLocalDpi xmlns:a14="http://schemas.microsoft.com/office/drawing/2010/main" val="0"/>
+              </a:ext>
+            </a:extLst>
+          </a:blip>
+          <a:srcRect/>
           <a:stretch>
             <a:fillRect/>
           </a:stretch>
         </p:blipFill>
-        <p:spPr>
+        <p:spPr bwMode="auto">
           <a:xfrm>
-            <a:off x="2317848" y="2996952"/>
-            <a:ext cx="4508304" cy="2395694"/>
+            <a:off x="795338" y="44758"/>
+            <a:ext cx="2483768" cy="794720"/>
           </a:xfrm>
           <a:prstGeom prst="rect">
             <a:avLst/>
           </a:prstGeom>
+          <a:noFill/>
+          <a:extLst>
+            <a:ext uri="{909E8E84-426E-40DD-AFC4-6F175D3DCCD1}">
+              <a14:hiddenFill xmlns:a14="http://schemas.microsoft.com/office/drawing/2010/main">
+                <a:solidFill>
+                  <a:srgbClr val="FFFFFF"/>
+                </a:solidFill>
+              </a14:hiddenFill>
+            </a:ext>
+          </a:extLst>
         </p:spPr>
       </p:pic>
+      <p:sp>
+        <p:nvSpPr>
+          <p:cNvPr id="2" name="2 Subtítulo">
+            <a:extLst>
+              <a:ext uri="{FF2B5EF4-FFF2-40B4-BE49-F238E27FC236}">
+                <a16:creationId xmlns:a16="http://schemas.microsoft.com/office/drawing/2014/main" id="{ACE7E990-3310-F213-CA73-8BBE912956F1}"/>
+              </a:ext>
+            </a:extLst>
+          </p:cNvPr>
+          <p:cNvSpPr txBox="1">
+            <a:spLocks/>
+          </p:cNvSpPr>
+          <p:nvPr/>
+        </p:nvSpPr>
+        <p:spPr bwMode="auto">
+          <a:xfrm>
+            <a:off x="2267744" y="259824"/>
+            <a:ext cx="6400800" cy="500063"/>
+          </a:xfrm>
+          <a:prstGeom prst="rect">
+            <a:avLst/>
+          </a:prstGeom>
+          <a:noFill/>
+          <a:ln>
+            <a:noFill/>
+          </a:ln>
+          <a:extLst>
+            <a:ext uri="{909E8E84-426E-40DD-AFC4-6F175D3DCCD1}">
+              <a14:hiddenFill xmlns:a14="http://schemas.microsoft.com/office/drawing/2010/main">
+                <a:solidFill>
+                  <a:srgbClr val="FFFFFF"/>
+                </a:solidFill>
+              </a14:hiddenFill>
+            </a:ext>
+            <a:ext uri="{91240B29-F687-4F45-9708-019B960494DF}">
+              <a14:hiddenLine xmlns:a14="http://schemas.microsoft.com/office/drawing/2010/main" w="9525">
+                <a:solidFill>
+                  <a:srgbClr val="000000"/>
+                </a:solidFill>
+                <a:miter lim="800000"/>
+                <a:headEnd/>
+                <a:tailEnd/>
+              </a14:hiddenLine>
+            </a:ext>
+          </a:extLst>
+        </p:spPr>
+        <p:txBody>
+          <a:bodyPr vert="horz" wrap="square" lIns="91440" tIns="45720" rIns="91440" bIns="45720" numCol="1" rtlCol="0" anchor="t" anchorCtr="0" compatLnSpc="1">
+            <a:prstTxWarp prst="textNoShape">
+              <a:avLst/>
+            </a:prstTxWarp>
+            <a:noAutofit/>
+          </a:bodyPr>
+          <a:lstStyle>
+            <a:lvl1pPr marL="342900" indent="-342900" algn="l" rtl="0" eaLnBrk="0" fontAlgn="base" hangingPunct="0">
+              <a:spcBef>
+                <a:spcPct val="20000"/>
+              </a:spcBef>
+              <a:spcAft>
+                <a:spcPct val="0"/>
+              </a:spcAft>
+              <a:buFont typeface="Arial" panose="020B0604020202020204" pitchFamily="34" charset="0"/>
+              <a:buChar char="•"/>
+              <a:defRPr sz="3200" kern="1200">
+                <a:solidFill>
+                  <a:schemeClr val="tx1"/>
+                </a:solidFill>
+                <a:latin typeface="Arial" pitchFamily="34" charset="0"/>
+                <a:ea typeface="+mn-ea"/>
+                <a:cs typeface="Arial" pitchFamily="34" charset="0"/>
+              </a:defRPr>
+            </a:lvl1pPr>
+            <a:lvl2pPr marL="742950" indent="-285750" algn="l" rtl="0" eaLnBrk="0" fontAlgn="base" hangingPunct="0">
+              <a:spcBef>
+                <a:spcPct val="20000"/>
+              </a:spcBef>
+              <a:spcAft>
+                <a:spcPct val="0"/>
+              </a:spcAft>
+              <a:buFont typeface="Arial" panose="020B0604020202020204" pitchFamily="34" charset="0"/>
+              <a:buChar char="–"/>
+              <a:defRPr sz="2800" kern="1200">
+                <a:solidFill>
+                  <a:schemeClr val="tx1"/>
+                </a:solidFill>
+                <a:latin typeface="Arial" pitchFamily="34" charset="0"/>
+                <a:ea typeface="+mn-ea"/>
+                <a:cs typeface="Arial" pitchFamily="34" charset="0"/>
+              </a:defRPr>
+            </a:lvl2pPr>
+            <a:lvl3pPr marL="1143000" indent="-228600" algn="l" rtl="0" eaLnBrk="0" fontAlgn="base" hangingPunct="0">
+              <a:spcBef>
+                <a:spcPct val="20000"/>
+              </a:spcBef>
+              <a:spcAft>
+                <a:spcPct val="0"/>
+              </a:spcAft>
+              <a:buFont typeface="Arial" panose="020B0604020202020204" pitchFamily="34" charset="0"/>
+              <a:buChar char="•"/>
+              <a:defRPr sz="2400" kern="1200">
+                <a:solidFill>
+                  <a:schemeClr val="tx1"/>
+                </a:solidFill>
+                <a:latin typeface="Arial" pitchFamily="34" charset="0"/>
+                <a:ea typeface="+mn-ea"/>
+                <a:cs typeface="Arial" pitchFamily="34" charset="0"/>
+              </a:defRPr>
+            </a:lvl3pPr>
+            <a:lvl4pPr marL="1600200" indent="-228600" algn="l" rtl="0" eaLnBrk="0" fontAlgn="base" hangingPunct="0">
+              <a:spcBef>
+                <a:spcPct val="20000"/>
+              </a:spcBef>
+              <a:spcAft>
+                <a:spcPct val="0"/>
+              </a:spcAft>
+              <a:buFont typeface="Arial" panose="020B0604020202020204" pitchFamily="34" charset="0"/>
+              <a:buChar char="–"/>
+              <a:defRPr sz="2000" kern="1200">
+                <a:solidFill>
+                  <a:schemeClr val="tx1"/>
+                </a:solidFill>
+                <a:latin typeface="Arial" pitchFamily="34" charset="0"/>
+                <a:ea typeface="+mn-ea"/>
+                <a:cs typeface="Arial" pitchFamily="34" charset="0"/>
+              </a:defRPr>
+            </a:lvl4pPr>
+            <a:lvl5pPr marL="2057400" indent="-228600" algn="l" rtl="0" eaLnBrk="0" fontAlgn="base" hangingPunct="0">
+              <a:spcBef>
+                <a:spcPct val="20000"/>
+              </a:spcBef>
+              <a:spcAft>
+                <a:spcPct val="0"/>
+              </a:spcAft>
+              <a:buFont typeface="Arial" panose="020B0604020202020204" pitchFamily="34" charset="0"/>
+              <a:buChar char="»"/>
+              <a:defRPr sz="2000" kern="1200">
+                <a:solidFill>
+                  <a:schemeClr val="tx1"/>
+                </a:solidFill>
+                <a:latin typeface="Arial" pitchFamily="34" charset="0"/>
+                <a:ea typeface="+mn-ea"/>
+                <a:cs typeface="Arial" pitchFamily="34" charset="0"/>
+              </a:defRPr>
+            </a:lvl5pPr>
+            <a:lvl6pPr marL="2514600" indent="-228600" algn="l" defTabSz="914400" rtl="0" eaLnBrk="1" latinLnBrk="0" hangingPunct="1">
+              <a:spcBef>
+                <a:spcPct val="20000"/>
+              </a:spcBef>
+              <a:buFont typeface="Arial" pitchFamily="34" charset="0"/>
+              <a:buChar char="•"/>
+              <a:defRPr sz="2000" kern="1200">
+                <a:solidFill>
+                  <a:schemeClr val="tx1"/>
+                </a:solidFill>
+                <a:latin typeface="+mn-lt"/>
+                <a:ea typeface="+mn-ea"/>
+                <a:cs typeface="+mn-cs"/>
+              </a:defRPr>
+            </a:lvl6pPr>
+            <a:lvl7pPr marL="2971800" indent="-228600" algn="l" defTabSz="914400" rtl="0" eaLnBrk="1" latinLnBrk="0" hangingPunct="1">
+              <a:spcBef>
+                <a:spcPct val="20000"/>
+              </a:spcBef>
+              <a:buFont typeface="Arial" pitchFamily="34" charset="0"/>
+              <a:buChar char="•"/>
+              <a:defRPr sz="2000" kern="1200">
+                <a:solidFill>
+                  <a:schemeClr val="tx1"/>
+                </a:solidFill>
+                <a:latin typeface="+mn-lt"/>
+                <a:ea typeface="+mn-ea"/>
+                <a:cs typeface="+mn-cs"/>
+              </a:defRPr>
+            </a:lvl7pPr>
+            <a:lvl8pPr marL="3429000" indent="-228600" algn="l" defTabSz="914400" rtl="0" eaLnBrk="1" latinLnBrk="0" hangingPunct="1">
+              <a:spcBef>
+                <a:spcPct val="20000"/>
+              </a:spcBef>
+              <a:buFont typeface="Arial" pitchFamily="34" charset="0"/>
+              <a:buChar char="•"/>
+              <a:defRPr sz="2000" kern="1200">
+                <a:solidFill>
+                  <a:schemeClr val="tx1"/>
+                </a:solidFill>
+                <a:latin typeface="+mn-lt"/>
+                <a:ea typeface="+mn-ea"/>
+                <a:cs typeface="+mn-cs"/>
+              </a:defRPr>
+            </a:lvl8pPr>
+            <a:lvl9pPr marL="3886200" indent="-228600" algn="l" defTabSz="914400" rtl="0" eaLnBrk="1" latinLnBrk="0" hangingPunct="1">
+              <a:spcBef>
+                <a:spcPct val="20000"/>
+              </a:spcBef>
+              <a:buFont typeface="Arial" pitchFamily="34" charset="0"/>
+              <a:buChar char="•"/>
+              <a:defRPr sz="2000" kern="1200">
+                <a:solidFill>
+                  <a:schemeClr val="tx1"/>
+                </a:solidFill>
+                <a:latin typeface="+mn-lt"/>
+                <a:ea typeface="+mn-ea"/>
+                <a:cs typeface="+mn-cs"/>
+              </a:defRPr>
+            </a:lvl9pPr>
+          </a:lstStyle>
+          <a:p>
+            <a:pPr marL="0" indent="0" algn="r" eaLnBrk="1" fontAlgn="auto" hangingPunct="1">
+              <a:spcAft>
+                <a:spcPts val="0"/>
+              </a:spcAft>
+              <a:buNone/>
+              <a:defRPr/>
+            </a:pPr>
+            <a:r>
+              <a:rPr lang="es-CO" sz="2000" b="1" dirty="0">
+                <a:solidFill>
+                  <a:schemeClr val="tx1">
+                    <a:lumMod val="75000"/>
+                    <a:lumOff val="25000"/>
+                  </a:schemeClr>
+                </a:solidFill>
+              </a:rPr>
+              <a:t> SISTEMAS DE CONTROL INDUSTRIAL</a:t>
+            </a:r>
+          </a:p>
+        </p:txBody>
+      </p:sp>
+      <p:sp>
+        <p:nvSpPr>
+          <p:cNvPr id="3" name="CuadroTexto 2">
+            <a:extLst>
+              <a:ext uri="{FF2B5EF4-FFF2-40B4-BE49-F238E27FC236}">
+                <a16:creationId xmlns:a16="http://schemas.microsoft.com/office/drawing/2014/main" id="{C6DFD14F-E800-B079-13A2-4C3FF24E0D63}"/>
+              </a:ext>
+            </a:extLst>
+          </p:cNvPr>
+          <p:cNvSpPr txBox="1"/>
+          <p:nvPr/>
+        </p:nvSpPr>
+        <p:spPr>
+          <a:xfrm>
+            <a:off x="2627784" y="3082786"/>
+            <a:ext cx="3888432" cy="646331"/>
+          </a:xfrm>
+          <a:prstGeom prst="rect">
+            <a:avLst/>
+          </a:prstGeom>
+          <a:noFill/>
+        </p:spPr>
+        <p:txBody>
+          <a:bodyPr wrap="square" rtlCol="0">
+            <a:spAutoFit/>
+          </a:bodyPr>
+          <a:lstStyle/>
+          <a:p>
+            <a:pPr algn="ctr"/>
+            <a:r>
+              <a:rPr lang="en-US" b="1" dirty="0"/>
+              <a:t>INTRODUCCIÓN A MATLAB</a:t>
+            </a:r>
+          </a:p>
+          <a:p>
+            <a:pPr algn="ctr"/>
+            <a:endParaRPr lang="en-US" b="1" dirty="0"/>
+          </a:p>
+        </p:txBody>
+      </p:sp>
+      <p:sp>
+        <p:nvSpPr>
+          <p:cNvPr id="5" name="CuadroTexto 4">
+            <a:extLst>
+              <a:ext uri="{FF2B5EF4-FFF2-40B4-BE49-F238E27FC236}">
+                <a16:creationId xmlns:a16="http://schemas.microsoft.com/office/drawing/2014/main" id="{86094878-3932-3763-4DF5-52DA72A3716D}"/>
+              </a:ext>
+            </a:extLst>
+          </p:cNvPr>
+          <p:cNvSpPr txBox="1"/>
+          <p:nvPr/>
+        </p:nvSpPr>
+        <p:spPr>
+          <a:xfrm>
+            <a:off x="779463" y="3861048"/>
+            <a:ext cx="7889081" cy="1477328"/>
+          </a:xfrm>
+          <a:prstGeom prst="rect">
+            <a:avLst/>
+          </a:prstGeom>
+          <a:noFill/>
+        </p:spPr>
+        <p:txBody>
+          <a:bodyPr wrap="square" rtlCol="0">
+            <a:spAutoFit/>
+          </a:bodyPr>
+          <a:lstStyle/>
+          <a:p>
+            <a:r>
+              <a:rPr lang="es-CO" dirty="0"/>
+              <a:t>Ejercicios </a:t>
+            </a:r>
+          </a:p>
+          <a:p>
+            <a:r>
+              <a:rPr lang="es-ES" dirty="0"/>
+              <a:t>Grafica la función matemática continua y(t)=e^(−0.5t) </a:t>
+            </a:r>
+            <a:r>
+              <a:rPr lang="es-ES" b="1" dirty="0"/>
+              <a:t>.*</a:t>
+            </a:r>
+            <a:r>
+              <a:rPr lang="es-ES" dirty="0"/>
+              <a:t>sin (5t)</a:t>
+            </a:r>
+          </a:p>
+          <a:p>
+            <a:endParaRPr lang="es-ES" dirty="0"/>
+          </a:p>
+          <a:p>
+            <a:endParaRPr lang="es-ES" dirty="0"/>
+          </a:p>
+          <a:p>
+            <a:r>
+              <a:rPr lang="es-ES" dirty="0"/>
+              <a:t>.* Sirve para multiplicar elemento a elemento.</a:t>
+            </a:r>
+            <a:endParaRPr lang="es-CO" dirty="0"/>
+          </a:p>
+        </p:txBody>
+      </p:sp>
     </p:spTree>
+    <p:extLst>
+      <p:ext uri="{BB962C8B-B14F-4D97-AF65-F5344CB8AC3E}">
+        <p14:creationId xmlns:p14="http://schemas.microsoft.com/office/powerpoint/2010/main" val="1087646370"/>
+      </p:ext>
+    </p:extLst>
+  </p:cSld>
+  <p:clrMapOvr>
+    <a:masterClrMapping/>
+  </p:clrMapOvr>
+</p:sld>
+</file>
+
+<file path=ppt/slides/slide5.xml><?xml version="1.0" encoding="utf-8"?>
+<p:sld xmlns:a="http://schemas.openxmlformats.org/drawingml/2006/main" xmlns:r="http://schemas.openxmlformats.org/officeDocument/2006/relationships" xmlns:p="http://schemas.openxmlformats.org/presentationml/2006/main">
+  <p:cSld>
+    <p:spTree>
+      <p:nvGrpSpPr>
+        <p:cNvPr id="1" name="">
+          <a:extLst>
+            <a:ext uri="{FF2B5EF4-FFF2-40B4-BE49-F238E27FC236}">
+              <a16:creationId xmlns:a16="http://schemas.microsoft.com/office/drawing/2014/main" id="{1DE982C8-D85C-07E5-AA07-97CE56AC9D8C}"/>
+            </a:ext>
+          </a:extLst>
+        </p:cNvPr>
+        <p:cNvGrpSpPr/>
+        <p:nvPr/>
+      </p:nvGrpSpPr>
+      <p:grpSpPr>
+        <a:xfrm>
+          <a:off x="0" y="0"/>
+          <a:ext cx="0" cy="0"/>
+          <a:chOff x="0" y="0"/>
+          <a:chExt cx="0" cy="0"/>
+        </a:xfrm>
+      </p:grpSpPr>
+      <p:sp>
+        <p:nvSpPr>
+          <p:cNvPr id="23554" name="1 Título">
+            <a:extLst>
+              <a:ext uri="{FF2B5EF4-FFF2-40B4-BE49-F238E27FC236}">
+                <a16:creationId xmlns:a16="http://schemas.microsoft.com/office/drawing/2014/main" id="{DB8905E6-FFA3-D31C-D589-3C89CFA2EFA1}"/>
+              </a:ext>
+            </a:extLst>
+          </p:cNvPr>
+          <p:cNvSpPr>
+            <a:spLocks noGrp="1"/>
+          </p:cNvSpPr>
+          <p:nvPr>
+            <p:ph type="ctrTitle"/>
+          </p:nvPr>
+        </p:nvSpPr>
+        <p:spPr>
+          <a:xfrm>
+            <a:off x="0" y="-28575"/>
+            <a:ext cx="779463" cy="720725"/>
+          </a:xfrm>
+        </p:spPr>
+        <p:txBody>
+          <a:bodyPr/>
+          <a:lstStyle/>
+          <a:p>
+            <a:pPr algn="ctr" eaLnBrk="1" hangingPunct="1"/>
+            <a:r>
+              <a:rPr lang="es-CO" altLang="es-CO" sz="3600" dirty="0"/>
+              <a:t>5</a:t>
+            </a:r>
+          </a:p>
+        </p:txBody>
+      </p:sp>
+      <p:pic>
+        <p:nvPicPr>
+          <p:cNvPr id="4" name="Picture 4" descr="Programas - Intranet ETITC">
+            <a:extLst>
+              <a:ext uri="{FF2B5EF4-FFF2-40B4-BE49-F238E27FC236}">
+                <a16:creationId xmlns:a16="http://schemas.microsoft.com/office/drawing/2014/main" id="{C4D63B14-53BE-3CDB-579A-1AA81C5EF7E8}"/>
+              </a:ext>
+            </a:extLst>
+          </p:cNvPr>
+          <p:cNvPicPr>
+            <a:picLocks noChangeAspect="1" noChangeArrowheads="1"/>
+          </p:cNvPicPr>
+          <p:nvPr/>
+        </p:nvPicPr>
+        <p:blipFill>
+          <a:blip r:embed="rId3">
+            <a:extLst>
+              <a:ext uri="{28A0092B-C50C-407E-A947-70E740481C1C}">
+                <a14:useLocalDpi xmlns:a14="http://schemas.microsoft.com/office/drawing/2010/main" val="0"/>
+              </a:ext>
+            </a:extLst>
+          </a:blip>
+          <a:srcRect/>
+          <a:stretch>
+            <a:fillRect/>
+          </a:stretch>
+        </p:blipFill>
+        <p:spPr bwMode="auto">
+          <a:xfrm>
+            <a:off x="795338" y="44758"/>
+            <a:ext cx="2483768" cy="794720"/>
+          </a:xfrm>
+          <a:prstGeom prst="rect">
+            <a:avLst/>
+          </a:prstGeom>
+          <a:noFill/>
+          <a:extLst>
+            <a:ext uri="{909E8E84-426E-40DD-AFC4-6F175D3DCCD1}">
+              <a14:hiddenFill xmlns:a14="http://schemas.microsoft.com/office/drawing/2010/main">
+                <a:solidFill>
+                  <a:srgbClr val="FFFFFF"/>
+                </a:solidFill>
+              </a14:hiddenFill>
+            </a:ext>
+          </a:extLst>
+        </p:spPr>
+      </p:pic>
+      <p:sp>
+        <p:nvSpPr>
+          <p:cNvPr id="2" name="2 Subtítulo">
+            <a:extLst>
+              <a:ext uri="{FF2B5EF4-FFF2-40B4-BE49-F238E27FC236}">
+                <a16:creationId xmlns:a16="http://schemas.microsoft.com/office/drawing/2014/main" id="{2B01C70F-403C-B099-53C6-7DF5B012DBF2}"/>
+              </a:ext>
+            </a:extLst>
+          </p:cNvPr>
+          <p:cNvSpPr txBox="1">
+            <a:spLocks/>
+          </p:cNvSpPr>
+          <p:nvPr/>
+        </p:nvSpPr>
+        <p:spPr bwMode="auto">
+          <a:xfrm>
+            <a:off x="2267744" y="259824"/>
+            <a:ext cx="6400800" cy="500063"/>
+          </a:xfrm>
+          <a:prstGeom prst="rect">
+            <a:avLst/>
+          </a:prstGeom>
+          <a:noFill/>
+          <a:ln>
+            <a:noFill/>
+          </a:ln>
+          <a:extLst>
+            <a:ext uri="{909E8E84-426E-40DD-AFC4-6F175D3DCCD1}">
+              <a14:hiddenFill xmlns:a14="http://schemas.microsoft.com/office/drawing/2010/main">
+                <a:solidFill>
+                  <a:srgbClr val="FFFFFF"/>
+                </a:solidFill>
+              </a14:hiddenFill>
+            </a:ext>
+            <a:ext uri="{91240B29-F687-4F45-9708-019B960494DF}">
+              <a14:hiddenLine xmlns:a14="http://schemas.microsoft.com/office/drawing/2010/main" w="9525">
+                <a:solidFill>
+                  <a:srgbClr val="000000"/>
+                </a:solidFill>
+                <a:miter lim="800000"/>
+                <a:headEnd/>
+                <a:tailEnd/>
+              </a14:hiddenLine>
+            </a:ext>
+          </a:extLst>
+        </p:spPr>
+        <p:txBody>
+          <a:bodyPr vert="horz" wrap="square" lIns="91440" tIns="45720" rIns="91440" bIns="45720" numCol="1" rtlCol="0" anchor="t" anchorCtr="0" compatLnSpc="1">
+            <a:prstTxWarp prst="textNoShape">
+              <a:avLst/>
+            </a:prstTxWarp>
+            <a:noAutofit/>
+          </a:bodyPr>
+          <a:lstStyle>
+            <a:lvl1pPr marL="342900" indent="-342900" algn="l" rtl="0" eaLnBrk="0" fontAlgn="base" hangingPunct="0">
+              <a:spcBef>
+                <a:spcPct val="20000"/>
+              </a:spcBef>
+              <a:spcAft>
+                <a:spcPct val="0"/>
+              </a:spcAft>
+              <a:buFont typeface="Arial" panose="020B0604020202020204" pitchFamily="34" charset="0"/>
+              <a:buChar char="•"/>
+              <a:defRPr sz="3200" kern="1200">
+                <a:solidFill>
+                  <a:schemeClr val="tx1"/>
+                </a:solidFill>
+                <a:latin typeface="Arial" pitchFamily="34" charset="0"/>
+                <a:ea typeface="+mn-ea"/>
+                <a:cs typeface="Arial" pitchFamily="34" charset="0"/>
+              </a:defRPr>
+            </a:lvl1pPr>
+            <a:lvl2pPr marL="742950" indent="-285750" algn="l" rtl="0" eaLnBrk="0" fontAlgn="base" hangingPunct="0">
+              <a:spcBef>
+                <a:spcPct val="20000"/>
+              </a:spcBef>
+              <a:spcAft>
+                <a:spcPct val="0"/>
+              </a:spcAft>
+              <a:buFont typeface="Arial" panose="020B0604020202020204" pitchFamily="34" charset="0"/>
+              <a:buChar char="–"/>
+              <a:defRPr sz="2800" kern="1200">
+                <a:solidFill>
+                  <a:schemeClr val="tx1"/>
+                </a:solidFill>
+                <a:latin typeface="Arial" pitchFamily="34" charset="0"/>
+                <a:ea typeface="+mn-ea"/>
+                <a:cs typeface="Arial" pitchFamily="34" charset="0"/>
+              </a:defRPr>
+            </a:lvl2pPr>
+            <a:lvl3pPr marL="1143000" indent="-228600" algn="l" rtl="0" eaLnBrk="0" fontAlgn="base" hangingPunct="0">
+              <a:spcBef>
+                <a:spcPct val="20000"/>
+              </a:spcBef>
+              <a:spcAft>
+                <a:spcPct val="0"/>
+              </a:spcAft>
+              <a:buFont typeface="Arial" panose="020B0604020202020204" pitchFamily="34" charset="0"/>
+              <a:buChar char="•"/>
+              <a:defRPr sz="2400" kern="1200">
+                <a:solidFill>
+                  <a:schemeClr val="tx1"/>
+                </a:solidFill>
+                <a:latin typeface="Arial" pitchFamily="34" charset="0"/>
+                <a:ea typeface="+mn-ea"/>
+                <a:cs typeface="Arial" pitchFamily="34" charset="0"/>
+              </a:defRPr>
+            </a:lvl3pPr>
+            <a:lvl4pPr marL="1600200" indent="-228600" algn="l" rtl="0" eaLnBrk="0" fontAlgn="base" hangingPunct="0">
+              <a:spcBef>
+                <a:spcPct val="20000"/>
+              </a:spcBef>
+              <a:spcAft>
+                <a:spcPct val="0"/>
+              </a:spcAft>
+              <a:buFont typeface="Arial" panose="020B0604020202020204" pitchFamily="34" charset="0"/>
+              <a:buChar char="–"/>
+              <a:defRPr sz="2000" kern="1200">
+                <a:solidFill>
+                  <a:schemeClr val="tx1"/>
+                </a:solidFill>
+                <a:latin typeface="Arial" pitchFamily="34" charset="0"/>
+                <a:ea typeface="+mn-ea"/>
+                <a:cs typeface="Arial" pitchFamily="34" charset="0"/>
+              </a:defRPr>
+            </a:lvl4pPr>
+            <a:lvl5pPr marL="2057400" indent="-228600" algn="l" rtl="0" eaLnBrk="0" fontAlgn="base" hangingPunct="0">
+              <a:spcBef>
+                <a:spcPct val="20000"/>
+              </a:spcBef>
+              <a:spcAft>
+                <a:spcPct val="0"/>
+              </a:spcAft>
+              <a:buFont typeface="Arial" panose="020B0604020202020204" pitchFamily="34" charset="0"/>
+              <a:buChar char="»"/>
+              <a:defRPr sz="2000" kern="1200">
+                <a:solidFill>
+                  <a:schemeClr val="tx1"/>
+                </a:solidFill>
+                <a:latin typeface="Arial" pitchFamily="34" charset="0"/>
+                <a:ea typeface="+mn-ea"/>
+                <a:cs typeface="Arial" pitchFamily="34" charset="0"/>
+              </a:defRPr>
+            </a:lvl5pPr>
+            <a:lvl6pPr marL="2514600" indent="-228600" algn="l" defTabSz="914400" rtl="0" eaLnBrk="1" latinLnBrk="0" hangingPunct="1">
+              <a:spcBef>
+                <a:spcPct val="20000"/>
+              </a:spcBef>
+              <a:buFont typeface="Arial" pitchFamily="34" charset="0"/>
+              <a:buChar char="•"/>
+              <a:defRPr sz="2000" kern="1200">
+                <a:solidFill>
+                  <a:schemeClr val="tx1"/>
+                </a:solidFill>
+                <a:latin typeface="+mn-lt"/>
+                <a:ea typeface="+mn-ea"/>
+                <a:cs typeface="+mn-cs"/>
+              </a:defRPr>
+            </a:lvl6pPr>
+            <a:lvl7pPr marL="2971800" indent="-228600" algn="l" defTabSz="914400" rtl="0" eaLnBrk="1" latinLnBrk="0" hangingPunct="1">
+              <a:spcBef>
+                <a:spcPct val="20000"/>
+              </a:spcBef>
+              <a:buFont typeface="Arial" pitchFamily="34" charset="0"/>
+              <a:buChar char="•"/>
+              <a:defRPr sz="2000" kern="1200">
+                <a:solidFill>
+                  <a:schemeClr val="tx1"/>
+                </a:solidFill>
+                <a:latin typeface="+mn-lt"/>
+                <a:ea typeface="+mn-ea"/>
+                <a:cs typeface="+mn-cs"/>
+              </a:defRPr>
+            </a:lvl7pPr>
+            <a:lvl8pPr marL="3429000" indent="-228600" algn="l" defTabSz="914400" rtl="0" eaLnBrk="1" latinLnBrk="0" hangingPunct="1">
+              <a:spcBef>
+                <a:spcPct val="20000"/>
+              </a:spcBef>
+              <a:buFont typeface="Arial" pitchFamily="34" charset="0"/>
+              <a:buChar char="•"/>
+              <a:defRPr sz="2000" kern="1200">
+                <a:solidFill>
+                  <a:schemeClr val="tx1"/>
+                </a:solidFill>
+                <a:latin typeface="+mn-lt"/>
+                <a:ea typeface="+mn-ea"/>
+                <a:cs typeface="+mn-cs"/>
+              </a:defRPr>
+            </a:lvl8pPr>
+            <a:lvl9pPr marL="3886200" indent="-228600" algn="l" defTabSz="914400" rtl="0" eaLnBrk="1" latinLnBrk="0" hangingPunct="1">
+              <a:spcBef>
+                <a:spcPct val="20000"/>
+              </a:spcBef>
+              <a:buFont typeface="Arial" pitchFamily="34" charset="0"/>
+              <a:buChar char="•"/>
+              <a:defRPr sz="2000" kern="1200">
+                <a:solidFill>
+                  <a:schemeClr val="tx1"/>
+                </a:solidFill>
+                <a:latin typeface="+mn-lt"/>
+                <a:ea typeface="+mn-ea"/>
+                <a:cs typeface="+mn-cs"/>
+              </a:defRPr>
+            </a:lvl9pPr>
+          </a:lstStyle>
+          <a:p>
+            <a:pPr marL="0" indent="0" algn="r" eaLnBrk="1" fontAlgn="auto" hangingPunct="1">
+              <a:spcAft>
+                <a:spcPts val="0"/>
+              </a:spcAft>
+              <a:buNone/>
+              <a:defRPr/>
+            </a:pPr>
+            <a:r>
+              <a:rPr lang="es-CO" sz="2000" b="1" dirty="0">
+                <a:solidFill>
+                  <a:schemeClr val="tx1">
+                    <a:lumMod val="75000"/>
+                    <a:lumOff val="25000"/>
+                  </a:schemeClr>
+                </a:solidFill>
+              </a:rPr>
+              <a:t> SISTEMAS DE CONTROL INDUSTRIAL</a:t>
+            </a:r>
+          </a:p>
+        </p:txBody>
+      </p:sp>
+      <p:sp>
+        <p:nvSpPr>
+          <p:cNvPr id="3" name="CuadroTexto 2">
+            <a:extLst>
+              <a:ext uri="{FF2B5EF4-FFF2-40B4-BE49-F238E27FC236}">
+                <a16:creationId xmlns:a16="http://schemas.microsoft.com/office/drawing/2014/main" id="{90A2996E-12C0-231D-2BC9-DEBEAFDAE22C}"/>
+              </a:ext>
+            </a:extLst>
+          </p:cNvPr>
+          <p:cNvSpPr txBox="1"/>
+          <p:nvPr/>
+        </p:nvSpPr>
+        <p:spPr>
+          <a:xfrm>
+            <a:off x="2627784" y="3082786"/>
+            <a:ext cx="3888432" cy="646331"/>
+          </a:xfrm>
+          <a:prstGeom prst="rect">
+            <a:avLst/>
+          </a:prstGeom>
+          <a:noFill/>
+        </p:spPr>
+        <p:txBody>
+          <a:bodyPr wrap="square" rtlCol="0">
+            <a:spAutoFit/>
+          </a:bodyPr>
+          <a:lstStyle/>
+          <a:p>
+            <a:pPr algn="ctr"/>
+            <a:r>
+              <a:rPr lang="en-US" b="1" dirty="0"/>
+              <a:t>INTRODUCCIÓN A MATLAB</a:t>
+            </a:r>
+          </a:p>
+          <a:p>
+            <a:pPr algn="ctr"/>
+            <a:endParaRPr lang="en-US" b="1" dirty="0"/>
+          </a:p>
+        </p:txBody>
+      </p:sp>
+      <p:sp>
+        <p:nvSpPr>
+          <p:cNvPr id="5" name="CuadroTexto 4">
+            <a:extLst>
+              <a:ext uri="{FF2B5EF4-FFF2-40B4-BE49-F238E27FC236}">
+                <a16:creationId xmlns:a16="http://schemas.microsoft.com/office/drawing/2014/main" id="{CD925B0C-D3BF-1811-98E2-4882A5BBE42B}"/>
+              </a:ext>
+            </a:extLst>
+          </p:cNvPr>
+          <p:cNvSpPr txBox="1"/>
+          <p:nvPr/>
+        </p:nvSpPr>
+        <p:spPr>
+          <a:xfrm>
+            <a:off x="779463" y="3861048"/>
+            <a:ext cx="7889081" cy="646331"/>
+          </a:xfrm>
+          <a:prstGeom prst="rect">
+            <a:avLst/>
+          </a:prstGeom>
+          <a:noFill/>
+        </p:spPr>
+        <p:txBody>
+          <a:bodyPr wrap="square" rtlCol="0">
+            <a:spAutoFit/>
+          </a:bodyPr>
+          <a:lstStyle/>
+          <a:p>
+            <a:r>
+              <a:rPr lang="es-ES" dirty="0"/>
+              <a:t>Grafica una señal seno continua (analógica) y, sobre la misma gráfica, superpón sus muestras discretas (digitales)</a:t>
+            </a:r>
+            <a:endParaRPr lang="es-CO" dirty="0"/>
+          </a:p>
+        </p:txBody>
+      </p:sp>
+    </p:spTree>
+    <p:extLst>
+      <p:ext uri="{BB962C8B-B14F-4D97-AF65-F5344CB8AC3E}">
+        <p14:creationId xmlns:p14="http://schemas.microsoft.com/office/powerpoint/2010/main" val="2730890802"/>
+      </p:ext>
+    </p:extLst>
+  </p:cSld>
+  <p:clrMapOvr>
+    <a:masterClrMapping/>
+  </p:clrMapOvr>
+</p:sld>
+</file>
+
+<file path=ppt/slides/slide6.xml><?xml version="1.0" encoding="utf-8"?>
+<p:sld xmlns:a="http://schemas.openxmlformats.org/drawingml/2006/main" xmlns:r="http://schemas.openxmlformats.org/officeDocument/2006/relationships" xmlns:p="http://schemas.openxmlformats.org/presentationml/2006/main">
+  <p:cSld>
+    <p:spTree>
+      <p:nvGrpSpPr>
+        <p:cNvPr id="1" name="">
+          <a:extLst>
+            <a:ext uri="{FF2B5EF4-FFF2-40B4-BE49-F238E27FC236}">
+              <a16:creationId xmlns:a16="http://schemas.microsoft.com/office/drawing/2014/main" id="{109BDA0E-3E25-1F5D-E592-E51A3BDC9048}"/>
+            </a:ext>
+          </a:extLst>
+        </p:cNvPr>
+        <p:cNvGrpSpPr/>
+        <p:nvPr/>
+      </p:nvGrpSpPr>
+      <p:grpSpPr>
+        <a:xfrm>
+          <a:off x="0" y="0"/>
+          <a:ext cx="0" cy="0"/>
+          <a:chOff x="0" y="0"/>
+          <a:chExt cx="0" cy="0"/>
+        </a:xfrm>
+      </p:grpSpPr>
+      <p:sp>
+        <p:nvSpPr>
+          <p:cNvPr id="23554" name="1 Título">
+            <a:extLst>
+              <a:ext uri="{FF2B5EF4-FFF2-40B4-BE49-F238E27FC236}">
+                <a16:creationId xmlns:a16="http://schemas.microsoft.com/office/drawing/2014/main" id="{7F33A682-F62C-A04C-42B2-0EC0A7B9D95D}"/>
+              </a:ext>
+            </a:extLst>
+          </p:cNvPr>
+          <p:cNvSpPr>
+            <a:spLocks noGrp="1"/>
+          </p:cNvSpPr>
+          <p:nvPr>
+            <p:ph type="ctrTitle"/>
+          </p:nvPr>
+        </p:nvSpPr>
+        <p:spPr>
+          <a:xfrm>
+            <a:off x="0" y="-28575"/>
+            <a:ext cx="779463" cy="720725"/>
+          </a:xfrm>
+        </p:spPr>
+        <p:txBody>
+          <a:bodyPr/>
+          <a:lstStyle/>
+          <a:p>
+            <a:pPr algn="ctr" eaLnBrk="1" hangingPunct="1"/>
+            <a:r>
+              <a:rPr lang="es-CO" altLang="es-CO" sz="3600" dirty="0"/>
+              <a:t>6</a:t>
+            </a:r>
+          </a:p>
+        </p:txBody>
+      </p:sp>
+      <p:pic>
+        <p:nvPicPr>
+          <p:cNvPr id="4" name="Picture 4" descr="Programas - Intranet ETITC">
+            <a:extLst>
+              <a:ext uri="{FF2B5EF4-FFF2-40B4-BE49-F238E27FC236}">
+                <a16:creationId xmlns:a16="http://schemas.microsoft.com/office/drawing/2014/main" id="{529EB018-8250-0494-5D07-730E06F9DFBC}"/>
+              </a:ext>
+            </a:extLst>
+          </p:cNvPr>
+          <p:cNvPicPr>
+            <a:picLocks noChangeAspect="1" noChangeArrowheads="1"/>
+          </p:cNvPicPr>
+          <p:nvPr/>
+        </p:nvPicPr>
+        <p:blipFill>
+          <a:blip r:embed="rId3">
+            <a:extLst>
+              <a:ext uri="{28A0092B-C50C-407E-A947-70E740481C1C}">
+                <a14:useLocalDpi xmlns:a14="http://schemas.microsoft.com/office/drawing/2010/main" val="0"/>
+              </a:ext>
+            </a:extLst>
+          </a:blip>
+          <a:srcRect/>
+          <a:stretch>
+            <a:fillRect/>
+          </a:stretch>
+        </p:blipFill>
+        <p:spPr bwMode="auto">
+          <a:xfrm>
+            <a:off x="795338" y="44758"/>
+            <a:ext cx="2483768" cy="794720"/>
+          </a:xfrm>
+          <a:prstGeom prst="rect">
+            <a:avLst/>
+          </a:prstGeom>
+          <a:noFill/>
+          <a:extLst>
+            <a:ext uri="{909E8E84-426E-40DD-AFC4-6F175D3DCCD1}">
+              <a14:hiddenFill xmlns:a14="http://schemas.microsoft.com/office/drawing/2010/main">
+                <a:solidFill>
+                  <a:srgbClr val="FFFFFF"/>
+                </a:solidFill>
+              </a14:hiddenFill>
+            </a:ext>
+          </a:extLst>
+        </p:spPr>
+      </p:pic>
+      <p:sp>
+        <p:nvSpPr>
+          <p:cNvPr id="2" name="2 Subtítulo">
+            <a:extLst>
+              <a:ext uri="{FF2B5EF4-FFF2-40B4-BE49-F238E27FC236}">
+                <a16:creationId xmlns:a16="http://schemas.microsoft.com/office/drawing/2014/main" id="{9CFCEDEF-B10A-5F02-37F2-FB063A151309}"/>
+              </a:ext>
+            </a:extLst>
+          </p:cNvPr>
+          <p:cNvSpPr txBox="1">
+            <a:spLocks/>
+          </p:cNvSpPr>
+          <p:nvPr/>
+        </p:nvSpPr>
+        <p:spPr bwMode="auto">
+          <a:xfrm>
+            <a:off x="2267744" y="259824"/>
+            <a:ext cx="6400800" cy="500063"/>
+          </a:xfrm>
+          <a:prstGeom prst="rect">
+            <a:avLst/>
+          </a:prstGeom>
+          <a:noFill/>
+          <a:ln>
+            <a:noFill/>
+          </a:ln>
+          <a:extLst>
+            <a:ext uri="{909E8E84-426E-40DD-AFC4-6F175D3DCCD1}">
+              <a14:hiddenFill xmlns:a14="http://schemas.microsoft.com/office/drawing/2010/main">
+                <a:solidFill>
+                  <a:srgbClr val="FFFFFF"/>
+                </a:solidFill>
+              </a14:hiddenFill>
+            </a:ext>
+            <a:ext uri="{91240B29-F687-4F45-9708-019B960494DF}">
+              <a14:hiddenLine xmlns:a14="http://schemas.microsoft.com/office/drawing/2010/main" w="9525">
+                <a:solidFill>
+                  <a:srgbClr val="000000"/>
+                </a:solidFill>
+                <a:miter lim="800000"/>
+                <a:headEnd/>
+                <a:tailEnd/>
+              </a14:hiddenLine>
+            </a:ext>
+          </a:extLst>
+        </p:spPr>
+        <p:txBody>
+          <a:bodyPr vert="horz" wrap="square" lIns="91440" tIns="45720" rIns="91440" bIns="45720" numCol="1" rtlCol="0" anchor="t" anchorCtr="0" compatLnSpc="1">
+            <a:prstTxWarp prst="textNoShape">
+              <a:avLst/>
+            </a:prstTxWarp>
+            <a:noAutofit/>
+          </a:bodyPr>
+          <a:lstStyle>
+            <a:lvl1pPr marL="342900" indent="-342900" algn="l" rtl="0" eaLnBrk="0" fontAlgn="base" hangingPunct="0">
+              <a:spcBef>
+                <a:spcPct val="20000"/>
+              </a:spcBef>
+              <a:spcAft>
+                <a:spcPct val="0"/>
+              </a:spcAft>
+              <a:buFont typeface="Arial" panose="020B0604020202020204" pitchFamily="34" charset="0"/>
+              <a:buChar char="•"/>
+              <a:defRPr sz="3200" kern="1200">
+                <a:solidFill>
+                  <a:schemeClr val="tx1"/>
+                </a:solidFill>
+                <a:latin typeface="Arial" pitchFamily="34" charset="0"/>
+                <a:ea typeface="+mn-ea"/>
+                <a:cs typeface="Arial" pitchFamily="34" charset="0"/>
+              </a:defRPr>
+            </a:lvl1pPr>
+            <a:lvl2pPr marL="742950" indent="-285750" algn="l" rtl="0" eaLnBrk="0" fontAlgn="base" hangingPunct="0">
+              <a:spcBef>
+                <a:spcPct val="20000"/>
+              </a:spcBef>
+              <a:spcAft>
+                <a:spcPct val="0"/>
+              </a:spcAft>
+              <a:buFont typeface="Arial" panose="020B0604020202020204" pitchFamily="34" charset="0"/>
+              <a:buChar char="–"/>
+              <a:defRPr sz="2800" kern="1200">
+                <a:solidFill>
+                  <a:schemeClr val="tx1"/>
+                </a:solidFill>
+                <a:latin typeface="Arial" pitchFamily="34" charset="0"/>
+                <a:ea typeface="+mn-ea"/>
+                <a:cs typeface="Arial" pitchFamily="34" charset="0"/>
+              </a:defRPr>
+            </a:lvl2pPr>
+            <a:lvl3pPr marL="1143000" indent="-228600" algn="l" rtl="0" eaLnBrk="0" fontAlgn="base" hangingPunct="0">
+              <a:spcBef>
+                <a:spcPct val="20000"/>
+              </a:spcBef>
+              <a:spcAft>
+                <a:spcPct val="0"/>
+              </a:spcAft>
+              <a:buFont typeface="Arial" panose="020B0604020202020204" pitchFamily="34" charset="0"/>
+              <a:buChar char="•"/>
+              <a:defRPr sz="2400" kern="1200">
+                <a:solidFill>
+                  <a:schemeClr val="tx1"/>
+                </a:solidFill>
+                <a:latin typeface="Arial" pitchFamily="34" charset="0"/>
+                <a:ea typeface="+mn-ea"/>
+                <a:cs typeface="Arial" pitchFamily="34" charset="0"/>
+              </a:defRPr>
+            </a:lvl3pPr>
+            <a:lvl4pPr marL="1600200" indent="-228600" algn="l" rtl="0" eaLnBrk="0" fontAlgn="base" hangingPunct="0">
+              <a:spcBef>
+                <a:spcPct val="20000"/>
+              </a:spcBef>
+              <a:spcAft>
+                <a:spcPct val="0"/>
+              </a:spcAft>
+              <a:buFont typeface="Arial" panose="020B0604020202020204" pitchFamily="34" charset="0"/>
+              <a:buChar char="–"/>
+              <a:defRPr sz="2000" kern="1200">
+                <a:solidFill>
+                  <a:schemeClr val="tx1"/>
+                </a:solidFill>
+                <a:latin typeface="Arial" pitchFamily="34" charset="0"/>
+                <a:ea typeface="+mn-ea"/>
+                <a:cs typeface="Arial" pitchFamily="34" charset="0"/>
+              </a:defRPr>
+            </a:lvl4pPr>
+            <a:lvl5pPr marL="2057400" indent="-228600" algn="l" rtl="0" eaLnBrk="0" fontAlgn="base" hangingPunct="0">
+              <a:spcBef>
+                <a:spcPct val="20000"/>
+              </a:spcBef>
+              <a:spcAft>
+                <a:spcPct val="0"/>
+              </a:spcAft>
+              <a:buFont typeface="Arial" panose="020B0604020202020204" pitchFamily="34" charset="0"/>
+              <a:buChar char="»"/>
+              <a:defRPr sz="2000" kern="1200">
+                <a:solidFill>
+                  <a:schemeClr val="tx1"/>
+                </a:solidFill>
+                <a:latin typeface="Arial" pitchFamily="34" charset="0"/>
+                <a:ea typeface="+mn-ea"/>
+                <a:cs typeface="Arial" pitchFamily="34" charset="0"/>
+              </a:defRPr>
+            </a:lvl5pPr>
+            <a:lvl6pPr marL="2514600" indent="-228600" algn="l" defTabSz="914400" rtl="0" eaLnBrk="1" latinLnBrk="0" hangingPunct="1">
+              <a:spcBef>
+                <a:spcPct val="20000"/>
+              </a:spcBef>
+              <a:buFont typeface="Arial" pitchFamily="34" charset="0"/>
+              <a:buChar char="•"/>
+              <a:defRPr sz="2000" kern="1200">
+                <a:solidFill>
+                  <a:schemeClr val="tx1"/>
+                </a:solidFill>
+                <a:latin typeface="+mn-lt"/>
+                <a:ea typeface="+mn-ea"/>
+                <a:cs typeface="+mn-cs"/>
+              </a:defRPr>
+            </a:lvl6pPr>
+            <a:lvl7pPr marL="2971800" indent="-228600" algn="l" defTabSz="914400" rtl="0" eaLnBrk="1" latinLnBrk="0" hangingPunct="1">
+              <a:spcBef>
+                <a:spcPct val="20000"/>
+              </a:spcBef>
+              <a:buFont typeface="Arial" pitchFamily="34" charset="0"/>
+              <a:buChar char="•"/>
+              <a:defRPr sz="2000" kern="1200">
+                <a:solidFill>
+                  <a:schemeClr val="tx1"/>
+                </a:solidFill>
+                <a:latin typeface="+mn-lt"/>
+                <a:ea typeface="+mn-ea"/>
+                <a:cs typeface="+mn-cs"/>
+              </a:defRPr>
+            </a:lvl7pPr>
+            <a:lvl8pPr marL="3429000" indent="-228600" algn="l" defTabSz="914400" rtl="0" eaLnBrk="1" latinLnBrk="0" hangingPunct="1">
+              <a:spcBef>
+                <a:spcPct val="20000"/>
+              </a:spcBef>
+              <a:buFont typeface="Arial" pitchFamily="34" charset="0"/>
+              <a:buChar char="•"/>
+              <a:defRPr sz="2000" kern="1200">
+                <a:solidFill>
+                  <a:schemeClr val="tx1"/>
+                </a:solidFill>
+                <a:latin typeface="+mn-lt"/>
+                <a:ea typeface="+mn-ea"/>
+                <a:cs typeface="+mn-cs"/>
+              </a:defRPr>
+            </a:lvl8pPr>
+            <a:lvl9pPr marL="3886200" indent="-228600" algn="l" defTabSz="914400" rtl="0" eaLnBrk="1" latinLnBrk="0" hangingPunct="1">
+              <a:spcBef>
+                <a:spcPct val="20000"/>
+              </a:spcBef>
+              <a:buFont typeface="Arial" pitchFamily="34" charset="0"/>
+              <a:buChar char="•"/>
+              <a:defRPr sz="2000" kern="1200">
+                <a:solidFill>
+                  <a:schemeClr val="tx1"/>
+                </a:solidFill>
+                <a:latin typeface="+mn-lt"/>
+                <a:ea typeface="+mn-ea"/>
+                <a:cs typeface="+mn-cs"/>
+              </a:defRPr>
+            </a:lvl9pPr>
+          </a:lstStyle>
+          <a:p>
+            <a:pPr marL="0" indent="0" algn="r" eaLnBrk="1" fontAlgn="auto" hangingPunct="1">
+              <a:spcAft>
+                <a:spcPts val="0"/>
+              </a:spcAft>
+              <a:buNone/>
+              <a:defRPr/>
+            </a:pPr>
+            <a:r>
+              <a:rPr lang="es-CO" sz="2000" b="1" dirty="0">
+                <a:solidFill>
+                  <a:schemeClr val="tx1">
+                    <a:lumMod val="75000"/>
+                    <a:lumOff val="25000"/>
+                  </a:schemeClr>
+                </a:solidFill>
+              </a:rPr>
+              <a:t> SISTEMAS DE CONTROL INDUSTRIAL</a:t>
+            </a:r>
+          </a:p>
+        </p:txBody>
+      </p:sp>
+      <p:sp>
+        <p:nvSpPr>
+          <p:cNvPr id="3" name="CuadroTexto 2">
+            <a:extLst>
+              <a:ext uri="{FF2B5EF4-FFF2-40B4-BE49-F238E27FC236}">
+                <a16:creationId xmlns:a16="http://schemas.microsoft.com/office/drawing/2014/main" id="{24A4939F-C6B5-1324-DC21-285BBEA033E4}"/>
+              </a:ext>
+            </a:extLst>
+          </p:cNvPr>
+          <p:cNvSpPr txBox="1"/>
+          <p:nvPr/>
+        </p:nvSpPr>
+        <p:spPr>
+          <a:xfrm>
+            <a:off x="2627784" y="3082786"/>
+            <a:ext cx="3888432" cy="646331"/>
+          </a:xfrm>
+          <a:prstGeom prst="rect">
+            <a:avLst/>
+          </a:prstGeom>
+          <a:noFill/>
+        </p:spPr>
+        <p:txBody>
+          <a:bodyPr wrap="square" rtlCol="0">
+            <a:spAutoFit/>
+          </a:bodyPr>
+          <a:lstStyle/>
+          <a:p>
+            <a:pPr algn="ctr"/>
+            <a:r>
+              <a:rPr lang="en-US" b="1" dirty="0"/>
+              <a:t>INTRODUCCIÓN A MATLAB</a:t>
+            </a:r>
+          </a:p>
+          <a:p>
+            <a:pPr algn="ctr"/>
+            <a:endParaRPr lang="en-US" b="1" dirty="0"/>
+          </a:p>
+        </p:txBody>
+      </p:sp>
+      <mc:AlternateContent xmlns:mc="http://schemas.openxmlformats.org/markup-compatibility/2006">
+        <mc:Choice xmlns:a14="http://schemas.microsoft.com/office/drawing/2010/main" Requires="a14">
+          <p:sp>
+            <p:nvSpPr>
+              <p:cNvPr id="5" name="CuadroTexto 4">
+                <a:extLst>
+                  <a:ext uri="{FF2B5EF4-FFF2-40B4-BE49-F238E27FC236}">
+                    <a16:creationId xmlns:a16="http://schemas.microsoft.com/office/drawing/2014/main" id="{155A6540-4BE2-EF2A-20DB-4C2966D5956F}"/>
+                  </a:ext>
+                </a:extLst>
+              </p:cNvPr>
+              <p:cNvSpPr txBox="1"/>
+              <p:nvPr/>
+            </p:nvSpPr>
+            <p:spPr>
+              <a:xfrm>
+                <a:off x="779463" y="3861048"/>
+                <a:ext cx="7889081" cy="1718932"/>
+              </a:xfrm>
+              <a:prstGeom prst="rect">
+                <a:avLst/>
+              </a:prstGeom>
+              <a:noFill/>
+            </p:spPr>
+            <p:txBody>
+              <a:bodyPr wrap="square" rtlCol="0">
+                <a:spAutoFit/>
+              </a:bodyPr>
+              <a:lstStyle/>
+              <a:p>
+                <a:r>
+                  <a:rPr lang="es-ES" dirty="0"/>
+                  <a:t>Crear una función de transferencia de primer orden y visualizar cómo responde el sistema a una entrada tipo escalón e </a:t>
+                </a:r>
+                <a:r>
+                  <a:rPr lang="es-ES" dirty="0" err="1"/>
+                  <a:t>inpulso</a:t>
+                </a:r>
+                <a:r>
+                  <a:rPr lang="es-ES" dirty="0"/>
+                  <a:t>. Este es un análisis básico pero fundamental en el estudio de sistemas dinámicos.</a:t>
+                </a:r>
+              </a:p>
+              <a:p>
+                <a:endParaRPr lang="es-ES" dirty="0"/>
+              </a:p>
+              <a:p>
+                <a14:m>
+                  <m:oMathPara xmlns:m="http://schemas.openxmlformats.org/officeDocument/2006/math">
+                    <m:oMathParaPr>
+                      <m:jc m:val="centerGroup"/>
+                    </m:oMathParaPr>
+                    <m:oMath xmlns:m="http://schemas.openxmlformats.org/officeDocument/2006/math">
+                      <m:f>
+                        <m:fPr>
+                          <m:ctrlPr>
+                            <a:rPr lang="es-CO" b="0" i="1" smtClean="0">
+                              <a:latin typeface="Cambria Math" panose="02040503050406030204" pitchFamily="18" charset="0"/>
+                            </a:rPr>
+                          </m:ctrlPr>
+                        </m:fPr>
+                        <m:num>
+                          <m:r>
+                            <a:rPr lang="es-CO" b="0" i="1" smtClean="0">
+                              <a:latin typeface="Cambria Math" panose="02040503050406030204" pitchFamily="18" charset="0"/>
+                            </a:rPr>
+                            <m:t>2</m:t>
+                          </m:r>
+                        </m:num>
+                        <m:den>
+                          <m:r>
+                            <a:rPr lang="es-CO" b="0" i="1" smtClean="0">
+                              <a:latin typeface="Cambria Math" panose="02040503050406030204" pitchFamily="18" charset="0"/>
+                            </a:rPr>
+                            <m:t>3</m:t>
+                          </m:r>
+                          <m:r>
+                            <a:rPr lang="es-CO" b="0" i="1" smtClean="0">
+                              <a:latin typeface="Cambria Math" panose="02040503050406030204" pitchFamily="18" charset="0"/>
+                            </a:rPr>
+                            <m:t>𝑠</m:t>
+                          </m:r>
+                          <m:r>
+                            <a:rPr lang="es-CO" b="0" i="1" smtClean="0">
+                              <a:latin typeface="Cambria Math" panose="02040503050406030204" pitchFamily="18" charset="0"/>
+                            </a:rPr>
+                            <m:t>+1</m:t>
+                          </m:r>
+                        </m:den>
+                      </m:f>
+                    </m:oMath>
+                  </m:oMathPara>
+                </a14:m>
+                <a:endParaRPr lang="es-CO" dirty="0"/>
+              </a:p>
+            </p:txBody>
+          </p:sp>
+        </mc:Choice>
+        <mc:Fallback>
+          <p:sp>
+            <p:nvSpPr>
+              <p:cNvPr id="5" name="CuadroTexto 4">
+                <a:extLst>
+                  <a:ext uri="{FF2B5EF4-FFF2-40B4-BE49-F238E27FC236}">
+                    <a16:creationId xmlns:a16="http://schemas.microsoft.com/office/drawing/2014/main" id="{155A6540-4BE2-EF2A-20DB-4C2966D5956F}"/>
+                  </a:ext>
+                </a:extLst>
+              </p:cNvPr>
+              <p:cNvSpPr txBox="1">
+                <a:spLocks noRot="1" noChangeAspect="1" noMove="1" noResize="1" noEditPoints="1" noAdjustHandles="1" noChangeArrowheads="1" noChangeShapeType="1" noTextEdit="1"/>
+              </p:cNvSpPr>
+              <p:nvPr/>
+            </p:nvSpPr>
+            <p:spPr>
+              <a:xfrm>
+                <a:off x="779463" y="3861048"/>
+                <a:ext cx="7889081" cy="1718932"/>
+              </a:xfrm>
+              <a:prstGeom prst="rect">
+                <a:avLst/>
+              </a:prstGeom>
+              <a:blipFill>
+                <a:blip r:embed="rId4"/>
+                <a:stretch>
+                  <a:fillRect l="-696" t="-1773"/>
+                </a:stretch>
+              </a:blipFill>
+            </p:spPr>
+            <p:txBody>
+              <a:bodyPr/>
+              <a:lstStyle/>
+              <a:p>
+                <a:r>
+                  <a:rPr lang="es-CO">
+                    <a:noFill/>
+                  </a:rPr>
+                  <a:t> </a:t>
+                </a:r>
+              </a:p>
+            </p:txBody>
+          </p:sp>
+        </mc:Fallback>
+      </mc:AlternateContent>
+    </p:spTree>
+    <p:extLst>
+      <p:ext uri="{BB962C8B-B14F-4D97-AF65-F5344CB8AC3E}">
+        <p14:creationId xmlns:p14="http://schemas.microsoft.com/office/powerpoint/2010/main" val="2487971500"/>
+      </p:ext>
+    </p:extLst>
+  </p:cSld>
+  <p:clrMapOvr>
+    <a:masterClrMapping/>
+  </p:clrMapOvr>
+</p:sld>
+</file>
+
+<file path=ppt/slides/slide7.xml><?xml version="1.0" encoding="utf-8"?>
+<p:sld xmlns:a="http://schemas.openxmlformats.org/drawingml/2006/main" xmlns:r="http://schemas.openxmlformats.org/officeDocument/2006/relationships" xmlns:p="http://schemas.openxmlformats.org/presentationml/2006/main">
+  <p:cSld>
+    <p:spTree>
+      <p:nvGrpSpPr>
+        <p:cNvPr id="1" name="">
+          <a:extLst>
+            <a:ext uri="{FF2B5EF4-FFF2-40B4-BE49-F238E27FC236}">
+              <a16:creationId xmlns:a16="http://schemas.microsoft.com/office/drawing/2014/main" id="{BB6AA9FB-DD69-D882-90FC-5C569DA411D5}"/>
+            </a:ext>
+          </a:extLst>
+        </p:cNvPr>
+        <p:cNvGrpSpPr/>
+        <p:nvPr/>
+      </p:nvGrpSpPr>
+      <p:grpSpPr>
+        <a:xfrm>
+          <a:off x="0" y="0"/>
+          <a:ext cx="0" cy="0"/>
+          <a:chOff x="0" y="0"/>
+          <a:chExt cx="0" cy="0"/>
+        </a:xfrm>
+      </p:grpSpPr>
+      <p:sp>
+        <p:nvSpPr>
+          <p:cNvPr id="23554" name="1 Título">
+            <a:extLst>
+              <a:ext uri="{FF2B5EF4-FFF2-40B4-BE49-F238E27FC236}">
+                <a16:creationId xmlns:a16="http://schemas.microsoft.com/office/drawing/2014/main" id="{BF56F455-2C88-295E-50F1-4B764249AEFF}"/>
+              </a:ext>
+            </a:extLst>
+          </p:cNvPr>
+          <p:cNvSpPr>
+            <a:spLocks noGrp="1"/>
+          </p:cNvSpPr>
+          <p:nvPr>
+            <p:ph type="ctrTitle"/>
+          </p:nvPr>
+        </p:nvSpPr>
+        <p:spPr>
+          <a:xfrm>
+            <a:off x="0" y="-28575"/>
+            <a:ext cx="779463" cy="720725"/>
+          </a:xfrm>
+        </p:spPr>
+        <p:txBody>
+          <a:bodyPr/>
+          <a:lstStyle/>
+          <a:p>
+            <a:pPr algn="ctr" eaLnBrk="1" hangingPunct="1"/>
+            <a:r>
+              <a:rPr lang="es-CO" altLang="es-CO" sz="3600" dirty="0"/>
+              <a:t>7</a:t>
+            </a:r>
+          </a:p>
+        </p:txBody>
+      </p:sp>
+      <p:pic>
+        <p:nvPicPr>
+          <p:cNvPr id="4" name="Picture 4" descr="Programas - Intranet ETITC">
+            <a:extLst>
+              <a:ext uri="{FF2B5EF4-FFF2-40B4-BE49-F238E27FC236}">
+                <a16:creationId xmlns:a16="http://schemas.microsoft.com/office/drawing/2014/main" id="{07591E4C-DF5D-6CBB-3ECE-C28637F64310}"/>
+              </a:ext>
+            </a:extLst>
+          </p:cNvPr>
+          <p:cNvPicPr>
+            <a:picLocks noChangeAspect="1" noChangeArrowheads="1"/>
+          </p:cNvPicPr>
+          <p:nvPr/>
+        </p:nvPicPr>
+        <p:blipFill>
+          <a:blip r:embed="rId3">
+            <a:extLst>
+              <a:ext uri="{28A0092B-C50C-407E-A947-70E740481C1C}">
+                <a14:useLocalDpi xmlns:a14="http://schemas.microsoft.com/office/drawing/2010/main" val="0"/>
+              </a:ext>
+            </a:extLst>
+          </a:blip>
+          <a:srcRect/>
+          <a:stretch>
+            <a:fillRect/>
+          </a:stretch>
+        </p:blipFill>
+        <p:spPr bwMode="auto">
+          <a:xfrm>
+            <a:off x="795338" y="44758"/>
+            <a:ext cx="2483768" cy="794720"/>
+          </a:xfrm>
+          <a:prstGeom prst="rect">
+            <a:avLst/>
+          </a:prstGeom>
+          <a:noFill/>
+          <a:extLst>
+            <a:ext uri="{909E8E84-426E-40DD-AFC4-6F175D3DCCD1}">
+              <a14:hiddenFill xmlns:a14="http://schemas.microsoft.com/office/drawing/2010/main">
+                <a:solidFill>
+                  <a:srgbClr val="FFFFFF"/>
+                </a:solidFill>
+              </a14:hiddenFill>
+            </a:ext>
+          </a:extLst>
+        </p:spPr>
+      </p:pic>
+      <p:sp>
+        <p:nvSpPr>
+          <p:cNvPr id="2" name="2 Subtítulo">
+            <a:extLst>
+              <a:ext uri="{FF2B5EF4-FFF2-40B4-BE49-F238E27FC236}">
+                <a16:creationId xmlns:a16="http://schemas.microsoft.com/office/drawing/2014/main" id="{68FF39B5-7D30-68C6-A2D8-ADB57B193107}"/>
+              </a:ext>
+            </a:extLst>
+          </p:cNvPr>
+          <p:cNvSpPr txBox="1">
+            <a:spLocks/>
+          </p:cNvSpPr>
+          <p:nvPr/>
+        </p:nvSpPr>
+        <p:spPr bwMode="auto">
+          <a:xfrm>
+            <a:off x="2267744" y="259824"/>
+            <a:ext cx="6400800" cy="500063"/>
+          </a:xfrm>
+          <a:prstGeom prst="rect">
+            <a:avLst/>
+          </a:prstGeom>
+          <a:noFill/>
+          <a:ln>
+            <a:noFill/>
+          </a:ln>
+          <a:extLst>
+            <a:ext uri="{909E8E84-426E-40DD-AFC4-6F175D3DCCD1}">
+              <a14:hiddenFill xmlns:a14="http://schemas.microsoft.com/office/drawing/2010/main">
+                <a:solidFill>
+                  <a:srgbClr val="FFFFFF"/>
+                </a:solidFill>
+              </a14:hiddenFill>
+            </a:ext>
+            <a:ext uri="{91240B29-F687-4F45-9708-019B960494DF}">
+              <a14:hiddenLine xmlns:a14="http://schemas.microsoft.com/office/drawing/2010/main" w="9525">
+                <a:solidFill>
+                  <a:srgbClr val="000000"/>
+                </a:solidFill>
+                <a:miter lim="800000"/>
+                <a:headEnd/>
+                <a:tailEnd/>
+              </a14:hiddenLine>
+            </a:ext>
+          </a:extLst>
+        </p:spPr>
+        <p:txBody>
+          <a:bodyPr vert="horz" wrap="square" lIns="91440" tIns="45720" rIns="91440" bIns="45720" numCol="1" rtlCol="0" anchor="t" anchorCtr="0" compatLnSpc="1">
+            <a:prstTxWarp prst="textNoShape">
+              <a:avLst/>
+            </a:prstTxWarp>
+            <a:noAutofit/>
+          </a:bodyPr>
+          <a:lstStyle>
+            <a:lvl1pPr marL="342900" indent="-342900" algn="l" rtl="0" eaLnBrk="0" fontAlgn="base" hangingPunct="0">
+              <a:spcBef>
+                <a:spcPct val="20000"/>
+              </a:spcBef>
+              <a:spcAft>
+                <a:spcPct val="0"/>
+              </a:spcAft>
+              <a:buFont typeface="Arial" panose="020B0604020202020204" pitchFamily="34" charset="0"/>
+              <a:buChar char="•"/>
+              <a:defRPr sz="3200" kern="1200">
+                <a:solidFill>
+                  <a:schemeClr val="tx1"/>
+                </a:solidFill>
+                <a:latin typeface="Arial" pitchFamily="34" charset="0"/>
+                <a:ea typeface="+mn-ea"/>
+                <a:cs typeface="Arial" pitchFamily="34" charset="0"/>
+              </a:defRPr>
+            </a:lvl1pPr>
+            <a:lvl2pPr marL="742950" indent="-285750" algn="l" rtl="0" eaLnBrk="0" fontAlgn="base" hangingPunct="0">
+              <a:spcBef>
+                <a:spcPct val="20000"/>
+              </a:spcBef>
+              <a:spcAft>
+                <a:spcPct val="0"/>
+              </a:spcAft>
+              <a:buFont typeface="Arial" panose="020B0604020202020204" pitchFamily="34" charset="0"/>
+              <a:buChar char="–"/>
+              <a:defRPr sz="2800" kern="1200">
+                <a:solidFill>
+                  <a:schemeClr val="tx1"/>
+                </a:solidFill>
+                <a:latin typeface="Arial" pitchFamily="34" charset="0"/>
+                <a:ea typeface="+mn-ea"/>
+                <a:cs typeface="Arial" pitchFamily="34" charset="0"/>
+              </a:defRPr>
+            </a:lvl2pPr>
+            <a:lvl3pPr marL="1143000" indent="-228600" algn="l" rtl="0" eaLnBrk="0" fontAlgn="base" hangingPunct="0">
+              <a:spcBef>
+                <a:spcPct val="20000"/>
+              </a:spcBef>
+              <a:spcAft>
+                <a:spcPct val="0"/>
+              </a:spcAft>
+              <a:buFont typeface="Arial" panose="020B0604020202020204" pitchFamily="34" charset="0"/>
+              <a:buChar char="•"/>
+              <a:defRPr sz="2400" kern="1200">
+                <a:solidFill>
+                  <a:schemeClr val="tx1"/>
+                </a:solidFill>
+                <a:latin typeface="Arial" pitchFamily="34" charset="0"/>
+                <a:ea typeface="+mn-ea"/>
+                <a:cs typeface="Arial" pitchFamily="34" charset="0"/>
+              </a:defRPr>
+            </a:lvl3pPr>
+            <a:lvl4pPr marL="1600200" indent="-228600" algn="l" rtl="0" eaLnBrk="0" fontAlgn="base" hangingPunct="0">
+              <a:spcBef>
+                <a:spcPct val="20000"/>
+              </a:spcBef>
+              <a:spcAft>
+                <a:spcPct val="0"/>
+              </a:spcAft>
+              <a:buFont typeface="Arial" panose="020B0604020202020204" pitchFamily="34" charset="0"/>
+              <a:buChar char="–"/>
+              <a:defRPr sz="2000" kern="1200">
+                <a:solidFill>
+                  <a:schemeClr val="tx1"/>
+                </a:solidFill>
+                <a:latin typeface="Arial" pitchFamily="34" charset="0"/>
+                <a:ea typeface="+mn-ea"/>
+                <a:cs typeface="Arial" pitchFamily="34" charset="0"/>
+              </a:defRPr>
+            </a:lvl4pPr>
+            <a:lvl5pPr marL="2057400" indent="-228600" algn="l" rtl="0" eaLnBrk="0" fontAlgn="base" hangingPunct="0">
+              <a:spcBef>
+                <a:spcPct val="20000"/>
+              </a:spcBef>
+              <a:spcAft>
+                <a:spcPct val="0"/>
+              </a:spcAft>
+              <a:buFont typeface="Arial" panose="020B0604020202020204" pitchFamily="34" charset="0"/>
+              <a:buChar char="»"/>
+              <a:defRPr sz="2000" kern="1200">
+                <a:solidFill>
+                  <a:schemeClr val="tx1"/>
+                </a:solidFill>
+                <a:latin typeface="Arial" pitchFamily="34" charset="0"/>
+                <a:ea typeface="+mn-ea"/>
+                <a:cs typeface="Arial" pitchFamily="34" charset="0"/>
+              </a:defRPr>
+            </a:lvl5pPr>
+            <a:lvl6pPr marL="2514600" indent="-228600" algn="l" defTabSz="914400" rtl="0" eaLnBrk="1" latinLnBrk="0" hangingPunct="1">
+              <a:spcBef>
+                <a:spcPct val="20000"/>
+              </a:spcBef>
+              <a:buFont typeface="Arial" pitchFamily="34" charset="0"/>
+              <a:buChar char="•"/>
+              <a:defRPr sz="2000" kern="1200">
+                <a:solidFill>
+                  <a:schemeClr val="tx1"/>
+                </a:solidFill>
+                <a:latin typeface="+mn-lt"/>
+                <a:ea typeface="+mn-ea"/>
+                <a:cs typeface="+mn-cs"/>
+              </a:defRPr>
+            </a:lvl6pPr>
+            <a:lvl7pPr marL="2971800" indent="-228600" algn="l" defTabSz="914400" rtl="0" eaLnBrk="1" latinLnBrk="0" hangingPunct="1">
+              <a:spcBef>
+                <a:spcPct val="20000"/>
+              </a:spcBef>
+              <a:buFont typeface="Arial" pitchFamily="34" charset="0"/>
+              <a:buChar char="•"/>
+              <a:defRPr sz="2000" kern="1200">
+                <a:solidFill>
+                  <a:schemeClr val="tx1"/>
+                </a:solidFill>
+                <a:latin typeface="+mn-lt"/>
+                <a:ea typeface="+mn-ea"/>
+                <a:cs typeface="+mn-cs"/>
+              </a:defRPr>
+            </a:lvl7pPr>
+            <a:lvl8pPr marL="3429000" indent="-228600" algn="l" defTabSz="914400" rtl="0" eaLnBrk="1" latinLnBrk="0" hangingPunct="1">
+              <a:spcBef>
+                <a:spcPct val="20000"/>
+              </a:spcBef>
+              <a:buFont typeface="Arial" pitchFamily="34" charset="0"/>
+              <a:buChar char="•"/>
+              <a:defRPr sz="2000" kern="1200">
+                <a:solidFill>
+                  <a:schemeClr val="tx1"/>
+                </a:solidFill>
+                <a:latin typeface="+mn-lt"/>
+                <a:ea typeface="+mn-ea"/>
+                <a:cs typeface="+mn-cs"/>
+              </a:defRPr>
+            </a:lvl8pPr>
+            <a:lvl9pPr marL="3886200" indent="-228600" algn="l" defTabSz="914400" rtl="0" eaLnBrk="1" latinLnBrk="0" hangingPunct="1">
+              <a:spcBef>
+                <a:spcPct val="20000"/>
+              </a:spcBef>
+              <a:buFont typeface="Arial" pitchFamily="34" charset="0"/>
+              <a:buChar char="•"/>
+              <a:defRPr sz="2000" kern="1200">
+                <a:solidFill>
+                  <a:schemeClr val="tx1"/>
+                </a:solidFill>
+                <a:latin typeface="+mn-lt"/>
+                <a:ea typeface="+mn-ea"/>
+                <a:cs typeface="+mn-cs"/>
+              </a:defRPr>
+            </a:lvl9pPr>
+          </a:lstStyle>
+          <a:p>
+            <a:pPr marL="0" indent="0" algn="r" eaLnBrk="1" fontAlgn="auto" hangingPunct="1">
+              <a:spcAft>
+                <a:spcPts val="0"/>
+              </a:spcAft>
+              <a:buNone/>
+              <a:defRPr/>
+            </a:pPr>
+            <a:r>
+              <a:rPr lang="es-CO" sz="2000" b="1" dirty="0">
+                <a:solidFill>
+                  <a:schemeClr val="tx1">
+                    <a:lumMod val="75000"/>
+                    <a:lumOff val="25000"/>
+                  </a:schemeClr>
+                </a:solidFill>
+              </a:rPr>
+              <a:t> SISTEMAS DE CONTROL INDUSTRIAL</a:t>
+            </a:r>
+          </a:p>
+        </p:txBody>
+      </p:sp>
+      <p:sp>
+        <p:nvSpPr>
+          <p:cNvPr id="3" name="CuadroTexto 2">
+            <a:extLst>
+              <a:ext uri="{FF2B5EF4-FFF2-40B4-BE49-F238E27FC236}">
+                <a16:creationId xmlns:a16="http://schemas.microsoft.com/office/drawing/2014/main" id="{E6BE5849-3405-FEF6-42AF-41B150595698}"/>
+              </a:ext>
+            </a:extLst>
+          </p:cNvPr>
+          <p:cNvSpPr txBox="1"/>
+          <p:nvPr/>
+        </p:nvSpPr>
+        <p:spPr>
+          <a:xfrm>
+            <a:off x="2627784" y="3082786"/>
+            <a:ext cx="3888432" cy="646331"/>
+          </a:xfrm>
+          <a:prstGeom prst="rect">
+            <a:avLst/>
+          </a:prstGeom>
+          <a:noFill/>
+        </p:spPr>
+        <p:txBody>
+          <a:bodyPr wrap="square" rtlCol="0">
+            <a:spAutoFit/>
+          </a:bodyPr>
+          <a:lstStyle/>
+          <a:p>
+            <a:pPr algn="ctr"/>
+            <a:r>
+              <a:rPr lang="en-US" b="1" dirty="0"/>
+              <a:t>INTRODUCCIÓN A MATLAB</a:t>
+            </a:r>
+          </a:p>
+          <a:p>
+            <a:pPr algn="ctr"/>
+            <a:endParaRPr lang="en-US" b="1" dirty="0"/>
+          </a:p>
+        </p:txBody>
+      </p:sp>
+      <mc:AlternateContent xmlns:mc="http://schemas.openxmlformats.org/markup-compatibility/2006">
+        <mc:Choice xmlns:a14="http://schemas.microsoft.com/office/drawing/2010/main" Requires="a14">
+          <p:sp>
+            <p:nvSpPr>
+              <p:cNvPr id="5" name="CuadroTexto 4">
+                <a:extLst>
+                  <a:ext uri="{FF2B5EF4-FFF2-40B4-BE49-F238E27FC236}">
+                    <a16:creationId xmlns:a16="http://schemas.microsoft.com/office/drawing/2014/main" id="{1A53D2E8-36CA-CBFF-FCF4-DC71B9D30D55}"/>
+                  </a:ext>
+                </a:extLst>
+              </p:cNvPr>
+              <p:cNvSpPr txBox="1"/>
+              <p:nvPr/>
+            </p:nvSpPr>
+            <p:spPr>
+              <a:xfrm>
+                <a:off x="779463" y="3861048"/>
+                <a:ext cx="7889081" cy="1718932"/>
+              </a:xfrm>
+              <a:prstGeom prst="rect">
+                <a:avLst/>
+              </a:prstGeom>
+              <a:noFill/>
+            </p:spPr>
+            <p:txBody>
+              <a:bodyPr wrap="square" rtlCol="0">
+                <a:spAutoFit/>
+              </a:bodyPr>
+              <a:lstStyle/>
+              <a:p>
+                <a:r>
+                  <a:rPr lang="es-ES" dirty="0"/>
+                  <a:t>Crear una función de transferencia de primer orden y visualizar cómo responde el sistema a una entrada tipo escalón e </a:t>
+                </a:r>
+                <a:r>
+                  <a:rPr lang="es-ES" dirty="0" err="1"/>
+                  <a:t>inpulso</a:t>
+                </a:r>
+                <a:r>
+                  <a:rPr lang="es-ES" dirty="0"/>
+                  <a:t>. Este es un análisis básico pero fundamental en el estudio de sistemas dinámicos.</a:t>
+                </a:r>
+              </a:p>
+              <a:p>
+                <a:endParaRPr lang="es-ES" dirty="0"/>
+              </a:p>
+              <a:p>
+                <a:pPr/>
+                <a14:m>
+                  <m:oMathPara xmlns:m="http://schemas.openxmlformats.org/officeDocument/2006/math">
+                    <m:oMathParaPr>
+                      <m:jc m:val="centerGroup"/>
+                    </m:oMathParaPr>
+                    <m:oMath xmlns:m="http://schemas.openxmlformats.org/officeDocument/2006/math">
+                      <m:f>
+                        <m:fPr>
+                          <m:ctrlPr>
+                            <a:rPr lang="es-CO" b="0" i="1" smtClean="0">
+                              <a:latin typeface="Cambria Math" panose="02040503050406030204" pitchFamily="18" charset="0"/>
+                            </a:rPr>
+                          </m:ctrlPr>
+                        </m:fPr>
+                        <m:num>
+                          <m:r>
+                            <a:rPr lang="es-CO" b="0" i="1" smtClean="0">
+                              <a:latin typeface="Cambria Math" panose="02040503050406030204" pitchFamily="18" charset="0"/>
+                            </a:rPr>
+                            <m:t>2</m:t>
+                          </m:r>
+                        </m:num>
+                        <m:den>
+                          <m:sSup>
+                            <m:sSupPr>
+                              <m:ctrlPr>
+                                <a:rPr lang="es-CO" b="0" i="1" smtClean="0">
+                                  <a:latin typeface="Cambria Math" panose="02040503050406030204" pitchFamily="18" charset="0"/>
+                                </a:rPr>
+                              </m:ctrlPr>
+                            </m:sSupPr>
+                            <m:e>
+                              <m:r>
+                                <a:rPr lang="es-CO" b="0" i="1" smtClean="0">
+                                  <a:latin typeface="Cambria Math" panose="02040503050406030204" pitchFamily="18" charset="0"/>
+                                </a:rPr>
+                                <m:t>𝑠</m:t>
+                              </m:r>
+                            </m:e>
+                            <m:sup>
+                              <m:r>
+                                <a:rPr lang="es-CO" b="0" i="1" smtClean="0">
+                                  <a:latin typeface="Cambria Math" panose="02040503050406030204" pitchFamily="18" charset="0"/>
+                                </a:rPr>
+                                <m:t>2</m:t>
+                              </m:r>
+                            </m:sup>
+                          </m:sSup>
+                          <m:r>
+                            <a:rPr lang="es-CO" b="0" i="1" smtClean="0">
+                              <a:latin typeface="Cambria Math" panose="02040503050406030204" pitchFamily="18" charset="0"/>
+                            </a:rPr>
+                            <m:t>+</m:t>
+                          </m:r>
+                          <m:r>
+                            <a:rPr lang="es-CO" b="0" i="1" smtClean="0">
+                              <a:latin typeface="Cambria Math" panose="02040503050406030204" pitchFamily="18" charset="0"/>
+                            </a:rPr>
+                            <m:t>3</m:t>
+                          </m:r>
+                          <m:r>
+                            <a:rPr lang="es-CO" b="0" i="1" smtClean="0">
+                              <a:latin typeface="Cambria Math" panose="02040503050406030204" pitchFamily="18" charset="0"/>
+                            </a:rPr>
+                            <m:t>𝑠</m:t>
+                          </m:r>
+                          <m:r>
+                            <a:rPr lang="es-CO" b="0" i="1" smtClean="0">
+                              <a:latin typeface="Cambria Math" panose="02040503050406030204" pitchFamily="18" charset="0"/>
+                            </a:rPr>
+                            <m:t>+5</m:t>
+                          </m:r>
+                        </m:den>
+                      </m:f>
+                    </m:oMath>
+                  </m:oMathPara>
+                </a14:m>
+                <a:endParaRPr lang="es-CO" dirty="0"/>
+              </a:p>
+            </p:txBody>
+          </p:sp>
+        </mc:Choice>
+        <mc:Fallback>
+          <p:sp>
+            <p:nvSpPr>
+              <p:cNvPr id="5" name="CuadroTexto 4">
+                <a:extLst>
+                  <a:ext uri="{FF2B5EF4-FFF2-40B4-BE49-F238E27FC236}">
+                    <a16:creationId xmlns:a16="http://schemas.microsoft.com/office/drawing/2014/main" id="{1A53D2E8-36CA-CBFF-FCF4-DC71B9D30D55}"/>
+                  </a:ext>
+                </a:extLst>
+              </p:cNvPr>
+              <p:cNvSpPr txBox="1">
+                <a:spLocks noRot="1" noChangeAspect="1" noMove="1" noResize="1" noEditPoints="1" noAdjustHandles="1" noChangeArrowheads="1" noChangeShapeType="1" noTextEdit="1"/>
+              </p:cNvSpPr>
+              <p:nvPr/>
+            </p:nvSpPr>
+            <p:spPr>
+              <a:xfrm>
+                <a:off x="779463" y="3861048"/>
+                <a:ext cx="7889081" cy="1718932"/>
+              </a:xfrm>
+              <a:prstGeom prst="rect">
+                <a:avLst/>
+              </a:prstGeom>
+              <a:blipFill>
+                <a:blip r:embed="rId4"/>
+                <a:stretch>
+                  <a:fillRect l="-696" t="-1773"/>
+                </a:stretch>
+              </a:blipFill>
+            </p:spPr>
+            <p:txBody>
+              <a:bodyPr/>
+              <a:lstStyle/>
+              <a:p>
+                <a:r>
+                  <a:rPr lang="es-CO">
+                    <a:noFill/>
+                  </a:rPr>
+                  <a:t> </a:t>
+                </a:r>
+              </a:p>
+            </p:txBody>
+          </p:sp>
+        </mc:Fallback>
+      </mc:AlternateContent>
+    </p:spTree>
+    <p:extLst>
+      <p:ext uri="{BB962C8B-B14F-4D97-AF65-F5344CB8AC3E}">
+        <p14:creationId xmlns:p14="http://schemas.microsoft.com/office/powerpoint/2010/main" val="1893589053"/>
+      </p:ext>
+    </p:extLst>
+  </p:cSld>
+  <p:clrMapOvr>
+    <a:masterClrMapping/>
+  </p:clrMapOvr>
+</p:sld>
+</file>
+
+<file path=ppt/slides/slide8.xml><?xml version="1.0" encoding="utf-8"?>
+<p:sld xmlns:a="http://schemas.openxmlformats.org/drawingml/2006/main" xmlns:r="http://schemas.openxmlformats.org/officeDocument/2006/relationships" xmlns:p="http://schemas.openxmlformats.org/presentationml/2006/main">
+  <p:cSld>
+    <p:spTree>
+      <p:nvGrpSpPr>
+        <p:cNvPr id="1" name="">
+          <a:extLst>
+            <a:ext uri="{FF2B5EF4-FFF2-40B4-BE49-F238E27FC236}">
+              <a16:creationId xmlns:a16="http://schemas.microsoft.com/office/drawing/2014/main" id="{DB36AAD8-E6D0-026D-A822-0B71761A685E}"/>
+            </a:ext>
+          </a:extLst>
+        </p:cNvPr>
+        <p:cNvGrpSpPr/>
+        <p:nvPr/>
+      </p:nvGrpSpPr>
+      <p:grpSpPr>
+        <a:xfrm>
+          <a:off x="0" y="0"/>
+          <a:ext cx="0" cy="0"/>
+          <a:chOff x="0" y="0"/>
+          <a:chExt cx="0" cy="0"/>
+        </a:xfrm>
+      </p:grpSpPr>
+      <p:sp>
+        <p:nvSpPr>
+          <p:cNvPr id="23554" name="1 Título">
+            <a:extLst>
+              <a:ext uri="{FF2B5EF4-FFF2-40B4-BE49-F238E27FC236}">
+                <a16:creationId xmlns:a16="http://schemas.microsoft.com/office/drawing/2014/main" id="{9407108A-1AC1-D2E6-54CE-10D2EFA8909B}"/>
+              </a:ext>
+            </a:extLst>
+          </p:cNvPr>
+          <p:cNvSpPr>
+            <a:spLocks noGrp="1"/>
+          </p:cNvSpPr>
+          <p:nvPr>
+            <p:ph type="ctrTitle"/>
+          </p:nvPr>
+        </p:nvSpPr>
+        <p:spPr>
+          <a:xfrm>
+            <a:off x="0" y="-28575"/>
+            <a:ext cx="779463" cy="720725"/>
+          </a:xfrm>
+        </p:spPr>
+        <p:txBody>
+          <a:bodyPr/>
+          <a:lstStyle/>
+          <a:p>
+            <a:pPr algn="ctr" eaLnBrk="1" hangingPunct="1"/>
+            <a:r>
+              <a:rPr lang="es-CO" altLang="es-CO" sz="3600" dirty="0"/>
+              <a:t>8</a:t>
+            </a:r>
+          </a:p>
+        </p:txBody>
+      </p:sp>
+      <p:pic>
+        <p:nvPicPr>
+          <p:cNvPr id="4" name="Picture 4" descr="Programas - Intranet ETITC">
+            <a:extLst>
+              <a:ext uri="{FF2B5EF4-FFF2-40B4-BE49-F238E27FC236}">
+                <a16:creationId xmlns:a16="http://schemas.microsoft.com/office/drawing/2014/main" id="{F6296D21-42BA-0ECA-1388-759CF4000D5F}"/>
+              </a:ext>
+            </a:extLst>
+          </p:cNvPr>
+          <p:cNvPicPr>
+            <a:picLocks noChangeAspect="1" noChangeArrowheads="1"/>
+          </p:cNvPicPr>
+          <p:nvPr/>
+        </p:nvPicPr>
+        <p:blipFill>
+          <a:blip r:embed="rId3">
+            <a:extLst>
+              <a:ext uri="{28A0092B-C50C-407E-A947-70E740481C1C}">
+                <a14:useLocalDpi xmlns:a14="http://schemas.microsoft.com/office/drawing/2010/main" val="0"/>
+              </a:ext>
+            </a:extLst>
+          </a:blip>
+          <a:srcRect/>
+          <a:stretch>
+            <a:fillRect/>
+          </a:stretch>
+        </p:blipFill>
+        <p:spPr bwMode="auto">
+          <a:xfrm>
+            <a:off x="795338" y="44758"/>
+            <a:ext cx="2483768" cy="794720"/>
+          </a:xfrm>
+          <a:prstGeom prst="rect">
+            <a:avLst/>
+          </a:prstGeom>
+          <a:noFill/>
+          <a:extLst>
+            <a:ext uri="{909E8E84-426E-40DD-AFC4-6F175D3DCCD1}">
+              <a14:hiddenFill xmlns:a14="http://schemas.microsoft.com/office/drawing/2010/main">
+                <a:solidFill>
+                  <a:srgbClr val="FFFFFF"/>
+                </a:solidFill>
+              </a14:hiddenFill>
+            </a:ext>
+          </a:extLst>
+        </p:spPr>
+      </p:pic>
+      <p:sp>
+        <p:nvSpPr>
+          <p:cNvPr id="2" name="2 Subtítulo">
+            <a:extLst>
+              <a:ext uri="{FF2B5EF4-FFF2-40B4-BE49-F238E27FC236}">
+                <a16:creationId xmlns:a16="http://schemas.microsoft.com/office/drawing/2014/main" id="{62EB96EC-8523-C098-396B-E35D6F4D01F7}"/>
+              </a:ext>
+            </a:extLst>
+          </p:cNvPr>
+          <p:cNvSpPr txBox="1">
+            <a:spLocks/>
+          </p:cNvSpPr>
+          <p:nvPr/>
+        </p:nvSpPr>
+        <p:spPr bwMode="auto">
+          <a:xfrm>
+            <a:off x="2267744" y="259824"/>
+            <a:ext cx="6400800" cy="500063"/>
+          </a:xfrm>
+          <a:prstGeom prst="rect">
+            <a:avLst/>
+          </a:prstGeom>
+          <a:noFill/>
+          <a:ln>
+            <a:noFill/>
+          </a:ln>
+          <a:extLst>
+            <a:ext uri="{909E8E84-426E-40DD-AFC4-6F175D3DCCD1}">
+              <a14:hiddenFill xmlns:a14="http://schemas.microsoft.com/office/drawing/2010/main">
+                <a:solidFill>
+                  <a:srgbClr val="FFFFFF"/>
+                </a:solidFill>
+              </a14:hiddenFill>
+            </a:ext>
+            <a:ext uri="{91240B29-F687-4F45-9708-019B960494DF}">
+              <a14:hiddenLine xmlns:a14="http://schemas.microsoft.com/office/drawing/2010/main" w="9525">
+                <a:solidFill>
+                  <a:srgbClr val="000000"/>
+                </a:solidFill>
+                <a:miter lim="800000"/>
+                <a:headEnd/>
+                <a:tailEnd/>
+              </a14:hiddenLine>
+            </a:ext>
+          </a:extLst>
+        </p:spPr>
+        <p:txBody>
+          <a:bodyPr vert="horz" wrap="square" lIns="91440" tIns="45720" rIns="91440" bIns="45720" numCol="1" rtlCol="0" anchor="t" anchorCtr="0" compatLnSpc="1">
+            <a:prstTxWarp prst="textNoShape">
+              <a:avLst/>
+            </a:prstTxWarp>
+            <a:noAutofit/>
+          </a:bodyPr>
+          <a:lstStyle>
+            <a:lvl1pPr marL="342900" indent="-342900" algn="l" rtl="0" eaLnBrk="0" fontAlgn="base" hangingPunct="0">
+              <a:spcBef>
+                <a:spcPct val="20000"/>
+              </a:spcBef>
+              <a:spcAft>
+                <a:spcPct val="0"/>
+              </a:spcAft>
+              <a:buFont typeface="Arial" panose="020B0604020202020204" pitchFamily="34" charset="0"/>
+              <a:buChar char="•"/>
+              <a:defRPr sz="3200" kern="1200">
+                <a:solidFill>
+                  <a:schemeClr val="tx1"/>
+                </a:solidFill>
+                <a:latin typeface="Arial" pitchFamily="34" charset="0"/>
+                <a:ea typeface="+mn-ea"/>
+                <a:cs typeface="Arial" pitchFamily="34" charset="0"/>
+              </a:defRPr>
+            </a:lvl1pPr>
+            <a:lvl2pPr marL="742950" indent="-285750" algn="l" rtl="0" eaLnBrk="0" fontAlgn="base" hangingPunct="0">
+              <a:spcBef>
+                <a:spcPct val="20000"/>
+              </a:spcBef>
+              <a:spcAft>
+                <a:spcPct val="0"/>
+              </a:spcAft>
+              <a:buFont typeface="Arial" panose="020B0604020202020204" pitchFamily="34" charset="0"/>
+              <a:buChar char="–"/>
+              <a:defRPr sz="2800" kern="1200">
+                <a:solidFill>
+                  <a:schemeClr val="tx1"/>
+                </a:solidFill>
+                <a:latin typeface="Arial" pitchFamily="34" charset="0"/>
+                <a:ea typeface="+mn-ea"/>
+                <a:cs typeface="Arial" pitchFamily="34" charset="0"/>
+              </a:defRPr>
+            </a:lvl2pPr>
+            <a:lvl3pPr marL="1143000" indent="-228600" algn="l" rtl="0" eaLnBrk="0" fontAlgn="base" hangingPunct="0">
+              <a:spcBef>
+                <a:spcPct val="20000"/>
+              </a:spcBef>
+              <a:spcAft>
+                <a:spcPct val="0"/>
+              </a:spcAft>
+              <a:buFont typeface="Arial" panose="020B0604020202020204" pitchFamily="34" charset="0"/>
+              <a:buChar char="•"/>
+              <a:defRPr sz="2400" kern="1200">
+                <a:solidFill>
+                  <a:schemeClr val="tx1"/>
+                </a:solidFill>
+                <a:latin typeface="Arial" pitchFamily="34" charset="0"/>
+                <a:ea typeface="+mn-ea"/>
+                <a:cs typeface="Arial" pitchFamily="34" charset="0"/>
+              </a:defRPr>
+            </a:lvl3pPr>
+            <a:lvl4pPr marL="1600200" indent="-228600" algn="l" rtl="0" eaLnBrk="0" fontAlgn="base" hangingPunct="0">
+              <a:spcBef>
+                <a:spcPct val="20000"/>
+              </a:spcBef>
+              <a:spcAft>
+                <a:spcPct val="0"/>
+              </a:spcAft>
+              <a:buFont typeface="Arial" panose="020B0604020202020204" pitchFamily="34" charset="0"/>
+              <a:buChar char="–"/>
+              <a:defRPr sz="2000" kern="1200">
+                <a:solidFill>
+                  <a:schemeClr val="tx1"/>
+                </a:solidFill>
+                <a:latin typeface="Arial" pitchFamily="34" charset="0"/>
+                <a:ea typeface="+mn-ea"/>
+                <a:cs typeface="Arial" pitchFamily="34" charset="0"/>
+              </a:defRPr>
+            </a:lvl4pPr>
+            <a:lvl5pPr marL="2057400" indent="-228600" algn="l" rtl="0" eaLnBrk="0" fontAlgn="base" hangingPunct="0">
+              <a:spcBef>
+                <a:spcPct val="20000"/>
+              </a:spcBef>
+              <a:spcAft>
+                <a:spcPct val="0"/>
+              </a:spcAft>
+              <a:buFont typeface="Arial" panose="020B0604020202020204" pitchFamily="34" charset="0"/>
+              <a:buChar char="»"/>
+              <a:defRPr sz="2000" kern="1200">
+                <a:solidFill>
+                  <a:schemeClr val="tx1"/>
+                </a:solidFill>
+                <a:latin typeface="Arial" pitchFamily="34" charset="0"/>
+                <a:ea typeface="+mn-ea"/>
+                <a:cs typeface="Arial" pitchFamily="34" charset="0"/>
+              </a:defRPr>
+            </a:lvl5pPr>
+            <a:lvl6pPr marL="2514600" indent="-228600" algn="l" defTabSz="914400" rtl="0" eaLnBrk="1" latinLnBrk="0" hangingPunct="1">
+              <a:spcBef>
+                <a:spcPct val="20000"/>
+              </a:spcBef>
+              <a:buFont typeface="Arial" pitchFamily="34" charset="0"/>
+              <a:buChar char="•"/>
+              <a:defRPr sz="2000" kern="1200">
+                <a:solidFill>
+                  <a:schemeClr val="tx1"/>
+                </a:solidFill>
+                <a:latin typeface="+mn-lt"/>
+                <a:ea typeface="+mn-ea"/>
+                <a:cs typeface="+mn-cs"/>
+              </a:defRPr>
+            </a:lvl6pPr>
+            <a:lvl7pPr marL="2971800" indent="-228600" algn="l" defTabSz="914400" rtl="0" eaLnBrk="1" latinLnBrk="0" hangingPunct="1">
+              <a:spcBef>
+                <a:spcPct val="20000"/>
+              </a:spcBef>
+              <a:buFont typeface="Arial" pitchFamily="34" charset="0"/>
+              <a:buChar char="•"/>
+              <a:defRPr sz="2000" kern="1200">
+                <a:solidFill>
+                  <a:schemeClr val="tx1"/>
+                </a:solidFill>
+                <a:latin typeface="+mn-lt"/>
+                <a:ea typeface="+mn-ea"/>
+                <a:cs typeface="+mn-cs"/>
+              </a:defRPr>
+            </a:lvl7pPr>
+            <a:lvl8pPr marL="3429000" indent="-228600" algn="l" defTabSz="914400" rtl="0" eaLnBrk="1" latinLnBrk="0" hangingPunct="1">
+              <a:spcBef>
+                <a:spcPct val="20000"/>
+              </a:spcBef>
+              <a:buFont typeface="Arial" pitchFamily="34" charset="0"/>
+              <a:buChar char="•"/>
+              <a:defRPr sz="2000" kern="1200">
+                <a:solidFill>
+                  <a:schemeClr val="tx1"/>
+                </a:solidFill>
+                <a:latin typeface="+mn-lt"/>
+                <a:ea typeface="+mn-ea"/>
+                <a:cs typeface="+mn-cs"/>
+              </a:defRPr>
+            </a:lvl8pPr>
+            <a:lvl9pPr marL="3886200" indent="-228600" algn="l" defTabSz="914400" rtl="0" eaLnBrk="1" latinLnBrk="0" hangingPunct="1">
+              <a:spcBef>
+                <a:spcPct val="20000"/>
+              </a:spcBef>
+              <a:buFont typeface="Arial" pitchFamily="34" charset="0"/>
+              <a:buChar char="•"/>
+              <a:defRPr sz="2000" kern="1200">
+                <a:solidFill>
+                  <a:schemeClr val="tx1"/>
+                </a:solidFill>
+                <a:latin typeface="+mn-lt"/>
+                <a:ea typeface="+mn-ea"/>
+                <a:cs typeface="+mn-cs"/>
+              </a:defRPr>
+            </a:lvl9pPr>
+          </a:lstStyle>
+          <a:p>
+            <a:pPr marL="0" indent="0" algn="r" eaLnBrk="1" fontAlgn="auto" hangingPunct="1">
+              <a:spcAft>
+                <a:spcPts val="0"/>
+              </a:spcAft>
+              <a:buNone/>
+              <a:defRPr/>
+            </a:pPr>
+            <a:r>
+              <a:rPr lang="es-CO" sz="2000" b="1" dirty="0">
+                <a:solidFill>
+                  <a:schemeClr val="tx1">
+                    <a:lumMod val="75000"/>
+                    <a:lumOff val="25000"/>
+                  </a:schemeClr>
+                </a:solidFill>
+              </a:rPr>
+              <a:t> SISTEMAS DE CONTROL INDUSTRIAL</a:t>
+            </a:r>
+          </a:p>
+        </p:txBody>
+      </p:sp>
+      <p:sp>
+        <p:nvSpPr>
+          <p:cNvPr id="3" name="CuadroTexto 2">
+            <a:extLst>
+              <a:ext uri="{FF2B5EF4-FFF2-40B4-BE49-F238E27FC236}">
+                <a16:creationId xmlns:a16="http://schemas.microsoft.com/office/drawing/2014/main" id="{44262F07-0574-63AD-2987-613400C05874}"/>
+              </a:ext>
+            </a:extLst>
+          </p:cNvPr>
+          <p:cNvSpPr txBox="1"/>
+          <p:nvPr/>
+        </p:nvSpPr>
+        <p:spPr>
+          <a:xfrm>
+            <a:off x="2627784" y="3082786"/>
+            <a:ext cx="3888432" cy="646331"/>
+          </a:xfrm>
+          <a:prstGeom prst="rect">
+            <a:avLst/>
+          </a:prstGeom>
+          <a:noFill/>
+        </p:spPr>
+        <p:txBody>
+          <a:bodyPr wrap="square" rtlCol="0">
+            <a:spAutoFit/>
+          </a:bodyPr>
+          <a:lstStyle/>
+          <a:p>
+            <a:pPr algn="ctr"/>
+            <a:r>
+              <a:rPr lang="en-US" b="1" dirty="0"/>
+              <a:t>INTRODUCCIÓN A MATLAB</a:t>
+            </a:r>
+          </a:p>
+          <a:p>
+            <a:pPr algn="ctr"/>
+            <a:endParaRPr lang="en-US" b="1" dirty="0"/>
+          </a:p>
+        </p:txBody>
+      </p:sp>
+      <mc:AlternateContent xmlns:mc="http://schemas.openxmlformats.org/markup-compatibility/2006">
+        <mc:Choice xmlns:a14="http://schemas.microsoft.com/office/drawing/2010/main" Requires="a14">
+          <p:sp>
+            <p:nvSpPr>
+              <p:cNvPr id="5" name="CuadroTexto 4">
+                <a:extLst>
+                  <a:ext uri="{FF2B5EF4-FFF2-40B4-BE49-F238E27FC236}">
+                    <a16:creationId xmlns:a16="http://schemas.microsoft.com/office/drawing/2014/main" id="{1D0C511C-9BC7-C4CE-4D1B-D4D88D44C72E}"/>
+                  </a:ext>
+                </a:extLst>
+              </p:cNvPr>
+              <p:cNvSpPr txBox="1"/>
+              <p:nvPr/>
+            </p:nvSpPr>
+            <p:spPr>
+              <a:xfrm>
+                <a:off x="779463" y="3861048"/>
+                <a:ext cx="7889081" cy="1718932"/>
+              </a:xfrm>
+              <a:prstGeom prst="rect">
+                <a:avLst/>
+              </a:prstGeom>
+              <a:noFill/>
+            </p:spPr>
+            <p:txBody>
+              <a:bodyPr wrap="square" rtlCol="0">
+                <a:spAutoFit/>
+              </a:bodyPr>
+              <a:lstStyle/>
+              <a:p>
+                <a:r>
+                  <a:rPr lang="es-ES" dirty="0"/>
+                  <a:t>Crear una función de transferencia de primer orden y visualizar cómo responde el sistema a una entrada tipo escalón e </a:t>
+                </a:r>
+                <a:r>
+                  <a:rPr lang="es-ES" dirty="0" err="1"/>
+                  <a:t>inpulso</a:t>
+                </a:r>
+                <a:r>
+                  <a:rPr lang="es-ES" dirty="0"/>
+                  <a:t>. Este es un análisis básico pero fundamental en el estudio de sistemas dinámicos.</a:t>
+                </a:r>
+              </a:p>
+              <a:p>
+                <a:endParaRPr lang="es-ES" dirty="0"/>
+              </a:p>
+              <a:p>
+                <a:pPr/>
+                <a14:m>
+                  <m:oMathPara xmlns:m="http://schemas.openxmlformats.org/officeDocument/2006/math">
+                    <m:oMathParaPr>
+                      <m:jc m:val="centerGroup"/>
+                    </m:oMathParaPr>
+                    <m:oMath xmlns:m="http://schemas.openxmlformats.org/officeDocument/2006/math">
+                      <m:f>
+                        <m:fPr>
+                          <m:ctrlPr>
+                            <a:rPr lang="es-CO" b="0" i="1" smtClean="0">
+                              <a:latin typeface="Cambria Math" panose="02040503050406030204" pitchFamily="18" charset="0"/>
+                            </a:rPr>
+                          </m:ctrlPr>
+                        </m:fPr>
+                        <m:num>
+                          <m:r>
+                            <a:rPr lang="es-CO" b="0" i="1" smtClean="0">
+                              <a:latin typeface="Cambria Math" panose="02040503050406030204" pitchFamily="18" charset="0"/>
+                            </a:rPr>
+                            <m:t>2</m:t>
+                          </m:r>
+                          <m:r>
+                            <a:rPr lang="es-CO" b="0" i="1" smtClean="0">
+                              <a:latin typeface="Cambria Math" panose="02040503050406030204" pitchFamily="18" charset="0"/>
+                            </a:rPr>
+                            <m:t>𝑠</m:t>
+                          </m:r>
+                          <m:r>
+                            <a:rPr lang="es-CO" b="0" i="1" smtClean="0">
+                              <a:latin typeface="Cambria Math" panose="02040503050406030204" pitchFamily="18" charset="0"/>
+                            </a:rPr>
+                            <m:t>+1</m:t>
+                          </m:r>
+                        </m:num>
+                        <m:den>
+                          <m:sSup>
+                            <m:sSupPr>
+                              <m:ctrlPr>
+                                <a:rPr lang="es-CO" b="0" i="1" smtClean="0">
+                                  <a:latin typeface="Cambria Math" panose="02040503050406030204" pitchFamily="18" charset="0"/>
+                                </a:rPr>
+                              </m:ctrlPr>
+                            </m:sSupPr>
+                            <m:e>
+                              <m:r>
+                                <a:rPr lang="es-CO" b="0" i="1" smtClean="0">
+                                  <a:latin typeface="Cambria Math" panose="02040503050406030204" pitchFamily="18" charset="0"/>
+                                </a:rPr>
+                                <m:t>𝑠</m:t>
+                              </m:r>
+                            </m:e>
+                            <m:sup>
+                              <m:r>
+                                <a:rPr lang="es-CO" b="0" i="1" smtClean="0">
+                                  <a:latin typeface="Cambria Math" panose="02040503050406030204" pitchFamily="18" charset="0"/>
+                                </a:rPr>
+                                <m:t>2</m:t>
+                              </m:r>
+                            </m:sup>
+                          </m:sSup>
+                          <m:r>
+                            <a:rPr lang="es-CO" b="0" i="1" smtClean="0">
+                              <a:latin typeface="Cambria Math" panose="02040503050406030204" pitchFamily="18" charset="0"/>
+                            </a:rPr>
+                            <m:t>+3</m:t>
+                          </m:r>
+                          <m:r>
+                            <a:rPr lang="es-CO" b="0" i="1" smtClean="0">
+                              <a:latin typeface="Cambria Math" panose="02040503050406030204" pitchFamily="18" charset="0"/>
+                            </a:rPr>
+                            <m:t>𝑠</m:t>
+                          </m:r>
+                          <m:r>
+                            <a:rPr lang="es-CO" b="0" i="1" smtClean="0">
+                              <a:latin typeface="Cambria Math" panose="02040503050406030204" pitchFamily="18" charset="0"/>
+                            </a:rPr>
+                            <m:t>+5</m:t>
+                          </m:r>
+                        </m:den>
+                      </m:f>
+                    </m:oMath>
+                  </m:oMathPara>
+                </a14:m>
+                <a:endParaRPr lang="es-CO" dirty="0"/>
+              </a:p>
+            </p:txBody>
+          </p:sp>
+        </mc:Choice>
+        <mc:Fallback>
+          <p:sp>
+            <p:nvSpPr>
+              <p:cNvPr id="5" name="CuadroTexto 4">
+                <a:extLst>
+                  <a:ext uri="{FF2B5EF4-FFF2-40B4-BE49-F238E27FC236}">
+                    <a16:creationId xmlns:a16="http://schemas.microsoft.com/office/drawing/2014/main" id="{1D0C511C-9BC7-C4CE-4D1B-D4D88D44C72E}"/>
+                  </a:ext>
+                </a:extLst>
+              </p:cNvPr>
+              <p:cNvSpPr txBox="1">
+                <a:spLocks noRot="1" noChangeAspect="1" noMove="1" noResize="1" noEditPoints="1" noAdjustHandles="1" noChangeArrowheads="1" noChangeShapeType="1" noTextEdit="1"/>
+              </p:cNvSpPr>
+              <p:nvPr/>
+            </p:nvSpPr>
+            <p:spPr>
+              <a:xfrm>
+                <a:off x="779463" y="3861048"/>
+                <a:ext cx="7889081" cy="1718932"/>
+              </a:xfrm>
+              <a:prstGeom prst="rect">
+                <a:avLst/>
+              </a:prstGeom>
+              <a:blipFill>
+                <a:blip r:embed="rId4"/>
+                <a:stretch>
+                  <a:fillRect l="-696" t="-1773"/>
+                </a:stretch>
+              </a:blipFill>
+            </p:spPr>
+            <p:txBody>
+              <a:bodyPr/>
+              <a:lstStyle/>
+              <a:p>
+                <a:r>
+                  <a:rPr lang="es-CO">
+                    <a:noFill/>
+                  </a:rPr>
+                  <a:t> </a:t>
+                </a:r>
+              </a:p>
+            </p:txBody>
+          </p:sp>
+        </mc:Fallback>
+      </mc:AlternateContent>
+    </p:spTree>
+    <p:extLst>
+      <p:ext uri="{BB962C8B-B14F-4D97-AF65-F5344CB8AC3E}">
+        <p14:creationId xmlns:p14="http://schemas.microsoft.com/office/powerpoint/2010/main" val="2195650862"/>
+      </p:ext>
+    </p:extLst>
   </p:cSld>
   <p:clrMapOvr>
     <a:masterClrMapping/>
@@ -9509,11 +13763,12 @@
 </file>
 
 <file path=customXml/item1.xml><?xml version="1.0" encoding="utf-8"?>
-<p:properties xmlns:p="http://schemas.microsoft.com/office/2006/metadata/properties" xmlns:xsi="http://www.w3.org/2001/XMLSchema-instance" xmlns:pc="http://schemas.microsoft.com/office/infopath/2007/PartnerControls">
-  <documentManagement>
-    <_activity xmlns="bdc56f61-abc0-4f7e-bfec-a93ccd1ae886" xsi:nil="true"/>
-  </documentManagement>
-</p:properties>
+<?mso-contentType ?>
+<FormTemplates xmlns="http://schemas.microsoft.com/sharepoint/v3/contenttype/forms">
+  <Display>DocumentLibraryForm</Display>
+  <Edit>DocumentLibraryForm</Edit>
+  <New>DocumentLibraryForm</New>
+</FormTemplates>
 </file>
 
 <file path=customXml/item2.xml><?xml version="1.0" encoding="utf-8"?>
@@ -9752,27 +14007,17 @@
 </file>
 
 <file path=customXml/item3.xml><?xml version="1.0" encoding="utf-8"?>
-<?mso-contentType ?>
-<FormTemplates xmlns="http://schemas.microsoft.com/sharepoint/v3/contenttype/forms">
-  <Display>DocumentLibraryForm</Display>
-  <Edit>DocumentLibraryForm</Edit>
-  <New>DocumentLibraryForm</New>
-</FormTemplates>
+<p:properties xmlns:p="http://schemas.microsoft.com/office/2006/metadata/properties" xmlns:xsi="http://www.w3.org/2001/XMLSchema-instance" xmlns:pc="http://schemas.microsoft.com/office/infopath/2007/PartnerControls">
+  <documentManagement>
+    <_activity xmlns="bdc56f61-abc0-4f7e-bfec-a93ccd1ae886" xsi:nil="true"/>
+  </documentManagement>
+</p:properties>
 </file>
 
 <file path=customXml/itemProps1.xml><?xml version="1.0" encoding="utf-8"?>
-<ds:datastoreItem xmlns:ds="http://schemas.openxmlformats.org/officeDocument/2006/customXml" ds:itemID="{0825853C-1B27-4995-A583-4D39F900BB7F}">
+<ds:datastoreItem xmlns:ds="http://schemas.openxmlformats.org/officeDocument/2006/customXml" ds:itemID="{4E8623C8-32E1-48B0-9F0A-13F2E9582B7E}">
   <ds:schemaRefs>
-    <ds:schemaRef ds:uri="http://schemas.microsoft.com/office/2006/documentManagement/types"/>
-    <ds:schemaRef ds:uri="http://purl.org/dc/dcmitype/"/>
-    <ds:schemaRef ds:uri="http://schemas.openxmlformats.org/package/2006/metadata/core-properties"/>
-    <ds:schemaRef ds:uri="669280c1-d17e-4d1d-bd7f-b4f14cc6bf1d"/>
-    <ds:schemaRef ds:uri="http://purl.org/dc/elements/1.1/"/>
-    <ds:schemaRef ds:uri="http://purl.org/dc/terms/"/>
-    <ds:schemaRef ds:uri="http://schemas.microsoft.com/office/infopath/2007/PartnerControls"/>
-    <ds:schemaRef ds:uri="bdc56f61-abc0-4f7e-bfec-a93ccd1ae886"/>
-    <ds:schemaRef ds:uri="http://schemas.microsoft.com/office/2006/metadata/properties"/>
-    <ds:schemaRef ds:uri="http://www.w3.org/XML/1998/namespace"/>
+    <ds:schemaRef ds:uri="http://schemas.microsoft.com/sharepoint/v3/contenttype/forms"/>
   </ds:schemaRefs>
 </ds:datastoreItem>
 </file>
@@ -9797,9 +14042,18 @@
 </file>
 
 <file path=customXml/itemProps3.xml><?xml version="1.0" encoding="utf-8"?>
-<ds:datastoreItem xmlns:ds="http://schemas.openxmlformats.org/officeDocument/2006/customXml" ds:itemID="{4E8623C8-32E1-48B0-9F0A-13F2E9582B7E}">
+<ds:datastoreItem xmlns:ds="http://schemas.openxmlformats.org/officeDocument/2006/customXml" ds:itemID="{0825853C-1B27-4995-A583-4D39F900BB7F}">
   <ds:schemaRefs>
-    <ds:schemaRef ds:uri="http://schemas.microsoft.com/sharepoint/v3/contenttype/forms"/>
+    <ds:schemaRef ds:uri="http://schemas.microsoft.com/office/2006/documentManagement/types"/>
+    <ds:schemaRef ds:uri="http://purl.org/dc/dcmitype/"/>
+    <ds:schemaRef ds:uri="http://schemas.openxmlformats.org/package/2006/metadata/core-properties"/>
+    <ds:schemaRef ds:uri="669280c1-d17e-4d1d-bd7f-b4f14cc6bf1d"/>
+    <ds:schemaRef ds:uri="http://purl.org/dc/elements/1.1/"/>
+    <ds:schemaRef ds:uri="http://purl.org/dc/terms/"/>
+    <ds:schemaRef ds:uri="http://schemas.microsoft.com/office/infopath/2007/PartnerControls"/>
+    <ds:schemaRef ds:uri="bdc56f61-abc0-4f7e-bfec-a93ccd1ae886"/>
+    <ds:schemaRef ds:uri="http://schemas.microsoft.com/office/2006/metadata/properties"/>
+    <ds:schemaRef ds:uri="http://www.w3.org/XML/1998/namespace"/>
   </ds:schemaRefs>
 </ds:datastoreItem>
 </file>
--- a/Lesson_2/Semana 0.pptx
+++ b/Lesson_2/Semana 0.pptx
@@ -5,10 +5,10 @@
     <p:sldMasterId id="2147483778" r:id="rId4"/>
   </p:sldMasterIdLst>
   <p:notesMasterIdLst>
-    <p:notesMasterId r:id="rId13"/>
+    <p:notesMasterId r:id="rId15"/>
   </p:notesMasterIdLst>
   <p:handoutMasterIdLst>
-    <p:handoutMasterId r:id="rId14"/>
+    <p:handoutMasterId r:id="rId16"/>
   </p:handoutMasterIdLst>
   <p:sldIdLst>
     <p:sldId id="256" r:id="rId5"/>
@@ -19,6 +19,8 @@
     <p:sldId id="285" r:id="rId10"/>
     <p:sldId id="286" r:id="rId11"/>
     <p:sldId id="287" r:id="rId12"/>
+    <p:sldId id="288" r:id="rId13"/>
+    <p:sldId id="268" r:id="rId14"/>
   </p:sldIdLst>
   <p:sldSz cx="9144000" cy="6858000" type="letter"/>
   <p:notesSz cx="6858000" cy="9144000"/>
@@ -130,6 +132,8 @@
             <p14:sldId id="285"/>
             <p14:sldId id="286"/>
             <p14:sldId id="287"/>
+            <p14:sldId id="288"/>
+            <p14:sldId id="268"/>
           </p14:sldIdLst>
         </p14:section>
       </p14:sectionLst>
@@ -169,7 +173,7 @@
 <file path=ppt/revisionInfo.xml><?xml version="1.0" encoding="utf-8"?>
 <p1510:revInfo xmlns:a="http://schemas.openxmlformats.org/drawingml/2006/main" xmlns:r="http://schemas.openxmlformats.org/officeDocument/2006/relationships" xmlns:p1510="http://schemas.microsoft.com/office/powerpoint/2015/10/main">
   <p1510:revLst>
-    <p1510:client id="{01347BAF-43BE-4A2E-9E6D-2A57DE594E32}" v="29" dt="2025-08-22T16:05:46.168"/>
+    <p1510:client id="{01347BAF-43BE-4A2E-9E6D-2A57DE594E32}" v="38" dt="2025-08-22T16:10:57.352"/>
   </p1510:revLst>
 </p1510:revInfo>
 </file>
@@ -245,8 +249,8 @@
   </pc:docChgLst>
   <pc:docChgLst>
     <pc:chgData name="JHEYSON FABIAN VILLAVISAN BUITRAGO" userId="e5ced5c2-d787-455d-b115-4f08a699b8c8" providerId="ADAL" clId="{01347BAF-43BE-4A2E-9E6D-2A57DE594E32}"/>
-    <pc:docChg chg="addSld delSld modSld modSection">
-      <pc:chgData name="JHEYSON FABIAN VILLAVISAN BUITRAGO" userId="e5ced5c2-d787-455d-b115-4f08a699b8c8" providerId="ADAL" clId="{01347BAF-43BE-4A2E-9E6D-2A57DE594E32}" dt="2025-08-22T16:05:46.167" v="247" actId="20577"/>
+    <pc:docChg chg="undo custSel addSld delSld modSld modSection">
+      <pc:chgData name="JHEYSON FABIAN VILLAVISAN BUITRAGO" userId="e5ced5c2-d787-455d-b115-4f08a699b8c8" providerId="ADAL" clId="{01347BAF-43BE-4A2E-9E6D-2A57DE594E32}" dt="2025-08-22T16:11:30.408" v="290" actId="20577"/>
       <pc:docMkLst>
         <pc:docMk/>
       </pc:docMkLst>
@@ -265,8 +269,8 @@
           </ac:spMkLst>
         </pc:spChg>
       </pc:sldChg>
-      <pc:sldChg chg="modSp del mod">
-        <pc:chgData name="JHEYSON FABIAN VILLAVISAN BUITRAGO" userId="e5ced5c2-d787-455d-b115-4f08a699b8c8" providerId="ADAL" clId="{01347BAF-43BE-4A2E-9E6D-2A57DE594E32}" dt="2025-08-22T15:56:20.365" v="97" actId="47"/>
+      <pc:sldChg chg="modSp add del mod">
+        <pc:chgData name="JHEYSON FABIAN VILLAVISAN BUITRAGO" userId="e5ced5c2-d787-455d-b115-4f08a699b8c8" providerId="ADAL" clId="{01347BAF-43BE-4A2E-9E6D-2A57DE594E32}" dt="2025-08-22T16:10:20.802" v="250"/>
         <pc:sldMkLst>
           <pc:docMk/>
           <pc:sldMk cId="0" sldId="268"/>
@@ -453,6 +457,37 @@
             <pc:docMk/>
             <pc:sldMk cId="2195650862" sldId="287"/>
             <ac:spMk id="23554" creationId="{9407108A-1AC1-D2E6-54CE-10D2EFA8909B}"/>
+          </ac:spMkLst>
+        </pc:spChg>
+      </pc:sldChg>
+      <pc:sldChg chg="addSp delSp modSp add mod">
+        <pc:chgData name="JHEYSON FABIAN VILLAVISAN BUITRAGO" userId="e5ced5c2-d787-455d-b115-4f08a699b8c8" providerId="ADAL" clId="{01347BAF-43BE-4A2E-9E6D-2A57DE594E32}" dt="2025-08-22T16:11:30.408" v="290" actId="20577"/>
+        <pc:sldMkLst>
+          <pc:docMk/>
+          <pc:sldMk cId="3147677666" sldId="288"/>
+        </pc:sldMkLst>
+        <pc:spChg chg="mod">
+          <ac:chgData name="JHEYSON FABIAN VILLAVISAN BUITRAGO" userId="e5ced5c2-d787-455d-b115-4f08a699b8c8" providerId="ADAL" clId="{01347BAF-43BE-4A2E-9E6D-2A57DE594E32}" dt="2025-08-22T16:11:30.408" v="290" actId="20577"/>
+          <ac:spMkLst>
+            <pc:docMk/>
+            <pc:sldMk cId="3147677666" sldId="288"/>
+            <ac:spMk id="3" creationId="{D2132582-7632-DFC7-3A8B-C079C528855B}"/>
+          </ac:spMkLst>
+        </pc:spChg>
+        <pc:spChg chg="add del mod">
+          <ac:chgData name="JHEYSON FABIAN VILLAVISAN BUITRAGO" userId="e5ced5c2-d787-455d-b115-4f08a699b8c8" providerId="ADAL" clId="{01347BAF-43BE-4A2E-9E6D-2A57DE594E32}" dt="2025-08-22T16:10:57.352" v="277" actId="20577"/>
+          <ac:spMkLst>
+            <pc:docMk/>
+            <pc:sldMk cId="3147677666" sldId="288"/>
+            <ac:spMk id="5" creationId="{51ACA6E3-1A60-C18C-C082-3B36F4804E65}"/>
+          </ac:spMkLst>
+        </pc:spChg>
+        <pc:spChg chg="mod">
+          <ac:chgData name="JHEYSON FABIAN VILLAVISAN BUITRAGO" userId="e5ced5c2-d787-455d-b115-4f08a699b8c8" providerId="ADAL" clId="{01347BAF-43BE-4A2E-9E6D-2A57DE594E32}" dt="2025-08-22T16:10:09.115" v="249" actId="20577"/>
+          <ac:spMkLst>
+            <pc:docMk/>
+            <pc:sldMk cId="3147677666" sldId="288"/>
+            <ac:spMk id="23554" creationId="{C6836BF9-4082-FBBA-0B10-29F64D4F32E0}"/>
           </ac:spMkLst>
         </pc:spChg>
       </pc:sldChg>
@@ -1853,6 +1888,295 @@
 </p:notes>
 </file>
 
+<file path=ppt/notesSlides/notesSlide10.xml><?xml version="1.0" encoding="utf-8"?>
+<p:notes xmlns:a="http://schemas.openxmlformats.org/drawingml/2006/main" xmlns:r="http://schemas.openxmlformats.org/officeDocument/2006/relationships" xmlns:p="http://schemas.openxmlformats.org/presentationml/2006/main">
+  <p:cSld>
+    <p:spTree>
+      <p:nvGrpSpPr>
+        <p:cNvPr id="1" name=""/>
+        <p:cNvGrpSpPr/>
+        <p:nvPr/>
+      </p:nvGrpSpPr>
+      <p:grpSpPr>
+        <a:xfrm>
+          <a:off x="0" y="0"/>
+          <a:ext cx="0" cy="0"/>
+          <a:chOff x="0" y="0"/>
+          <a:chExt cx="0" cy="0"/>
+        </a:xfrm>
+      </p:grpSpPr>
+      <p:sp>
+        <p:nvSpPr>
+          <p:cNvPr id="24578" name="1 Marcador de imagen de diapositiva">
+            <a:extLst>
+              <a:ext uri="{FF2B5EF4-FFF2-40B4-BE49-F238E27FC236}">
+                <a16:creationId xmlns:a16="http://schemas.microsoft.com/office/drawing/2014/main" id="{A034F020-34E5-482F-99B1-A355D641BDE9}"/>
+              </a:ext>
+            </a:extLst>
+          </p:cNvPr>
+          <p:cNvSpPr>
+            <a:spLocks noGrp="1" noRot="1" noChangeAspect="1" noTextEdit="1"/>
+          </p:cNvSpPr>
+          <p:nvPr>
+            <p:ph type="sldImg"/>
+          </p:nvPr>
+        </p:nvSpPr>
+        <p:spPr bwMode="auto">
+          <a:noFill/>
+          <a:ln>
+            <a:solidFill>
+              <a:srgbClr val="000000"/>
+            </a:solidFill>
+            <a:miter lim="800000"/>
+            <a:headEnd/>
+            <a:tailEnd/>
+          </a:ln>
+          <a:extLst>
+            <a:ext uri="{909E8E84-426E-40DD-AFC4-6F175D3DCCD1}">
+              <a14:hiddenFill xmlns:a14="http://schemas.microsoft.com/office/drawing/2010/main">
+                <a:solidFill>
+                  <a:srgbClr val="FFFFFF"/>
+                </a:solidFill>
+              </a14:hiddenFill>
+            </a:ext>
+          </a:extLst>
+        </p:spPr>
+      </p:sp>
+      <p:sp>
+        <p:nvSpPr>
+          <p:cNvPr id="24579" name="2 Marcador de notas">
+            <a:extLst>
+              <a:ext uri="{FF2B5EF4-FFF2-40B4-BE49-F238E27FC236}">
+                <a16:creationId xmlns:a16="http://schemas.microsoft.com/office/drawing/2014/main" id="{4ACC1D78-A4EE-4296-B827-943102B1D158}"/>
+              </a:ext>
+            </a:extLst>
+          </p:cNvPr>
+          <p:cNvSpPr>
+            <a:spLocks noGrp="1"/>
+          </p:cNvSpPr>
+          <p:nvPr>
+            <p:ph type="body" idx="1"/>
+          </p:nvPr>
+        </p:nvSpPr>
+        <p:spPr bwMode="auto">
+          <a:noFill/>
+          <a:extLst>
+            <a:ext uri="{909E8E84-426E-40DD-AFC4-6F175D3DCCD1}">
+              <a14:hiddenFill xmlns:a14="http://schemas.microsoft.com/office/drawing/2010/main">
+                <a:solidFill>
+                  <a:srgbClr val="FFFFFF"/>
+                </a:solidFill>
+              </a14:hiddenFill>
+            </a:ext>
+            <a:ext uri="{91240B29-F687-4F45-9708-019B960494DF}">
+              <a14:hiddenLine xmlns:a14="http://schemas.microsoft.com/office/drawing/2010/main" w="9525">
+                <a:solidFill>
+                  <a:srgbClr val="000000"/>
+                </a:solidFill>
+                <a:miter lim="800000"/>
+                <a:headEnd/>
+                <a:tailEnd/>
+              </a14:hiddenLine>
+            </a:ext>
+          </a:extLst>
+        </p:spPr>
+        <p:txBody>
+          <a:bodyPr wrap="square" numCol="1" anchor="t" anchorCtr="0" compatLnSpc="1">
+            <a:prstTxWarp prst="textNoShape">
+              <a:avLst/>
+            </a:prstTxWarp>
+          </a:bodyPr>
+          <a:lstStyle/>
+          <a:p>
+            <a:pPr eaLnBrk="1" hangingPunct="1">
+              <a:spcBef>
+                <a:spcPct val="0"/>
+              </a:spcBef>
+            </a:pPr>
+            <a:endParaRPr lang="es-CO" altLang="es-CO"/>
+          </a:p>
+        </p:txBody>
+      </p:sp>
+      <p:sp>
+        <p:nvSpPr>
+          <p:cNvPr id="24580" name="3 Marcador de número de diapositiva">
+            <a:extLst>
+              <a:ext uri="{FF2B5EF4-FFF2-40B4-BE49-F238E27FC236}">
+                <a16:creationId xmlns:a16="http://schemas.microsoft.com/office/drawing/2014/main" id="{FD4DD11A-8247-45C7-960E-F8FB51C751B6}"/>
+              </a:ext>
+            </a:extLst>
+          </p:cNvPr>
+          <p:cNvSpPr>
+            <a:spLocks noGrp="1" noChangeArrowheads="1"/>
+          </p:cNvSpPr>
+          <p:nvPr>
+            <p:ph type="sldNum" sz="quarter" idx="5"/>
+          </p:nvPr>
+        </p:nvSpPr>
+        <p:spPr bwMode="auto">
+          <a:noFill/>
+          <a:extLst>
+            <a:ext uri="{909E8E84-426E-40DD-AFC4-6F175D3DCCD1}">
+              <a14:hiddenFill xmlns:a14="http://schemas.microsoft.com/office/drawing/2010/main">
+                <a:solidFill>
+                  <a:srgbClr val="FFFFFF"/>
+                </a:solidFill>
+              </a14:hiddenFill>
+            </a:ext>
+            <a:ext uri="{91240B29-F687-4F45-9708-019B960494DF}">
+              <a14:hiddenLine xmlns:a14="http://schemas.microsoft.com/office/drawing/2010/main" w="9525">
+                <a:solidFill>
+                  <a:srgbClr val="000000"/>
+                </a:solidFill>
+                <a:miter lim="800000"/>
+                <a:headEnd/>
+                <a:tailEnd/>
+              </a14:hiddenLine>
+            </a:ext>
+          </a:extLst>
+        </p:spPr>
+        <p:txBody>
+          <a:bodyPr/>
+          <a:lstStyle>
+            <a:lvl1pPr>
+              <a:spcBef>
+                <a:spcPct val="30000"/>
+              </a:spcBef>
+              <a:defRPr sz="1200">
+                <a:solidFill>
+                  <a:schemeClr val="tx1"/>
+                </a:solidFill>
+                <a:latin typeface="Calibri" panose="020F0502020204030204" pitchFamily="34" charset="0"/>
+              </a:defRPr>
+            </a:lvl1pPr>
+            <a:lvl2pPr marL="742950" indent="-285750">
+              <a:spcBef>
+                <a:spcPct val="30000"/>
+              </a:spcBef>
+              <a:defRPr sz="1200">
+                <a:solidFill>
+                  <a:schemeClr val="tx1"/>
+                </a:solidFill>
+                <a:latin typeface="Calibri" panose="020F0502020204030204" pitchFamily="34" charset="0"/>
+              </a:defRPr>
+            </a:lvl2pPr>
+            <a:lvl3pPr marL="1143000" indent="-228600">
+              <a:spcBef>
+                <a:spcPct val="30000"/>
+              </a:spcBef>
+              <a:defRPr sz="1200">
+                <a:solidFill>
+                  <a:schemeClr val="tx1"/>
+                </a:solidFill>
+                <a:latin typeface="Calibri" panose="020F0502020204030204" pitchFamily="34" charset="0"/>
+              </a:defRPr>
+            </a:lvl3pPr>
+            <a:lvl4pPr marL="1600200" indent="-228600">
+              <a:spcBef>
+                <a:spcPct val="30000"/>
+              </a:spcBef>
+              <a:defRPr sz="1200">
+                <a:solidFill>
+                  <a:schemeClr val="tx1"/>
+                </a:solidFill>
+                <a:latin typeface="Calibri" panose="020F0502020204030204" pitchFamily="34" charset="0"/>
+              </a:defRPr>
+            </a:lvl4pPr>
+            <a:lvl5pPr marL="2057400" indent="-228600">
+              <a:spcBef>
+                <a:spcPct val="30000"/>
+              </a:spcBef>
+              <a:defRPr sz="1200">
+                <a:solidFill>
+                  <a:schemeClr val="tx1"/>
+                </a:solidFill>
+                <a:latin typeface="Calibri" panose="020F0502020204030204" pitchFamily="34" charset="0"/>
+              </a:defRPr>
+            </a:lvl5pPr>
+            <a:lvl6pPr marL="2514600" indent="-228600" eaLnBrk="0" fontAlgn="base" hangingPunct="0">
+              <a:spcBef>
+                <a:spcPct val="30000"/>
+              </a:spcBef>
+              <a:spcAft>
+                <a:spcPct val="0"/>
+              </a:spcAft>
+              <a:defRPr sz="1200">
+                <a:solidFill>
+                  <a:schemeClr val="tx1"/>
+                </a:solidFill>
+                <a:latin typeface="Calibri" panose="020F0502020204030204" pitchFamily="34" charset="0"/>
+              </a:defRPr>
+            </a:lvl6pPr>
+            <a:lvl7pPr marL="2971800" indent="-228600" eaLnBrk="0" fontAlgn="base" hangingPunct="0">
+              <a:spcBef>
+                <a:spcPct val="30000"/>
+              </a:spcBef>
+              <a:spcAft>
+                <a:spcPct val="0"/>
+              </a:spcAft>
+              <a:defRPr sz="1200">
+                <a:solidFill>
+                  <a:schemeClr val="tx1"/>
+                </a:solidFill>
+                <a:latin typeface="Calibri" panose="020F0502020204030204" pitchFamily="34" charset="0"/>
+              </a:defRPr>
+            </a:lvl7pPr>
+            <a:lvl8pPr marL="3429000" indent="-228600" eaLnBrk="0" fontAlgn="base" hangingPunct="0">
+              <a:spcBef>
+                <a:spcPct val="30000"/>
+              </a:spcBef>
+              <a:spcAft>
+                <a:spcPct val="0"/>
+              </a:spcAft>
+              <a:defRPr sz="1200">
+                <a:solidFill>
+                  <a:schemeClr val="tx1"/>
+                </a:solidFill>
+                <a:latin typeface="Calibri" panose="020F0502020204030204" pitchFamily="34" charset="0"/>
+              </a:defRPr>
+            </a:lvl8pPr>
+            <a:lvl9pPr marL="3886200" indent="-228600" eaLnBrk="0" fontAlgn="base" hangingPunct="0">
+              <a:spcBef>
+                <a:spcPct val="30000"/>
+              </a:spcBef>
+              <a:spcAft>
+                <a:spcPct val="0"/>
+              </a:spcAft>
+              <a:defRPr sz="1200">
+                <a:solidFill>
+                  <a:schemeClr val="tx1"/>
+                </a:solidFill>
+                <a:latin typeface="Calibri" panose="020F0502020204030204" pitchFamily="34" charset="0"/>
+              </a:defRPr>
+            </a:lvl9pPr>
+          </a:lstStyle>
+          <a:p>
+            <a:pPr>
+              <a:spcBef>
+                <a:spcPct val="0"/>
+              </a:spcBef>
+            </a:pPr>
+            <a:fld id="{F044EFCE-52CC-4B49-9C54-448D812356D5}" type="slidenum">
+              <a:rPr lang="es-CO" altLang="es-CO" smtClean="0"/>
+              <a:pPr>
+                <a:spcBef>
+                  <a:spcPct val="0"/>
+                </a:spcBef>
+              </a:pPr>
+              <a:t>10</a:t>
+            </a:fld>
+            <a:endParaRPr lang="es-CO" altLang="es-CO"/>
+          </a:p>
+        </p:txBody>
+      </p:sp>
+    </p:spTree>
+  </p:cSld>
+  <p:clrMapOvr>
+    <a:masterClrMapping/>
+  </p:clrMapOvr>
+</p:notes>
+</file>
+
 <file path=ppt/notesSlides/notesSlide2.xml><?xml version="1.0" encoding="utf-8"?>
 <p:notes xmlns:a="http://schemas.openxmlformats.org/drawingml/2006/main" xmlns:r="http://schemas.openxmlformats.org/officeDocument/2006/relationships" xmlns:p="http://schemas.openxmlformats.org/presentationml/2006/main">
   <p:cSld>
@@ -3938,6 +4262,306 @@
     <p:extLst>
       <p:ext uri="{BB962C8B-B14F-4D97-AF65-F5344CB8AC3E}">
         <p14:creationId xmlns:p14="http://schemas.microsoft.com/office/powerpoint/2010/main" val="643073450"/>
+      </p:ext>
+    </p:extLst>
+  </p:cSld>
+  <p:clrMapOvr>
+    <a:masterClrMapping/>
+  </p:clrMapOvr>
+</p:notes>
+</file>
+
+<file path=ppt/notesSlides/notesSlide9.xml><?xml version="1.0" encoding="utf-8"?>
+<p:notes xmlns:a="http://schemas.openxmlformats.org/drawingml/2006/main" xmlns:r="http://schemas.openxmlformats.org/officeDocument/2006/relationships" xmlns:p="http://schemas.openxmlformats.org/presentationml/2006/main">
+  <p:cSld>
+    <p:spTree>
+      <p:nvGrpSpPr>
+        <p:cNvPr id="1" name="">
+          <a:extLst>
+            <a:ext uri="{FF2B5EF4-FFF2-40B4-BE49-F238E27FC236}">
+              <a16:creationId xmlns:a16="http://schemas.microsoft.com/office/drawing/2014/main" id="{531E6892-C7C4-483A-B373-73BFA0AA7C31}"/>
+            </a:ext>
+          </a:extLst>
+        </p:cNvPr>
+        <p:cNvGrpSpPr/>
+        <p:nvPr/>
+      </p:nvGrpSpPr>
+      <p:grpSpPr>
+        <a:xfrm>
+          <a:off x="0" y="0"/>
+          <a:ext cx="0" cy="0"/>
+          <a:chOff x="0" y="0"/>
+          <a:chExt cx="0" cy="0"/>
+        </a:xfrm>
+      </p:grpSpPr>
+      <p:sp>
+        <p:nvSpPr>
+          <p:cNvPr id="24578" name="1 Marcador de imagen de diapositiva">
+            <a:extLst>
+              <a:ext uri="{FF2B5EF4-FFF2-40B4-BE49-F238E27FC236}">
+                <a16:creationId xmlns:a16="http://schemas.microsoft.com/office/drawing/2014/main" id="{93E0684E-FD4A-63A9-96DA-1A186258C4CF}"/>
+              </a:ext>
+            </a:extLst>
+          </p:cNvPr>
+          <p:cNvSpPr>
+            <a:spLocks noGrp="1" noRot="1" noChangeAspect="1" noTextEdit="1"/>
+          </p:cNvSpPr>
+          <p:nvPr>
+            <p:ph type="sldImg"/>
+          </p:nvPr>
+        </p:nvSpPr>
+        <p:spPr bwMode="auto">
+          <a:noFill/>
+          <a:ln>
+            <a:solidFill>
+              <a:srgbClr val="000000"/>
+            </a:solidFill>
+            <a:miter lim="800000"/>
+            <a:headEnd/>
+            <a:tailEnd/>
+          </a:ln>
+          <a:extLst>
+            <a:ext uri="{909E8E84-426E-40DD-AFC4-6F175D3DCCD1}">
+              <a14:hiddenFill xmlns:a14="http://schemas.microsoft.com/office/drawing/2010/main">
+                <a:solidFill>
+                  <a:srgbClr val="FFFFFF"/>
+                </a:solidFill>
+              </a14:hiddenFill>
+            </a:ext>
+          </a:extLst>
+        </p:spPr>
+      </p:sp>
+      <p:sp>
+        <p:nvSpPr>
+          <p:cNvPr id="24579" name="2 Marcador de notas">
+            <a:extLst>
+              <a:ext uri="{FF2B5EF4-FFF2-40B4-BE49-F238E27FC236}">
+                <a16:creationId xmlns:a16="http://schemas.microsoft.com/office/drawing/2014/main" id="{27441771-821C-869B-873A-353CAFE42767}"/>
+              </a:ext>
+            </a:extLst>
+          </p:cNvPr>
+          <p:cNvSpPr>
+            <a:spLocks noGrp="1"/>
+          </p:cNvSpPr>
+          <p:nvPr>
+            <p:ph type="body" idx="1"/>
+          </p:nvPr>
+        </p:nvSpPr>
+        <p:spPr bwMode="auto">
+          <a:noFill/>
+          <a:extLst>
+            <a:ext uri="{909E8E84-426E-40DD-AFC4-6F175D3DCCD1}">
+              <a14:hiddenFill xmlns:a14="http://schemas.microsoft.com/office/drawing/2010/main">
+                <a:solidFill>
+                  <a:srgbClr val="FFFFFF"/>
+                </a:solidFill>
+              </a14:hiddenFill>
+            </a:ext>
+            <a:ext uri="{91240B29-F687-4F45-9708-019B960494DF}">
+              <a14:hiddenLine xmlns:a14="http://schemas.microsoft.com/office/drawing/2010/main" w="9525">
+                <a:solidFill>
+                  <a:srgbClr val="000000"/>
+                </a:solidFill>
+                <a:miter lim="800000"/>
+                <a:headEnd/>
+                <a:tailEnd/>
+              </a14:hiddenLine>
+            </a:ext>
+          </a:extLst>
+        </p:spPr>
+        <p:txBody>
+          <a:bodyPr wrap="square" numCol="1" anchor="t" anchorCtr="0" compatLnSpc="1">
+            <a:prstTxWarp prst="textNoShape">
+              <a:avLst/>
+            </a:prstTxWarp>
+          </a:bodyPr>
+          <a:lstStyle/>
+          <a:p>
+            <a:pPr eaLnBrk="1" hangingPunct="1">
+              <a:spcBef>
+                <a:spcPct val="0"/>
+              </a:spcBef>
+            </a:pPr>
+            <a:endParaRPr lang="es-CO" altLang="es-CO"/>
+          </a:p>
+        </p:txBody>
+      </p:sp>
+      <p:sp>
+        <p:nvSpPr>
+          <p:cNvPr id="24580" name="3 Marcador de número de diapositiva">
+            <a:extLst>
+              <a:ext uri="{FF2B5EF4-FFF2-40B4-BE49-F238E27FC236}">
+                <a16:creationId xmlns:a16="http://schemas.microsoft.com/office/drawing/2014/main" id="{CF060CE5-5216-8585-49B1-A448CA348210}"/>
+              </a:ext>
+            </a:extLst>
+          </p:cNvPr>
+          <p:cNvSpPr>
+            <a:spLocks noGrp="1" noChangeArrowheads="1"/>
+          </p:cNvSpPr>
+          <p:nvPr>
+            <p:ph type="sldNum" sz="quarter" idx="5"/>
+          </p:nvPr>
+        </p:nvSpPr>
+        <p:spPr bwMode="auto">
+          <a:noFill/>
+          <a:extLst>
+            <a:ext uri="{909E8E84-426E-40DD-AFC4-6F175D3DCCD1}">
+              <a14:hiddenFill xmlns:a14="http://schemas.microsoft.com/office/drawing/2010/main">
+                <a:solidFill>
+                  <a:srgbClr val="FFFFFF"/>
+                </a:solidFill>
+              </a14:hiddenFill>
+            </a:ext>
+            <a:ext uri="{91240B29-F687-4F45-9708-019B960494DF}">
+              <a14:hiddenLine xmlns:a14="http://schemas.microsoft.com/office/drawing/2010/main" w="9525">
+                <a:solidFill>
+                  <a:srgbClr val="000000"/>
+                </a:solidFill>
+                <a:miter lim="800000"/>
+                <a:headEnd/>
+                <a:tailEnd/>
+              </a14:hiddenLine>
+            </a:ext>
+          </a:extLst>
+        </p:spPr>
+        <p:txBody>
+          <a:bodyPr/>
+          <a:lstStyle>
+            <a:lvl1pPr>
+              <a:spcBef>
+                <a:spcPct val="30000"/>
+              </a:spcBef>
+              <a:defRPr sz="1200">
+                <a:solidFill>
+                  <a:schemeClr val="tx1"/>
+                </a:solidFill>
+                <a:latin typeface="Calibri" panose="020F0502020204030204" pitchFamily="34" charset="0"/>
+              </a:defRPr>
+            </a:lvl1pPr>
+            <a:lvl2pPr marL="742950" indent="-285750">
+              <a:spcBef>
+                <a:spcPct val="30000"/>
+              </a:spcBef>
+              <a:defRPr sz="1200">
+                <a:solidFill>
+                  <a:schemeClr val="tx1"/>
+                </a:solidFill>
+                <a:latin typeface="Calibri" panose="020F0502020204030204" pitchFamily="34" charset="0"/>
+              </a:defRPr>
+            </a:lvl2pPr>
+            <a:lvl3pPr marL="1143000" indent="-228600">
+              <a:spcBef>
+                <a:spcPct val="30000"/>
+              </a:spcBef>
+              <a:defRPr sz="1200">
+                <a:solidFill>
+                  <a:schemeClr val="tx1"/>
+                </a:solidFill>
+                <a:latin typeface="Calibri" panose="020F0502020204030204" pitchFamily="34" charset="0"/>
+              </a:defRPr>
+            </a:lvl3pPr>
+            <a:lvl4pPr marL="1600200" indent="-228600">
+              <a:spcBef>
+                <a:spcPct val="30000"/>
+              </a:spcBef>
+              <a:defRPr sz="1200">
+                <a:solidFill>
+                  <a:schemeClr val="tx1"/>
+                </a:solidFill>
+                <a:latin typeface="Calibri" panose="020F0502020204030204" pitchFamily="34" charset="0"/>
+              </a:defRPr>
+            </a:lvl4pPr>
+            <a:lvl5pPr marL="2057400" indent="-228600">
+              <a:spcBef>
+                <a:spcPct val="30000"/>
+              </a:spcBef>
+              <a:defRPr sz="1200">
+                <a:solidFill>
+                  <a:schemeClr val="tx1"/>
+                </a:solidFill>
+                <a:latin typeface="Calibri" panose="020F0502020204030204" pitchFamily="34" charset="0"/>
+              </a:defRPr>
+            </a:lvl5pPr>
+            <a:lvl6pPr marL="2514600" indent="-228600" eaLnBrk="0" fontAlgn="base" hangingPunct="0">
+              <a:spcBef>
+                <a:spcPct val="30000"/>
+              </a:spcBef>
+              <a:spcAft>
+                <a:spcPct val="0"/>
+              </a:spcAft>
+              <a:defRPr sz="1200">
+                <a:solidFill>
+                  <a:schemeClr val="tx1"/>
+                </a:solidFill>
+                <a:latin typeface="Calibri" panose="020F0502020204030204" pitchFamily="34" charset="0"/>
+              </a:defRPr>
+            </a:lvl6pPr>
+            <a:lvl7pPr marL="2971800" indent="-228600" eaLnBrk="0" fontAlgn="base" hangingPunct="0">
+              <a:spcBef>
+                <a:spcPct val="30000"/>
+              </a:spcBef>
+              <a:spcAft>
+                <a:spcPct val="0"/>
+              </a:spcAft>
+              <a:defRPr sz="1200">
+                <a:solidFill>
+                  <a:schemeClr val="tx1"/>
+                </a:solidFill>
+                <a:latin typeface="Calibri" panose="020F0502020204030204" pitchFamily="34" charset="0"/>
+              </a:defRPr>
+            </a:lvl7pPr>
+            <a:lvl8pPr marL="3429000" indent="-228600" eaLnBrk="0" fontAlgn="base" hangingPunct="0">
+              <a:spcBef>
+                <a:spcPct val="30000"/>
+              </a:spcBef>
+              <a:spcAft>
+                <a:spcPct val="0"/>
+              </a:spcAft>
+              <a:defRPr sz="1200">
+                <a:solidFill>
+                  <a:schemeClr val="tx1"/>
+                </a:solidFill>
+                <a:latin typeface="Calibri" panose="020F0502020204030204" pitchFamily="34" charset="0"/>
+              </a:defRPr>
+            </a:lvl8pPr>
+            <a:lvl9pPr marL="3886200" indent="-228600" eaLnBrk="0" fontAlgn="base" hangingPunct="0">
+              <a:spcBef>
+                <a:spcPct val="30000"/>
+              </a:spcBef>
+              <a:spcAft>
+                <a:spcPct val="0"/>
+              </a:spcAft>
+              <a:defRPr sz="1200">
+                <a:solidFill>
+                  <a:schemeClr val="tx1"/>
+                </a:solidFill>
+                <a:latin typeface="Calibri" panose="020F0502020204030204" pitchFamily="34" charset="0"/>
+              </a:defRPr>
+            </a:lvl9pPr>
+          </a:lstStyle>
+          <a:p>
+            <a:pPr>
+              <a:spcBef>
+                <a:spcPct val="0"/>
+              </a:spcBef>
+            </a:pPr>
+            <a:fld id="{F044EFCE-52CC-4B49-9C54-448D812356D5}" type="slidenum">
+              <a:rPr lang="es-CO" altLang="es-CO" smtClean="0"/>
+              <a:pPr>
+                <a:spcBef>
+                  <a:spcPct val="0"/>
+                </a:spcBef>
+              </a:pPr>
+              <a:t>9</a:t>
+            </a:fld>
+            <a:endParaRPr lang="es-CO" altLang="es-CO"/>
+          </a:p>
+        </p:txBody>
+      </p:sp>
+    </p:spTree>
+    <p:extLst>
+      <p:ext uri="{BB962C8B-B14F-4D97-AF65-F5344CB8AC3E}">
+        <p14:creationId xmlns:p14="http://schemas.microsoft.com/office/powerpoint/2010/main" val="2936260975"/>
       </p:ext>
     </p:extLst>
   </p:cSld>
@@ -9507,6 +10131,549 @@
 </p:sld>
 </file>
 
+<file path=ppt/slides/slide10.xml><?xml version="1.0" encoding="utf-8"?>
+<p:sld xmlns:a="http://schemas.openxmlformats.org/drawingml/2006/main" xmlns:r="http://schemas.openxmlformats.org/officeDocument/2006/relationships" xmlns:p="http://schemas.openxmlformats.org/presentationml/2006/main">
+  <p:cSld>
+    <p:spTree>
+      <p:nvGrpSpPr>
+        <p:cNvPr id="1" name=""/>
+        <p:cNvGrpSpPr/>
+        <p:nvPr/>
+      </p:nvGrpSpPr>
+      <p:grpSpPr>
+        <a:xfrm>
+          <a:off x="0" y="0"/>
+          <a:ext cx="0" cy="0"/>
+          <a:chOff x="0" y="0"/>
+          <a:chExt cx="0" cy="0"/>
+        </a:xfrm>
+      </p:grpSpPr>
+      <p:sp>
+        <p:nvSpPr>
+          <p:cNvPr id="9" name="Título 1">
+            <a:extLst>
+              <a:ext uri="{FF2B5EF4-FFF2-40B4-BE49-F238E27FC236}">
+                <a16:creationId xmlns:a16="http://schemas.microsoft.com/office/drawing/2014/main" id="{DE1C5E17-B258-47EA-B96B-EF9524AC8863}"/>
+              </a:ext>
+            </a:extLst>
+          </p:cNvPr>
+          <p:cNvSpPr txBox="1">
+            <a:spLocks/>
+          </p:cNvSpPr>
+          <p:nvPr/>
+        </p:nvSpPr>
+        <p:spPr bwMode="auto">
+          <a:xfrm>
+            <a:off x="611823" y="2708920"/>
+            <a:ext cx="8229600" cy="1143000"/>
+          </a:xfrm>
+          <a:prstGeom prst="rect">
+            <a:avLst/>
+          </a:prstGeom>
+          <a:noFill/>
+          <a:ln>
+            <a:noFill/>
+          </a:ln>
+          <a:extLst>
+            <a:ext uri="{909E8E84-426E-40DD-AFC4-6F175D3DCCD1}">
+              <a14:hiddenFill xmlns:a14="http://schemas.microsoft.com/office/drawing/2010/main">
+                <a:solidFill>
+                  <a:srgbClr val="FFFFFF"/>
+                </a:solidFill>
+              </a14:hiddenFill>
+            </a:ext>
+            <a:ext uri="{91240B29-F687-4F45-9708-019B960494DF}">
+              <a14:hiddenLine xmlns:a14="http://schemas.microsoft.com/office/drawing/2010/main" w="9525">
+                <a:solidFill>
+                  <a:srgbClr val="000000"/>
+                </a:solidFill>
+                <a:miter lim="800000"/>
+                <a:headEnd/>
+                <a:tailEnd/>
+              </a14:hiddenLine>
+            </a:ext>
+          </a:extLst>
+        </p:spPr>
+        <p:txBody>
+          <a:bodyPr anchor="ctr"/>
+          <a:lstStyle>
+            <a:lvl1pPr>
+              <a:spcBef>
+                <a:spcPct val="20000"/>
+              </a:spcBef>
+              <a:buFont typeface="Arial" panose="020B0604020202020204" pitchFamily="34" charset="0"/>
+              <a:buChar char="•"/>
+              <a:defRPr sz="3200">
+                <a:solidFill>
+                  <a:schemeClr val="tx1"/>
+                </a:solidFill>
+                <a:latin typeface="Arial" panose="020B0604020202020204" pitchFamily="34" charset="0"/>
+                <a:cs typeface="Arial" panose="020B0604020202020204" pitchFamily="34" charset="0"/>
+              </a:defRPr>
+            </a:lvl1pPr>
+            <a:lvl2pPr marL="742950" indent="-285750">
+              <a:spcBef>
+                <a:spcPct val="20000"/>
+              </a:spcBef>
+              <a:buFont typeface="Arial" panose="020B0604020202020204" pitchFamily="34" charset="0"/>
+              <a:buChar char="–"/>
+              <a:defRPr sz="2800">
+                <a:solidFill>
+                  <a:schemeClr val="tx1"/>
+                </a:solidFill>
+                <a:latin typeface="Arial" panose="020B0604020202020204" pitchFamily="34" charset="0"/>
+                <a:cs typeface="Arial" panose="020B0604020202020204" pitchFamily="34" charset="0"/>
+              </a:defRPr>
+            </a:lvl2pPr>
+            <a:lvl3pPr marL="1143000" indent="-228600">
+              <a:spcBef>
+                <a:spcPct val="20000"/>
+              </a:spcBef>
+              <a:buFont typeface="Arial" panose="020B0604020202020204" pitchFamily="34" charset="0"/>
+              <a:buChar char="•"/>
+              <a:defRPr sz="2400">
+                <a:solidFill>
+                  <a:schemeClr val="tx1"/>
+                </a:solidFill>
+                <a:latin typeface="Arial" panose="020B0604020202020204" pitchFamily="34" charset="0"/>
+                <a:cs typeface="Arial" panose="020B0604020202020204" pitchFamily="34" charset="0"/>
+              </a:defRPr>
+            </a:lvl3pPr>
+            <a:lvl4pPr marL="1600200" indent="-228600">
+              <a:spcBef>
+                <a:spcPct val="20000"/>
+              </a:spcBef>
+              <a:buFont typeface="Arial" panose="020B0604020202020204" pitchFamily="34" charset="0"/>
+              <a:buChar char="–"/>
+              <a:defRPr sz="2000">
+                <a:solidFill>
+                  <a:schemeClr val="tx1"/>
+                </a:solidFill>
+                <a:latin typeface="Arial" panose="020B0604020202020204" pitchFamily="34" charset="0"/>
+                <a:cs typeface="Arial" panose="020B0604020202020204" pitchFamily="34" charset="0"/>
+              </a:defRPr>
+            </a:lvl4pPr>
+            <a:lvl5pPr marL="2057400" indent="-228600">
+              <a:spcBef>
+                <a:spcPct val="20000"/>
+              </a:spcBef>
+              <a:buFont typeface="Arial" panose="020B0604020202020204" pitchFamily="34" charset="0"/>
+              <a:buChar char="»"/>
+              <a:defRPr sz="2000">
+                <a:solidFill>
+                  <a:schemeClr val="tx1"/>
+                </a:solidFill>
+                <a:latin typeface="Arial" panose="020B0604020202020204" pitchFamily="34" charset="0"/>
+                <a:cs typeface="Arial" panose="020B0604020202020204" pitchFamily="34" charset="0"/>
+              </a:defRPr>
+            </a:lvl5pPr>
+            <a:lvl6pPr marL="2514600" indent="-228600" eaLnBrk="0" fontAlgn="base" hangingPunct="0">
+              <a:spcBef>
+                <a:spcPct val="20000"/>
+              </a:spcBef>
+              <a:spcAft>
+                <a:spcPct val="0"/>
+              </a:spcAft>
+              <a:buFont typeface="Arial" panose="020B0604020202020204" pitchFamily="34" charset="0"/>
+              <a:buChar char="»"/>
+              <a:defRPr sz="2000">
+                <a:solidFill>
+                  <a:schemeClr val="tx1"/>
+                </a:solidFill>
+                <a:latin typeface="Arial" panose="020B0604020202020204" pitchFamily="34" charset="0"/>
+                <a:cs typeface="Arial" panose="020B0604020202020204" pitchFamily="34" charset="0"/>
+              </a:defRPr>
+            </a:lvl6pPr>
+            <a:lvl7pPr marL="2971800" indent="-228600" eaLnBrk="0" fontAlgn="base" hangingPunct="0">
+              <a:spcBef>
+                <a:spcPct val="20000"/>
+              </a:spcBef>
+              <a:spcAft>
+                <a:spcPct val="0"/>
+              </a:spcAft>
+              <a:buFont typeface="Arial" panose="020B0604020202020204" pitchFamily="34" charset="0"/>
+              <a:buChar char="»"/>
+              <a:defRPr sz="2000">
+                <a:solidFill>
+                  <a:schemeClr val="tx1"/>
+                </a:solidFill>
+                <a:latin typeface="Arial" panose="020B0604020202020204" pitchFamily="34" charset="0"/>
+                <a:cs typeface="Arial" panose="020B0604020202020204" pitchFamily="34" charset="0"/>
+              </a:defRPr>
+            </a:lvl7pPr>
+            <a:lvl8pPr marL="3429000" indent="-228600" eaLnBrk="0" fontAlgn="base" hangingPunct="0">
+              <a:spcBef>
+                <a:spcPct val="20000"/>
+              </a:spcBef>
+              <a:spcAft>
+                <a:spcPct val="0"/>
+              </a:spcAft>
+              <a:buFont typeface="Arial" panose="020B0604020202020204" pitchFamily="34" charset="0"/>
+              <a:buChar char="»"/>
+              <a:defRPr sz="2000">
+                <a:solidFill>
+                  <a:schemeClr val="tx1"/>
+                </a:solidFill>
+                <a:latin typeface="Arial" panose="020B0604020202020204" pitchFamily="34" charset="0"/>
+                <a:cs typeface="Arial" panose="020B0604020202020204" pitchFamily="34" charset="0"/>
+              </a:defRPr>
+            </a:lvl8pPr>
+            <a:lvl9pPr marL="3886200" indent="-228600" eaLnBrk="0" fontAlgn="base" hangingPunct="0">
+              <a:spcBef>
+                <a:spcPct val="20000"/>
+              </a:spcBef>
+              <a:spcAft>
+                <a:spcPct val="0"/>
+              </a:spcAft>
+              <a:buFont typeface="Arial" panose="020B0604020202020204" pitchFamily="34" charset="0"/>
+              <a:buChar char="»"/>
+              <a:defRPr sz="2000">
+                <a:solidFill>
+                  <a:schemeClr val="tx1"/>
+                </a:solidFill>
+                <a:latin typeface="Arial" panose="020B0604020202020204" pitchFamily="34" charset="0"/>
+                <a:cs typeface="Arial" panose="020B0604020202020204" pitchFamily="34" charset="0"/>
+              </a:defRPr>
+            </a:lvl9pPr>
+          </a:lstStyle>
+          <a:p>
+            <a:pPr algn="ctr">
+              <a:spcBef>
+                <a:spcPct val="0"/>
+              </a:spcBef>
+              <a:buFontTx/>
+              <a:buNone/>
+            </a:pPr>
+            <a:r>
+              <a:rPr lang="es-CO" altLang="es-CO" b="1" dirty="0"/>
+              <a:t>MATERIAL DEL CURSO</a:t>
+            </a:r>
+          </a:p>
+        </p:txBody>
+      </p:sp>
+      <p:pic>
+        <p:nvPicPr>
+          <p:cNvPr id="4" name="Picture 4" descr="Programas - Intranet ETITC">
+            <a:extLst>
+              <a:ext uri="{FF2B5EF4-FFF2-40B4-BE49-F238E27FC236}">
+                <a16:creationId xmlns:a16="http://schemas.microsoft.com/office/drawing/2014/main" id="{B96A6DCC-1ECE-413D-8BEA-DB41E6C6FC1A}"/>
+              </a:ext>
+            </a:extLst>
+          </p:cNvPr>
+          <p:cNvPicPr>
+            <a:picLocks noChangeAspect="1" noChangeArrowheads="1"/>
+          </p:cNvPicPr>
+          <p:nvPr/>
+        </p:nvPicPr>
+        <p:blipFill>
+          <a:blip r:embed="rId3">
+            <a:extLst>
+              <a:ext uri="{28A0092B-C50C-407E-A947-70E740481C1C}">
+                <a14:useLocalDpi xmlns:a14="http://schemas.microsoft.com/office/drawing/2010/main" val="0"/>
+              </a:ext>
+            </a:extLst>
+          </a:blip>
+          <a:srcRect/>
+          <a:stretch>
+            <a:fillRect/>
+          </a:stretch>
+        </p:blipFill>
+        <p:spPr bwMode="auto">
+          <a:xfrm>
+            <a:off x="795338" y="44758"/>
+            <a:ext cx="2483768" cy="794720"/>
+          </a:xfrm>
+          <a:prstGeom prst="rect">
+            <a:avLst/>
+          </a:prstGeom>
+          <a:noFill/>
+          <a:extLst>
+            <a:ext uri="{909E8E84-426E-40DD-AFC4-6F175D3DCCD1}">
+              <a14:hiddenFill xmlns:a14="http://schemas.microsoft.com/office/drawing/2010/main">
+                <a:solidFill>
+                  <a:srgbClr val="FFFFFF"/>
+                </a:solidFill>
+              </a14:hiddenFill>
+            </a:ext>
+          </a:extLst>
+        </p:spPr>
+      </p:pic>
+      <p:sp>
+        <p:nvSpPr>
+          <p:cNvPr id="2" name="2 Subtítulo">
+            <a:extLst>
+              <a:ext uri="{FF2B5EF4-FFF2-40B4-BE49-F238E27FC236}">
+                <a16:creationId xmlns:a16="http://schemas.microsoft.com/office/drawing/2014/main" id="{E3039CD5-5EDF-B67E-43E0-6A692B67FA09}"/>
+              </a:ext>
+            </a:extLst>
+          </p:cNvPr>
+          <p:cNvSpPr txBox="1">
+            <a:spLocks/>
+          </p:cNvSpPr>
+          <p:nvPr/>
+        </p:nvSpPr>
+        <p:spPr bwMode="auto">
+          <a:xfrm>
+            <a:off x="2267744" y="259824"/>
+            <a:ext cx="6400800" cy="500063"/>
+          </a:xfrm>
+          <a:prstGeom prst="rect">
+            <a:avLst/>
+          </a:prstGeom>
+          <a:noFill/>
+          <a:ln>
+            <a:noFill/>
+          </a:ln>
+          <a:extLst>
+            <a:ext uri="{909E8E84-426E-40DD-AFC4-6F175D3DCCD1}">
+              <a14:hiddenFill xmlns:a14="http://schemas.microsoft.com/office/drawing/2010/main">
+                <a:solidFill>
+                  <a:srgbClr val="FFFFFF"/>
+                </a:solidFill>
+              </a14:hiddenFill>
+            </a:ext>
+            <a:ext uri="{91240B29-F687-4F45-9708-019B960494DF}">
+              <a14:hiddenLine xmlns:a14="http://schemas.microsoft.com/office/drawing/2010/main" w="9525">
+                <a:solidFill>
+                  <a:srgbClr val="000000"/>
+                </a:solidFill>
+                <a:miter lim="800000"/>
+                <a:headEnd/>
+                <a:tailEnd/>
+              </a14:hiddenLine>
+            </a:ext>
+          </a:extLst>
+        </p:spPr>
+        <p:txBody>
+          <a:bodyPr vert="horz" wrap="square" lIns="91440" tIns="45720" rIns="91440" bIns="45720" numCol="1" rtlCol="0" anchor="t" anchorCtr="0" compatLnSpc="1">
+            <a:prstTxWarp prst="textNoShape">
+              <a:avLst/>
+            </a:prstTxWarp>
+            <a:noAutofit/>
+          </a:bodyPr>
+          <a:lstStyle>
+            <a:lvl1pPr marL="342900" indent="-342900" algn="l" rtl="0" eaLnBrk="0" fontAlgn="base" hangingPunct="0">
+              <a:spcBef>
+                <a:spcPct val="20000"/>
+              </a:spcBef>
+              <a:spcAft>
+                <a:spcPct val="0"/>
+              </a:spcAft>
+              <a:buFont typeface="Arial" panose="020B0604020202020204" pitchFamily="34" charset="0"/>
+              <a:buChar char="•"/>
+              <a:defRPr sz="3200" kern="1200">
+                <a:solidFill>
+                  <a:schemeClr val="tx1"/>
+                </a:solidFill>
+                <a:latin typeface="Arial" pitchFamily="34" charset="0"/>
+                <a:ea typeface="+mn-ea"/>
+                <a:cs typeface="Arial" pitchFamily="34" charset="0"/>
+              </a:defRPr>
+            </a:lvl1pPr>
+            <a:lvl2pPr marL="742950" indent="-285750" algn="l" rtl="0" eaLnBrk="0" fontAlgn="base" hangingPunct="0">
+              <a:spcBef>
+                <a:spcPct val="20000"/>
+              </a:spcBef>
+              <a:spcAft>
+                <a:spcPct val="0"/>
+              </a:spcAft>
+              <a:buFont typeface="Arial" panose="020B0604020202020204" pitchFamily="34" charset="0"/>
+              <a:buChar char="–"/>
+              <a:defRPr sz="2800" kern="1200">
+                <a:solidFill>
+                  <a:schemeClr val="tx1"/>
+                </a:solidFill>
+                <a:latin typeface="Arial" pitchFamily="34" charset="0"/>
+                <a:ea typeface="+mn-ea"/>
+                <a:cs typeface="Arial" pitchFamily="34" charset="0"/>
+              </a:defRPr>
+            </a:lvl2pPr>
+            <a:lvl3pPr marL="1143000" indent="-228600" algn="l" rtl="0" eaLnBrk="0" fontAlgn="base" hangingPunct="0">
+              <a:spcBef>
+                <a:spcPct val="20000"/>
+              </a:spcBef>
+              <a:spcAft>
+                <a:spcPct val="0"/>
+              </a:spcAft>
+              <a:buFont typeface="Arial" panose="020B0604020202020204" pitchFamily="34" charset="0"/>
+              <a:buChar char="•"/>
+              <a:defRPr sz="2400" kern="1200">
+                <a:solidFill>
+                  <a:schemeClr val="tx1"/>
+                </a:solidFill>
+                <a:latin typeface="Arial" pitchFamily="34" charset="0"/>
+                <a:ea typeface="+mn-ea"/>
+                <a:cs typeface="Arial" pitchFamily="34" charset="0"/>
+              </a:defRPr>
+            </a:lvl3pPr>
+            <a:lvl4pPr marL="1600200" indent="-228600" algn="l" rtl="0" eaLnBrk="0" fontAlgn="base" hangingPunct="0">
+              <a:spcBef>
+                <a:spcPct val="20000"/>
+              </a:spcBef>
+              <a:spcAft>
+                <a:spcPct val="0"/>
+              </a:spcAft>
+              <a:buFont typeface="Arial" panose="020B0604020202020204" pitchFamily="34" charset="0"/>
+              <a:buChar char="–"/>
+              <a:defRPr sz="2000" kern="1200">
+                <a:solidFill>
+                  <a:schemeClr val="tx1"/>
+                </a:solidFill>
+                <a:latin typeface="Arial" pitchFamily="34" charset="0"/>
+                <a:ea typeface="+mn-ea"/>
+                <a:cs typeface="Arial" pitchFamily="34" charset="0"/>
+              </a:defRPr>
+            </a:lvl4pPr>
+            <a:lvl5pPr marL="2057400" indent="-228600" algn="l" rtl="0" eaLnBrk="0" fontAlgn="base" hangingPunct="0">
+              <a:spcBef>
+                <a:spcPct val="20000"/>
+              </a:spcBef>
+              <a:spcAft>
+                <a:spcPct val="0"/>
+              </a:spcAft>
+              <a:buFont typeface="Arial" panose="020B0604020202020204" pitchFamily="34" charset="0"/>
+              <a:buChar char="»"/>
+              <a:defRPr sz="2000" kern="1200">
+                <a:solidFill>
+                  <a:schemeClr val="tx1"/>
+                </a:solidFill>
+                <a:latin typeface="Arial" pitchFamily="34" charset="0"/>
+                <a:ea typeface="+mn-ea"/>
+                <a:cs typeface="Arial" pitchFamily="34" charset="0"/>
+              </a:defRPr>
+            </a:lvl5pPr>
+            <a:lvl6pPr marL="2514600" indent="-228600" algn="l" defTabSz="914400" rtl="0" eaLnBrk="1" latinLnBrk="0" hangingPunct="1">
+              <a:spcBef>
+                <a:spcPct val="20000"/>
+              </a:spcBef>
+              <a:buFont typeface="Arial" pitchFamily="34" charset="0"/>
+              <a:buChar char="•"/>
+              <a:defRPr sz="2000" kern="1200">
+                <a:solidFill>
+                  <a:schemeClr val="tx1"/>
+                </a:solidFill>
+                <a:latin typeface="+mn-lt"/>
+                <a:ea typeface="+mn-ea"/>
+                <a:cs typeface="+mn-cs"/>
+              </a:defRPr>
+            </a:lvl6pPr>
+            <a:lvl7pPr marL="2971800" indent="-228600" algn="l" defTabSz="914400" rtl="0" eaLnBrk="1" latinLnBrk="0" hangingPunct="1">
+              <a:spcBef>
+                <a:spcPct val="20000"/>
+              </a:spcBef>
+              <a:buFont typeface="Arial" pitchFamily="34" charset="0"/>
+              <a:buChar char="•"/>
+              <a:defRPr sz="2000" kern="1200">
+                <a:solidFill>
+                  <a:schemeClr val="tx1"/>
+                </a:solidFill>
+                <a:latin typeface="+mn-lt"/>
+                <a:ea typeface="+mn-ea"/>
+                <a:cs typeface="+mn-cs"/>
+              </a:defRPr>
+            </a:lvl7pPr>
+            <a:lvl8pPr marL="3429000" indent="-228600" algn="l" defTabSz="914400" rtl="0" eaLnBrk="1" latinLnBrk="0" hangingPunct="1">
+              <a:spcBef>
+                <a:spcPct val="20000"/>
+              </a:spcBef>
+              <a:buFont typeface="Arial" pitchFamily="34" charset="0"/>
+              <a:buChar char="•"/>
+              <a:defRPr sz="2000" kern="1200">
+                <a:solidFill>
+                  <a:schemeClr val="tx1"/>
+                </a:solidFill>
+                <a:latin typeface="+mn-lt"/>
+                <a:ea typeface="+mn-ea"/>
+                <a:cs typeface="+mn-cs"/>
+              </a:defRPr>
+            </a:lvl8pPr>
+            <a:lvl9pPr marL="3886200" indent="-228600" algn="l" defTabSz="914400" rtl="0" eaLnBrk="1" latinLnBrk="0" hangingPunct="1">
+              <a:spcBef>
+                <a:spcPct val="20000"/>
+              </a:spcBef>
+              <a:buFont typeface="Arial" pitchFamily="34" charset="0"/>
+              <a:buChar char="•"/>
+              <a:defRPr sz="2000" kern="1200">
+                <a:solidFill>
+                  <a:schemeClr val="tx1"/>
+                </a:solidFill>
+                <a:latin typeface="+mn-lt"/>
+                <a:ea typeface="+mn-ea"/>
+                <a:cs typeface="+mn-cs"/>
+              </a:defRPr>
+            </a:lvl9pPr>
+          </a:lstStyle>
+          <a:p>
+            <a:pPr marL="0" indent="0" algn="r" eaLnBrk="1" fontAlgn="auto" hangingPunct="1">
+              <a:spcAft>
+                <a:spcPts val="0"/>
+              </a:spcAft>
+              <a:buNone/>
+              <a:defRPr/>
+            </a:pPr>
+            <a:r>
+              <a:rPr lang="es-CO" sz="2000" b="1" dirty="0">
+                <a:solidFill>
+                  <a:schemeClr val="tx1">
+                    <a:lumMod val="75000"/>
+                    <a:lumOff val="25000"/>
+                  </a:schemeClr>
+                </a:solidFill>
+              </a:rPr>
+              <a:t> SISTEMAS DE CONTROL INDUSTRIAL</a:t>
+            </a:r>
+          </a:p>
+        </p:txBody>
+      </p:sp>
+      <p:sp>
+        <p:nvSpPr>
+          <p:cNvPr id="3" name="CuadroTexto 2">
+            <a:extLst>
+              <a:ext uri="{FF2B5EF4-FFF2-40B4-BE49-F238E27FC236}">
+                <a16:creationId xmlns:a16="http://schemas.microsoft.com/office/drawing/2014/main" id="{008BB48C-FC05-3615-A776-2D1677A4E9F1}"/>
+              </a:ext>
+            </a:extLst>
+          </p:cNvPr>
+          <p:cNvSpPr txBox="1"/>
+          <p:nvPr/>
+        </p:nvSpPr>
+        <p:spPr>
+          <a:xfrm>
+            <a:off x="1632204" y="4221088"/>
+            <a:ext cx="6188837" cy="369332"/>
+          </a:xfrm>
+          <a:prstGeom prst="rect">
+            <a:avLst/>
+          </a:prstGeom>
+          <a:noFill/>
+        </p:spPr>
+        <p:txBody>
+          <a:bodyPr wrap="square" rtlCol="0">
+            <a:spAutoFit/>
+          </a:bodyPr>
+          <a:lstStyle/>
+          <a:p>
+            <a:r>
+              <a:rPr lang="es-CO" dirty="0">
+                <a:hlinkClick r:id="rId4"/>
+              </a:rPr>
+              <a:t>https://github.com/F4bian1012/Sistemas_De_Contro_Industrial</a:t>
+            </a:r>
+            <a:r>
+              <a:rPr lang="es-CO" dirty="0"/>
+              <a:t> </a:t>
+            </a:r>
+          </a:p>
+        </p:txBody>
+      </p:sp>
+    </p:spTree>
+  </p:cSld>
+  <p:clrMapOvr>
+    <a:masterClrMapping/>
+  </p:clrMapOvr>
+</p:sld>
+</file>
+
 <file path=ppt/slides/slide2.xml><?xml version="1.0" encoding="utf-8"?>
 <p:sld xmlns:a="http://schemas.openxmlformats.org/drawingml/2006/main" xmlns:r="http://schemas.openxmlformats.org/officeDocument/2006/relationships" xmlns:p="http://schemas.openxmlformats.org/presentationml/2006/main">
   <p:cSld>
@@ -11621,8 +12788,8 @@
           </a:p>
         </p:txBody>
       </p:sp>
-      <mc:AlternateContent xmlns:mc="http://schemas.openxmlformats.org/markup-compatibility/2006">
-        <mc:Choice xmlns:a14="http://schemas.microsoft.com/office/drawing/2010/main" Requires="a14">
+      <mc:AlternateContent xmlns:mc="http://schemas.openxmlformats.org/markup-compatibility/2006" xmlns:a14="http://schemas.microsoft.com/office/drawing/2010/main">
+        <mc:Choice Requires="a14">
           <p:sp>
             <p:nvSpPr>
               <p:cNvPr id="5" name="CuadroTexto 4">
@@ -11668,6 +12835,7 @@
                 <a:endParaRPr lang="es-ES" dirty="0"/>
               </a:p>
               <a:p>
+                <a:pPr/>
                 <a14:m>
                   <m:oMathPara xmlns:m="http://schemas.openxmlformats.org/officeDocument/2006/math">
                     <m:oMathParaPr>
@@ -11719,7 +12887,7 @@
             </p:txBody>
           </p:sp>
         </mc:Choice>
-        <mc:Fallback>
+        <mc:Fallback xmlns="">
           <p:sp>
             <p:nvSpPr>
               <p:cNvPr id="5" name="CuadroTexto 4">
@@ -12148,8 +13316,8 @@
           </a:p>
         </p:txBody>
       </p:sp>
-      <mc:AlternateContent xmlns:mc="http://schemas.openxmlformats.org/markup-compatibility/2006">
-        <mc:Choice xmlns:a14="http://schemas.microsoft.com/office/drawing/2010/main" Requires="a14">
+      <mc:AlternateContent xmlns:mc="http://schemas.openxmlformats.org/markup-compatibility/2006" xmlns:a14="http://schemas.microsoft.com/office/drawing/2010/main">
+        <mc:Choice Requires="a14">
           <p:sp>
             <p:nvSpPr>
               <p:cNvPr id="5" name="CuadroTexto 4">
@@ -12248,13 +13416,7 @@
                             <a:rPr lang="es-CO" b="0" i="1" smtClean="0">
                               <a:latin typeface="Cambria Math" panose="02040503050406030204" pitchFamily="18" charset="0"/>
                             </a:rPr>
-                            <m:t>+</m:t>
-                          </m:r>
-                          <m:r>
-                            <a:rPr lang="es-CO" b="0" i="1" smtClean="0">
-                              <a:latin typeface="Cambria Math" panose="02040503050406030204" pitchFamily="18" charset="0"/>
-                            </a:rPr>
-                            <m:t>3</m:t>
+                            <m:t>+3</m:t>
                           </m:r>
                           <m:r>
                             <a:rPr lang="es-CO" b="0" i="1" smtClean="0">
@@ -12278,7 +13440,7 @@
             </p:txBody>
           </p:sp>
         </mc:Choice>
-        <mc:Fallback>
+        <mc:Fallback xmlns="">
           <p:sp>
             <p:nvSpPr>
               <p:cNvPr id="5" name="CuadroTexto 4">
@@ -12707,8 +13869,8 @@
           </a:p>
         </p:txBody>
       </p:sp>
-      <mc:AlternateContent xmlns:mc="http://schemas.openxmlformats.org/markup-compatibility/2006">
-        <mc:Choice xmlns:a14="http://schemas.microsoft.com/office/drawing/2010/main" Requires="a14">
+      <mc:AlternateContent xmlns:mc="http://schemas.openxmlformats.org/markup-compatibility/2006" xmlns:a14="http://schemas.microsoft.com/office/drawing/2010/main">
+        <mc:Choice Requires="a14">
           <p:sp>
             <p:nvSpPr>
               <p:cNvPr id="5" name="CuadroTexto 4">
@@ -12843,7 +14005,7 @@
             </p:txBody>
           </p:sp>
         </mc:Choice>
-        <mc:Fallback>
+        <mc:Fallback xmlns="">
           <p:sp>
             <p:nvSpPr>
               <p:cNvPr id="5" name="CuadroTexto 4">
@@ -12892,6 +14054,440 @@
     <p:extLst>
       <p:ext uri="{BB962C8B-B14F-4D97-AF65-F5344CB8AC3E}">
         <p14:creationId xmlns:p14="http://schemas.microsoft.com/office/powerpoint/2010/main" val="2195650862"/>
+      </p:ext>
+    </p:extLst>
+  </p:cSld>
+  <p:clrMapOvr>
+    <a:masterClrMapping/>
+  </p:clrMapOvr>
+</p:sld>
+</file>
+
+<file path=ppt/slides/slide9.xml><?xml version="1.0" encoding="utf-8"?>
+<p:sld xmlns:a="http://schemas.openxmlformats.org/drawingml/2006/main" xmlns:r="http://schemas.openxmlformats.org/officeDocument/2006/relationships" xmlns:p="http://schemas.openxmlformats.org/presentationml/2006/main">
+  <p:cSld>
+    <p:spTree>
+      <p:nvGrpSpPr>
+        <p:cNvPr id="1" name="">
+          <a:extLst>
+            <a:ext uri="{FF2B5EF4-FFF2-40B4-BE49-F238E27FC236}">
+              <a16:creationId xmlns:a16="http://schemas.microsoft.com/office/drawing/2014/main" id="{90C659A4-9A77-8C19-92EC-6A431FED2A89}"/>
+            </a:ext>
+          </a:extLst>
+        </p:cNvPr>
+        <p:cNvGrpSpPr/>
+        <p:nvPr/>
+      </p:nvGrpSpPr>
+      <p:grpSpPr>
+        <a:xfrm>
+          <a:off x="0" y="0"/>
+          <a:ext cx="0" cy="0"/>
+          <a:chOff x="0" y="0"/>
+          <a:chExt cx="0" cy="0"/>
+        </a:xfrm>
+      </p:grpSpPr>
+      <p:sp>
+        <p:nvSpPr>
+          <p:cNvPr id="23554" name="1 Título">
+            <a:extLst>
+              <a:ext uri="{FF2B5EF4-FFF2-40B4-BE49-F238E27FC236}">
+                <a16:creationId xmlns:a16="http://schemas.microsoft.com/office/drawing/2014/main" id="{C6836BF9-4082-FBBA-0B10-29F64D4F32E0}"/>
+              </a:ext>
+            </a:extLst>
+          </p:cNvPr>
+          <p:cNvSpPr>
+            <a:spLocks noGrp="1"/>
+          </p:cNvSpPr>
+          <p:nvPr>
+            <p:ph type="ctrTitle"/>
+          </p:nvPr>
+        </p:nvSpPr>
+        <p:spPr>
+          <a:xfrm>
+            <a:off x="0" y="-28575"/>
+            <a:ext cx="779463" cy="720725"/>
+          </a:xfrm>
+        </p:spPr>
+        <p:txBody>
+          <a:bodyPr/>
+          <a:lstStyle/>
+          <a:p>
+            <a:pPr algn="ctr" eaLnBrk="1" hangingPunct="1"/>
+            <a:r>
+              <a:rPr lang="es-CO" altLang="es-CO" sz="3600" dirty="0"/>
+              <a:t>9</a:t>
+            </a:r>
+          </a:p>
+        </p:txBody>
+      </p:sp>
+      <p:pic>
+        <p:nvPicPr>
+          <p:cNvPr id="4" name="Picture 4" descr="Programas - Intranet ETITC">
+            <a:extLst>
+              <a:ext uri="{FF2B5EF4-FFF2-40B4-BE49-F238E27FC236}">
+                <a16:creationId xmlns:a16="http://schemas.microsoft.com/office/drawing/2014/main" id="{5B45B4B0-7631-C17B-0282-11CA36CACE4C}"/>
+              </a:ext>
+            </a:extLst>
+          </p:cNvPr>
+          <p:cNvPicPr>
+            <a:picLocks noChangeAspect="1" noChangeArrowheads="1"/>
+          </p:cNvPicPr>
+          <p:nvPr/>
+        </p:nvPicPr>
+        <p:blipFill>
+          <a:blip r:embed="rId3">
+            <a:extLst>
+              <a:ext uri="{28A0092B-C50C-407E-A947-70E740481C1C}">
+                <a14:useLocalDpi xmlns:a14="http://schemas.microsoft.com/office/drawing/2010/main" val="0"/>
+              </a:ext>
+            </a:extLst>
+          </a:blip>
+          <a:srcRect/>
+          <a:stretch>
+            <a:fillRect/>
+          </a:stretch>
+        </p:blipFill>
+        <p:spPr bwMode="auto">
+          <a:xfrm>
+            <a:off x="795338" y="44758"/>
+            <a:ext cx="2483768" cy="794720"/>
+          </a:xfrm>
+          <a:prstGeom prst="rect">
+            <a:avLst/>
+          </a:prstGeom>
+          <a:noFill/>
+          <a:extLst>
+            <a:ext uri="{909E8E84-426E-40DD-AFC4-6F175D3DCCD1}">
+              <a14:hiddenFill xmlns:a14="http://schemas.microsoft.com/office/drawing/2010/main">
+                <a:solidFill>
+                  <a:srgbClr val="FFFFFF"/>
+                </a:solidFill>
+              </a14:hiddenFill>
+            </a:ext>
+          </a:extLst>
+        </p:spPr>
+      </p:pic>
+      <p:sp>
+        <p:nvSpPr>
+          <p:cNvPr id="2" name="2 Subtítulo">
+            <a:extLst>
+              <a:ext uri="{FF2B5EF4-FFF2-40B4-BE49-F238E27FC236}">
+                <a16:creationId xmlns:a16="http://schemas.microsoft.com/office/drawing/2014/main" id="{7C73CB1A-ACE5-956E-8BF6-5D3A82D077F5}"/>
+              </a:ext>
+            </a:extLst>
+          </p:cNvPr>
+          <p:cNvSpPr txBox="1">
+            <a:spLocks/>
+          </p:cNvSpPr>
+          <p:nvPr/>
+        </p:nvSpPr>
+        <p:spPr bwMode="auto">
+          <a:xfrm>
+            <a:off x="2267744" y="259824"/>
+            <a:ext cx="6400800" cy="500063"/>
+          </a:xfrm>
+          <a:prstGeom prst="rect">
+            <a:avLst/>
+          </a:prstGeom>
+          <a:noFill/>
+          <a:ln>
+            <a:noFill/>
+          </a:ln>
+          <a:extLst>
+            <a:ext uri="{909E8E84-426E-40DD-AFC4-6F175D3DCCD1}">
+              <a14:hiddenFill xmlns:a14="http://schemas.microsoft.com/office/drawing/2010/main">
+                <a:solidFill>
+                  <a:srgbClr val="FFFFFF"/>
+                </a:solidFill>
+              </a14:hiddenFill>
+            </a:ext>
+            <a:ext uri="{91240B29-F687-4F45-9708-019B960494DF}">
+              <a14:hiddenLine xmlns:a14="http://schemas.microsoft.com/office/drawing/2010/main" w="9525">
+                <a:solidFill>
+                  <a:srgbClr val="000000"/>
+                </a:solidFill>
+                <a:miter lim="800000"/>
+                <a:headEnd/>
+                <a:tailEnd/>
+              </a14:hiddenLine>
+            </a:ext>
+          </a:extLst>
+        </p:spPr>
+        <p:txBody>
+          <a:bodyPr vert="horz" wrap="square" lIns="91440" tIns="45720" rIns="91440" bIns="45720" numCol="1" rtlCol="0" anchor="t" anchorCtr="0" compatLnSpc="1">
+            <a:prstTxWarp prst="textNoShape">
+              <a:avLst/>
+            </a:prstTxWarp>
+            <a:noAutofit/>
+          </a:bodyPr>
+          <a:lstStyle>
+            <a:lvl1pPr marL="342900" indent="-342900" algn="l" rtl="0" eaLnBrk="0" fontAlgn="base" hangingPunct="0">
+              <a:spcBef>
+                <a:spcPct val="20000"/>
+              </a:spcBef>
+              <a:spcAft>
+                <a:spcPct val="0"/>
+              </a:spcAft>
+              <a:buFont typeface="Arial" panose="020B0604020202020204" pitchFamily="34" charset="0"/>
+              <a:buChar char="•"/>
+              <a:defRPr sz="3200" kern="1200">
+                <a:solidFill>
+                  <a:schemeClr val="tx1"/>
+                </a:solidFill>
+                <a:latin typeface="Arial" pitchFamily="34" charset="0"/>
+                <a:ea typeface="+mn-ea"/>
+                <a:cs typeface="Arial" pitchFamily="34" charset="0"/>
+              </a:defRPr>
+            </a:lvl1pPr>
+            <a:lvl2pPr marL="742950" indent="-285750" algn="l" rtl="0" eaLnBrk="0" fontAlgn="base" hangingPunct="0">
+              <a:spcBef>
+                <a:spcPct val="20000"/>
+              </a:spcBef>
+              <a:spcAft>
+                <a:spcPct val="0"/>
+              </a:spcAft>
+              <a:buFont typeface="Arial" panose="020B0604020202020204" pitchFamily="34" charset="0"/>
+              <a:buChar char="–"/>
+              <a:defRPr sz="2800" kern="1200">
+                <a:solidFill>
+                  <a:schemeClr val="tx1"/>
+                </a:solidFill>
+                <a:latin typeface="Arial" pitchFamily="34" charset="0"/>
+                <a:ea typeface="+mn-ea"/>
+                <a:cs typeface="Arial" pitchFamily="34" charset="0"/>
+              </a:defRPr>
+            </a:lvl2pPr>
+            <a:lvl3pPr marL="1143000" indent="-228600" algn="l" rtl="0" eaLnBrk="0" fontAlgn="base" hangingPunct="0">
+              <a:spcBef>
+                <a:spcPct val="20000"/>
+              </a:spcBef>
+              <a:spcAft>
+                <a:spcPct val="0"/>
+              </a:spcAft>
+              <a:buFont typeface="Arial" panose="020B0604020202020204" pitchFamily="34" charset="0"/>
+              <a:buChar char="•"/>
+              <a:defRPr sz="2400" kern="1200">
+                <a:solidFill>
+                  <a:schemeClr val="tx1"/>
+                </a:solidFill>
+                <a:latin typeface="Arial" pitchFamily="34" charset="0"/>
+                <a:ea typeface="+mn-ea"/>
+                <a:cs typeface="Arial" pitchFamily="34" charset="0"/>
+              </a:defRPr>
+            </a:lvl3pPr>
+            <a:lvl4pPr marL="1600200" indent="-228600" algn="l" rtl="0" eaLnBrk="0" fontAlgn="base" hangingPunct="0">
+              <a:spcBef>
+                <a:spcPct val="20000"/>
+              </a:spcBef>
+              <a:spcAft>
+                <a:spcPct val="0"/>
+              </a:spcAft>
+              <a:buFont typeface="Arial" panose="020B0604020202020204" pitchFamily="34" charset="0"/>
+              <a:buChar char="–"/>
+              <a:defRPr sz="2000" kern="1200">
+                <a:solidFill>
+                  <a:schemeClr val="tx1"/>
+                </a:solidFill>
+                <a:latin typeface="Arial" pitchFamily="34" charset="0"/>
+                <a:ea typeface="+mn-ea"/>
+                <a:cs typeface="Arial" pitchFamily="34" charset="0"/>
+              </a:defRPr>
+            </a:lvl4pPr>
+            <a:lvl5pPr marL="2057400" indent="-228600" algn="l" rtl="0" eaLnBrk="0" fontAlgn="base" hangingPunct="0">
+              <a:spcBef>
+                <a:spcPct val="20000"/>
+              </a:spcBef>
+              <a:spcAft>
+                <a:spcPct val="0"/>
+              </a:spcAft>
+              <a:buFont typeface="Arial" panose="020B0604020202020204" pitchFamily="34" charset="0"/>
+              <a:buChar char="»"/>
+              <a:defRPr sz="2000" kern="1200">
+                <a:solidFill>
+                  <a:schemeClr val="tx1"/>
+                </a:solidFill>
+                <a:latin typeface="Arial" pitchFamily="34" charset="0"/>
+                <a:ea typeface="+mn-ea"/>
+                <a:cs typeface="Arial" pitchFamily="34" charset="0"/>
+              </a:defRPr>
+            </a:lvl5pPr>
+            <a:lvl6pPr marL="2514600" indent="-228600" algn="l" defTabSz="914400" rtl="0" eaLnBrk="1" latinLnBrk="0" hangingPunct="1">
+              <a:spcBef>
+                <a:spcPct val="20000"/>
+              </a:spcBef>
+              <a:buFont typeface="Arial" pitchFamily="34" charset="0"/>
+              <a:buChar char="•"/>
+              <a:defRPr sz="2000" kern="1200">
+                <a:solidFill>
+                  <a:schemeClr val="tx1"/>
+                </a:solidFill>
+                <a:latin typeface="+mn-lt"/>
+                <a:ea typeface="+mn-ea"/>
+                <a:cs typeface="+mn-cs"/>
+              </a:defRPr>
+            </a:lvl6pPr>
+            <a:lvl7pPr marL="2971800" indent="-228600" algn="l" defTabSz="914400" rtl="0" eaLnBrk="1" latinLnBrk="0" hangingPunct="1">
+              <a:spcBef>
+                <a:spcPct val="20000"/>
+              </a:spcBef>
+              <a:buFont typeface="Arial" pitchFamily="34" charset="0"/>
+              <a:buChar char="•"/>
+              <a:defRPr sz="2000" kern="1200">
+                <a:solidFill>
+                  <a:schemeClr val="tx1"/>
+                </a:solidFill>
+                <a:latin typeface="+mn-lt"/>
+                <a:ea typeface="+mn-ea"/>
+                <a:cs typeface="+mn-cs"/>
+              </a:defRPr>
+            </a:lvl7pPr>
+            <a:lvl8pPr marL="3429000" indent="-228600" algn="l" defTabSz="914400" rtl="0" eaLnBrk="1" latinLnBrk="0" hangingPunct="1">
+              <a:spcBef>
+                <a:spcPct val="20000"/>
+              </a:spcBef>
+              <a:buFont typeface="Arial" pitchFamily="34" charset="0"/>
+              <a:buChar char="•"/>
+              <a:defRPr sz="2000" kern="1200">
+                <a:solidFill>
+                  <a:schemeClr val="tx1"/>
+                </a:solidFill>
+                <a:latin typeface="+mn-lt"/>
+                <a:ea typeface="+mn-ea"/>
+                <a:cs typeface="+mn-cs"/>
+              </a:defRPr>
+            </a:lvl8pPr>
+            <a:lvl9pPr marL="3886200" indent="-228600" algn="l" defTabSz="914400" rtl="0" eaLnBrk="1" latinLnBrk="0" hangingPunct="1">
+              <a:spcBef>
+                <a:spcPct val="20000"/>
+              </a:spcBef>
+              <a:buFont typeface="Arial" pitchFamily="34" charset="0"/>
+              <a:buChar char="•"/>
+              <a:defRPr sz="2000" kern="1200">
+                <a:solidFill>
+                  <a:schemeClr val="tx1"/>
+                </a:solidFill>
+                <a:latin typeface="+mn-lt"/>
+                <a:ea typeface="+mn-ea"/>
+                <a:cs typeface="+mn-cs"/>
+              </a:defRPr>
+            </a:lvl9pPr>
+          </a:lstStyle>
+          <a:p>
+            <a:pPr marL="0" indent="0" algn="r" eaLnBrk="1" fontAlgn="auto" hangingPunct="1">
+              <a:spcAft>
+                <a:spcPts val="0"/>
+              </a:spcAft>
+              <a:buNone/>
+              <a:defRPr/>
+            </a:pPr>
+            <a:r>
+              <a:rPr lang="es-CO" sz="2000" b="1" dirty="0">
+                <a:solidFill>
+                  <a:schemeClr val="tx1">
+                    <a:lumMod val="75000"/>
+                    <a:lumOff val="25000"/>
+                  </a:schemeClr>
+                </a:solidFill>
+              </a:rPr>
+              <a:t> SISTEMAS DE CONTROL INDUSTRIAL</a:t>
+            </a:r>
+          </a:p>
+        </p:txBody>
+      </p:sp>
+      <p:sp>
+        <p:nvSpPr>
+          <p:cNvPr id="3" name="CuadroTexto 2">
+            <a:extLst>
+              <a:ext uri="{FF2B5EF4-FFF2-40B4-BE49-F238E27FC236}">
+                <a16:creationId xmlns:a16="http://schemas.microsoft.com/office/drawing/2014/main" id="{D2132582-7632-DFC7-3A8B-C079C528855B}"/>
+              </a:ext>
+            </a:extLst>
+          </p:cNvPr>
+          <p:cNvSpPr txBox="1"/>
+          <p:nvPr/>
+        </p:nvSpPr>
+        <p:spPr>
+          <a:xfrm>
+            <a:off x="2627784" y="3082786"/>
+            <a:ext cx="3888432" cy="646331"/>
+          </a:xfrm>
+          <a:prstGeom prst="rect">
+            <a:avLst/>
+          </a:prstGeom>
+          <a:noFill/>
+        </p:spPr>
+        <p:txBody>
+          <a:bodyPr wrap="square" rtlCol="0">
+            <a:spAutoFit/>
+          </a:bodyPr>
+          <a:lstStyle/>
+          <a:p>
+            <a:pPr algn="ctr"/>
+            <a:r>
+              <a:rPr lang="en-US" b="1" dirty="0"/>
+              <a:t>Lectura </a:t>
+            </a:r>
+            <a:r>
+              <a:rPr lang="en-US" b="1" dirty="0" err="1"/>
+              <a:t>sugerida</a:t>
+            </a:r>
+            <a:endParaRPr lang="en-US" b="1" dirty="0"/>
+          </a:p>
+          <a:p>
+            <a:pPr algn="ctr"/>
+            <a:endParaRPr lang="en-US" b="1" dirty="0"/>
+          </a:p>
+        </p:txBody>
+      </p:sp>
+      <p:sp>
+        <p:nvSpPr>
+          <p:cNvPr id="5" name="CuadroTexto 4">
+            <a:extLst>
+              <a:ext uri="{FF2B5EF4-FFF2-40B4-BE49-F238E27FC236}">
+                <a16:creationId xmlns:a16="http://schemas.microsoft.com/office/drawing/2014/main" id="{51ACA6E3-1A60-C18C-C082-3B36F4804E65}"/>
+              </a:ext>
+            </a:extLst>
+          </p:cNvPr>
+          <p:cNvSpPr txBox="1"/>
+          <p:nvPr/>
+        </p:nvSpPr>
+        <p:spPr>
+          <a:xfrm>
+            <a:off x="779463" y="3861048"/>
+            <a:ext cx="7889081" cy="646331"/>
+          </a:xfrm>
+          <a:prstGeom prst="rect">
+            <a:avLst/>
+          </a:prstGeom>
+          <a:noFill/>
+        </p:spPr>
+        <p:txBody>
+          <a:bodyPr wrap="square" rtlCol="0">
+            <a:spAutoFit/>
+          </a:bodyPr>
+          <a:lstStyle/>
+          <a:p>
+            <a:r>
+              <a:rPr lang="es-ES" dirty="0">
+                <a:hlinkClick r:id="rId4"/>
+              </a:rPr>
+              <a:t>https://matlabacademy.mathworks.com/es/details/matlab-fundamentals/mlbe</a:t>
+            </a:r>
+            <a:r>
+              <a:rPr lang="es-ES" dirty="0"/>
+              <a:t> </a:t>
+            </a:r>
+          </a:p>
+          <a:p>
+            <a:pPr/>
+            <a:endParaRPr lang="es-CO" dirty="0"/>
+          </a:p>
+        </p:txBody>
+      </p:sp>
+    </p:spTree>
+    <p:extLst>
+      <p:ext uri="{BB962C8B-B14F-4D97-AF65-F5344CB8AC3E}">
+        <p14:creationId xmlns:p14="http://schemas.microsoft.com/office/powerpoint/2010/main" val="3147677666"/>
       </p:ext>
     </p:extLst>
   </p:cSld>
@@ -13763,15 +15359,6 @@
 </file>
 
 <file path=customXml/item1.xml><?xml version="1.0" encoding="utf-8"?>
-<?mso-contentType ?>
-<FormTemplates xmlns="http://schemas.microsoft.com/sharepoint/v3/contenttype/forms">
-  <Display>DocumentLibraryForm</Display>
-  <Edit>DocumentLibraryForm</Edit>
-  <New>DocumentLibraryForm</New>
-</FormTemplates>
-</file>
-
-<file path=customXml/item2.xml><?xml version="1.0" encoding="utf-8"?>
 <ct:contentTypeSchema xmlns:ct="http://schemas.microsoft.com/office/2006/metadata/contentType" xmlns:ma="http://schemas.microsoft.com/office/2006/metadata/properties/metaAttributes" ct:_="" ma:_="" ma:contentTypeName="Documento" ma:contentTypeID="0x0101007A62137D465CE64A8C883A4664514BF8" ma:contentTypeVersion="15" ma:contentTypeDescription="Crear nuevo documento." ma:contentTypeScope="" ma:versionID="a1bd1d59f691eb9bca6952b111268275">
   <xsd:schema xmlns:xsd="http://www.w3.org/2001/XMLSchema" xmlns:xs="http://www.w3.org/2001/XMLSchema" xmlns:p="http://schemas.microsoft.com/office/2006/metadata/properties" xmlns:ns3="669280c1-d17e-4d1d-bd7f-b4f14cc6bf1d" xmlns:ns4="bdc56f61-abc0-4f7e-bfec-a93ccd1ae886" targetNamespace="http://schemas.microsoft.com/office/2006/metadata/properties" ma:root="true" ma:fieldsID="d02990a02f19f0f9fc7b999b1809cae4" ns3:_="" ns4:_="">
     <xsd:import namespace="669280c1-d17e-4d1d-bd7f-b4f14cc6bf1d"/>
@@ -14006,6 +15593,15 @@
 </ct:contentTypeSchema>
 </file>
 
+<file path=customXml/item2.xml><?xml version="1.0" encoding="utf-8"?>
+<?mso-contentType ?>
+<FormTemplates xmlns="http://schemas.microsoft.com/sharepoint/v3/contenttype/forms">
+  <Display>DocumentLibraryForm</Display>
+  <Edit>DocumentLibraryForm</Edit>
+  <New>DocumentLibraryForm</New>
+</FormTemplates>
+</file>
+
 <file path=customXml/item3.xml><?xml version="1.0" encoding="utf-8"?>
 <p:properties xmlns:p="http://schemas.microsoft.com/office/2006/metadata/properties" xmlns:xsi="http://www.w3.org/2001/XMLSchema-instance" xmlns:pc="http://schemas.microsoft.com/office/infopath/2007/PartnerControls">
   <documentManagement>
@@ -14015,14 +15611,6 @@
 </file>
 
 <file path=customXml/itemProps1.xml><?xml version="1.0" encoding="utf-8"?>
-<ds:datastoreItem xmlns:ds="http://schemas.openxmlformats.org/officeDocument/2006/customXml" ds:itemID="{4E8623C8-32E1-48B0-9F0A-13F2E9582B7E}">
-  <ds:schemaRefs>
-    <ds:schemaRef ds:uri="http://schemas.microsoft.com/sharepoint/v3/contenttype/forms"/>
-  </ds:schemaRefs>
-</ds:datastoreItem>
-</file>
-
-<file path=customXml/itemProps2.xml><?xml version="1.0" encoding="utf-8"?>
 <ds:datastoreItem xmlns:ds="http://schemas.openxmlformats.org/officeDocument/2006/customXml" ds:itemID="{025820C3-FD82-4EFC-BF14-EAF1F9613F52}">
   <ds:schemaRefs>
     <ds:schemaRef ds:uri="http://schemas.microsoft.com/office/2006/metadata/contentType"/>
@@ -14037,6 +15625,14 @@
     <ds:schemaRef ds:uri="http://purl.org/dc/elements/1.1/"/>
     <ds:schemaRef ds:uri="http://purl.org/dc/terms/"/>
     <ds:schemaRef ds:uri="http://schemas.microsoft.com/internal/obd"/>
+  </ds:schemaRefs>
+</ds:datastoreItem>
+</file>
+
+<file path=customXml/itemProps2.xml><?xml version="1.0" encoding="utf-8"?>
+<ds:datastoreItem xmlns:ds="http://schemas.openxmlformats.org/officeDocument/2006/customXml" ds:itemID="{4E8623C8-32E1-48B0-9F0A-13F2E9582B7E}">
+  <ds:schemaRefs>
+    <ds:schemaRef ds:uri="http://schemas.microsoft.com/sharepoint/v3/contenttype/forms"/>
   </ds:schemaRefs>
 </ds:datastoreItem>
 </file>
